--- a/presentation/RWA Tokenization Platform.pptx
+++ b/presentation/RWA Tokenization Platform.pptx
@@ -21,53 +21,56 @@
     <p:sldId id="266" r:id="rId15"/>
     <p:sldId id="267" r:id="rId16"/>
     <p:sldId id="268" r:id="rId17"/>
+    <p:sldId id="269" r:id="rId18"/>
+    <p:sldId id="270" r:id="rId19"/>
+    <p:sldId id="271" r:id="rId20"/>
   </p:sldIdLst>
   <p:sldSz cy="5143500" cx="9144000"/>
   <p:notesSz cx="6858000" cy="9144000"/>
   <p:embeddedFontLst>
     <p:embeddedFont>
       <p:font typeface="Raleway"/>
-      <p:regular r:id="rId18"/>
-      <p:bold r:id="rId19"/>
-      <p:italic r:id="rId20"/>
-      <p:boldItalic r:id="rId21"/>
+      <p:regular r:id="rId21"/>
+      <p:bold r:id="rId22"/>
+      <p:italic r:id="rId23"/>
+      <p:boldItalic r:id="rId24"/>
     </p:embeddedFont>
     <p:embeddedFont>
       <p:font typeface="Afacad Flux"/>
-      <p:regular r:id="rId22"/>
-      <p:bold r:id="rId23"/>
+      <p:regular r:id="rId25"/>
+      <p:bold r:id="rId26"/>
     </p:embeddedFont>
     <p:embeddedFont>
       <p:font typeface="Heebo"/>
-      <p:regular r:id="rId24"/>
-      <p:bold r:id="rId25"/>
+      <p:regular r:id="rId27"/>
+      <p:bold r:id="rId28"/>
     </p:embeddedFont>
     <p:embeddedFont>
       <p:font typeface="Bricolage Grotesque ExtraLight"/>
-      <p:regular r:id="rId26"/>
-      <p:bold r:id="rId27"/>
+      <p:regular r:id="rId29"/>
+      <p:bold r:id="rId30"/>
     </p:embeddedFont>
     <p:embeddedFont>
       <p:font typeface="Anaheim"/>
-      <p:regular r:id="rId28"/>
-      <p:bold r:id="rId29"/>
+      <p:regular r:id="rId31"/>
+      <p:bold r:id="rId32"/>
     </p:embeddedFont>
     <p:embeddedFont>
       <p:font typeface="Bricolage Grotesque"/>
-      <p:regular r:id="rId30"/>
-      <p:bold r:id="rId31"/>
+      <p:regular r:id="rId33"/>
+      <p:bold r:id="rId34"/>
     </p:embeddedFont>
     <p:embeddedFont>
       <p:font typeface="Bricolage Grotesque Medium"/>
-      <p:regular r:id="rId32"/>
-      <p:bold r:id="rId33"/>
+      <p:regular r:id="rId35"/>
+      <p:bold r:id="rId36"/>
     </p:embeddedFont>
     <p:embeddedFont>
       <p:font typeface="Open Sans"/>
-      <p:regular r:id="rId34"/>
-      <p:bold r:id="rId35"/>
-      <p:italic r:id="rId36"/>
-      <p:boldItalic r:id="rId37"/>
+      <p:regular r:id="rId37"/>
+      <p:bold r:id="rId38"/>
+      <p:italic r:id="rId39"/>
+      <p:boldItalic r:id="rId40"/>
     </p:embeddedFont>
   </p:embeddedFontLst>
   <p:defaultTextStyle>
@@ -832,7 +835,7 @@
   <p:cSld>
     <p:spTree>
       <p:nvGrpSpPr>
-        <p:cNvPr id="221" name="Shape 221"/>
+        <p:cNvPr id="203" name="Shape 203"/>
         <p:cNvGrpSpPr/>
         <p:nvPr/>
       </p:nvGrpSpPr>
@@ -846,7 +849,7 @@
       </p:grpSpPr>
       <p:sp>
         <p:nvSpPr>
-          <p:cNvPr id="222" name="Google Shape;222;g3b8d636df11_0_36:notes"/>
+          <p:cNvPr id="204" name="Google Shape;204;g54dda1946d_6_344:notes"/>
           <p:cNvSpPr/>
           <p:nvPr>
             <p:ph idx="2" type="sldImg"/>
@@ -881,7 +884,7 @@
       </p:sp>
       <p:sp>
         <p:nvSpPr>
-          <p:cNvPr id="223" name="Google Shape;223;g3b8d636df11_0_36:notes"/>
+          <p:cNvPr id="205" name="Google Shape;205;g54dda1946d_6_344:notes"/>
           <p:cNvSpPr txBox="1"/>
           <p:nvPr>
             <p:ph idx="1" type="body"/>
@@ -931,7 +934,7 @@
   <p:cSld>
     <p:spTree>
       <p:nvGrpSpPr>
-        <p:cNvPr id="230" name="Shape 230"/>
+        <p:cNvPr id="217" name="Shape 217"/>
         <p:cNvGrpSpPr/>
         <p:nvPr/>
       </p:nvGrpSpPr>
@@ -945,7 +948,7 @@
       </p:grpSpPr>
       <p:sp>
         <p:nvSpPr>
-          <p:cNvPr id="231" name="Google Shape;231;g3b8d636df11_0_45:notes"/>
+          <p:cNvPr id="218" name="Google Shape;218;gd5260bdd85_0_256:notes"/>
           <p:cNvSpPr/>
           <p:nvPr>
             <p:ph idx="2" type="sldImg"/>
@@ -980,7 +983,7 @@
       </p:sp>
       <p:sp>
         <p:nvSpPr>
-          <p:cNvPr id="232" name="Google Shape;232;g3b8d636df11_0_45:notes"/>
+          <p:cNvPr id="219" name="Google Shape;219;gd5260bdd85_0_256:notes"/>
           <p:cNvSpPr txBox="1"/>
           <p:nvPr>
             <p:ph idx="1" type="body"/>
@@ -1030,7 +1033,7 @@
   <p:cSld>
     <p:spTree>
       <p:nvGrpSpPr>
-        <p:cNvPr id="244" name="Shape 244"/>
+        <p:cNvPr id="234" name="Shape 234"/>
         <p:cNvGrpSpPr/>
         <p:nvPr/>
       </p:nvGrpSpPr>
@@ -1044,7 +1047,7 @@
       </p:grpSpPr>
       <p:sp>
         <p:nvSpPr>
-          <p:cNvPr id="245" name="Google Shape;245;gd5260bdd85_0_270:notes"/>
+          <p:cNvPr id="235" name="Google Shape;235;g3b8d636df11_0_36:notes"/>
           <p:cNvSpPr/>
           <p:nvPr>
             <p:ph idx="2" type="sldImg"/>
@@ -1079,7 +1082,7 @@
       </p:sp>
       <p:sp>
         <p:nvSpPr>
-          <p:cNvPr id="246" name="Google Shape;246;gd5260bdd85_0_270:notes"/>
+          <p:cNvPr id="236" name="Google Shape;236;g3b8d636df11_0_36:notes"/>
           <p:cNvSpPr txBox="1"/>
           <p:nvPr>
             <p:ph idx="1" type="body"/>
@@ -1129,7 +1132,7 @@
   <p:cSld>
     <p:spTree>
       <p:nvGrpSpPr>
-        <p:cNvPr id="297" name="Shape 297"/>
+        <p:cNvPr id="244" name="Shape 244"/>
         <p:cNvGrpSpPr/>
         <p:nvPr/>
       </p:nvGrpSpPr>
@@ -1143,7 +1146,7 @@
       </p:grpSpPr>
       <p:sp>
         <p:nvSpPr>
-          <p:cNvPr id="298" name="Google Shape;298;g135e18421cc_13_10:notes"/>
+          <p:cNvPr id="245" name="Google Shape;245;g3b8d636df11_0_45:notes"/>
           <p:cNvSpPr/>
           <p:nvPr>
             <p:ph idx="2" type="sldImg"/>
@@ -1178,7 +1181,7 @@
       </p:sp>
       <p:sp>
         <p:nvSpPr>
-          <p:cNvPr id="299" name="Google Shape;299;g135e18421cc_13_10:notes"/>
+          <p:cNvPr id="246" name="Google Shape;246;g3b8d636df11_0_45:notes"/>
           <p:cNvSpPr txBox="1"/>
           <p:nvPr>
             <p:ph idx="1" type="body"/>
@@ -1223,12 +1226,12 @@
 </p:notes>
 </file>
 
-<file path=ppt/notesSlides/notesSlide2.xml><?xml version="1.0" encoding="utf-8"?>
+<file path=ppt/notesSlides/notesSlide14.xml><?xml version="1.0" encoding="utf-8"?>
 <p:notes xmlns:a="http://schemas.openxmlformats.org/drawingml/2006/main" xmlns:r="http://schemas.openxmlformats.org/officeDocument/2006/relationships" xmlns:mc="http://schemas.openxmlformats.org/markup-compatibility/2006" xmlns:mv="urn:schemas-microsoft-com:mac:vml" xmlns:p="http://schemas.openxmlformats.org/presentationml/2006/main" xmlns:c="http://schemas.openxmlformats.org/drawingml/2006/chart" xmlns:dgm="http://schemas.openxmlformats.org/drawingml/2006/diagram" xmlns:o="urn:schemas-microsoft-com:office:office" xmlns:v="urn:schemas-microsoft-com:vml" xmlns:pvml="urn:schemas-microsoft-com:office:powerpoint" xmlns:com="http://schemas.openxmlformats.org/drawingml/2006/compatibility" xmlns:p14="http://schemas.microsoft.com/office/powerpoint/2010/main" xmlns:p15="http://schemas.microsoft.com/office/powerpoint/2012/main" xmlns:ahyp="http://schemas.microsoft.com/office/drawing/2018/hyperlinkcolor" showMasterPhAnim="0" showMasterSp="0">
   <p:cSld>
     <p:spTree>
       <p:nvGrpSpPr>
-        <p:cNvPr id="114" name="Shape 114"/>
+        <p:cNvPr id="258" name="Shape 258"/>
         <p:cNvGrpSpPr/>
         <p:nvPr/>
       </p:nvGrpSpPr>
@@ -1242,7 +1245,7 @@
       </p:grpSpPr>
       <p:sp>
         <p:nvSpPr>
-          <p:cNvPr id="115" name="Google Shape;115;gd431007ba2_0_215:notes"/>
+          <p:cNvPr id="259" name="Google Shape;259;gd5260bdd85_0_270:notes"/>
           <p:cNvSpPr/>
           <p:nvPr>
             <p:ph idx="2" type="sldImg"/>
@@ -1277,7 +1280,7 @@
       </p:sp>
       <p:sp>
         <p:nvSpPr>
-          <p:cNvPr id="116" name="Google Shape;116;gd431007ba2_0_215:notes"/>
+          <p:cNvPr id="260" name="Google Shape;260;gd5260bdd85_0_270:notes"/>
           <p:cNvSpPr txBox="1"/>
           <p:nvPr>
             <p:ph idx="1" type="body"/>
@@ -1305,34 +1308,6 @@
               <a:spcAft>
                 <a:spcPts val="0"/>
               </a:spcAft>
-              <a:buClr>
-                <a:schemeClr val="dk1"/>
-              </a:buClr>
-              <a:buSzPts val="1100"/>
-              <a:buFont typeface="Arial"/>
-              <a:buNone/>
-            </a:pPr>
-            <a:r>
-              <a:t/>
-            </a:r>
-            <a:endParaRPr i="1" sz="1200">
-              <a:solidFill>
-                <a:srgbClr val="595959"/>
-              </a:solidFill>
-              <a:latin typeface="Anaheim"/>
-              <a:ea typeface="Anaheim"/>
-              <a:cs typeface="Anaheim"/>
-              <a:sym typeface="Anaheim"/>
-            </a:endParaRPr>
-          </a:p>
-          <a:p>
-            <a:pPr indent="0" lvl="0" marL="0" rtl="0" algn="l">
-              <a:spcBef>
-                <a:spcPts val="0"/>
-              </a:spcBef>
-              <a:spcAft>
-                <a:spcPts val="0"/>
-              </a:spcAft>
               <a:buNone/>
             </a:pPr>
             <a:r>
@@ -1350,12 +1325,12 @@
 </p:notes>
 </file>
 
-<file path=ppt/notesSlides/notesSlide3.xml><?xml version="1.0" encoding="utf-8"?>
+<file path=ppt/notesSlides/notesSlide15.xml><?xml version="1.0" encoding="utf-8"?>
 <p:notes xmlns:a="http://schemas.openxmlformats.org/drawingml/2006/main" xmlns:r="http://schemas.openxmlformats.org/officeDocument/2006/relationships" xmlns:mc="http://schemas.openxmlformats.org/markup-compatibility/2006" xmlns:mv="urn:schemas-microsoft-com:mac:vml" xmlns:p="http://schemas.openxmlformats.org/presentationml/2006/main" xmlns:c="http://schemas.openxmlformats.org/drawingml/2006/chart" xmlns:dgm="http://schemas.openxmlformats.org/drawingml/2006/diagram" xmlns:o="urn:schemas-microsoft-com:office:office" xmlns:v="urn:schemas-microsoft-com:vml" xmlns:pvml="urn:schemas-microsoft-com:office:powerpoint" xmlns:com="http://schemas.openxmlformats.org/drawingml/2006/compatibility" xmlns:p14="http://schemas.microsoft.com/office/powerpoint/2010/main" xmlns:p15="http://schemas.microsoft.com/office/powerpoint/2012/main" xmlns:ahyp="http://schemas.microsoft.com/office/drawing/2018/hyperlinkcolor" showMasterPhAnim="0" showMasterSp="0">
   <p:cSld>
     <p:spTree>
       <p:nvGrpSpPr>
-        <p:cNvPr id="143" name="Shape 143"/>
+        <p:cNvPr id="311" name="Shape 311"/>
         <p:cNvGrpSpPr/>
         <p:nvPr/>
       </p:nvGrpSpPr>
@@ -1369,7 +1344,7 @@
       </p:grpSpPr>
       <p:sp>
         <p:nvSpPr>
-          <p:cNvPr id="144" name="Google Shape;144;g54dda1946d_0_3:notes"/>
+          <p:cNvPr id="312" name="Google Shape;312;g135e18421cc_13_10:notes"/>
           <p:cNvSpPr/>
           <p:nvPr>
             <p:ph idx="2" type="sldImg"/>
@@ -1404,7 +1379,332 @@
       </p:sp>
       <p:sp>
         <p:nvSpPr>
-          <p:cNvPr id="145" name="Google Shape;145;g54dda1946d_0_3:notes"/>
+          <p:cNvPr id="313" name="Google Shape;313;g135e18421cc_13_10:notes"/>
+          <p:cNvSpPr txBox="1"/>
+          <p:nvPr>
+            <p:ph idx="1" type="body"/>
+          </p:nvPr>
+        </p:nvSpPr>
+        <p:spPr>
+          <a:xfrm>
+            <a:off x="685800" y="4343400"/>
+            <a:ext cx="5486400" cy="4114800"/>
+          </a:xfrm>
+          <a:prstGeom prst="rect">
+            <a:avLst/>
+          </a:prstGeom>
+        </p:spPr>
+        <p:txBody>
+          <a:bodyPr anchorCtr="0" anchor="t" bIns="91425" lIns="91425" spcFirstLastPara="1" rIns="91425" wrap="square" tIns="91425">
+            <a:noAutofit/>
+          </a:bodyPr>
+          <a:lstStyle/>
+          <a:p>
+            <a:pPr indent="0" lvl="0" marL="0" rtl="0" algn="l">
+              <a:spcBef>
+                <a:spcPts val="0"/>
+              </a:spcBef>
+              <a:spcAft>
+                <a:spcPts val="0"/>
+              </a:spcAft>
+              <a:buNone/>
+            </a:pPr>
+            <a:r>
+              <a:t/>
+            </a:r>
+            <a:endParaRPr/>
+          </a:p>
+        </p:txBody>
+      </p:sp>
+    </p:spTree>
+  </p:cSld>
+  <p:clrMapOvr>
+    <a:masterClrMapping/>
+  </p:clrMapOvr>
+</p:notes>
+</file>
+
+<file path=ppt/notesSlides/notesSlide16.xml><?xml version="1.0" encoding="utf-8"?>
+<p:notes xmlns:a="http://schemas.openxmlformats.org/drawingml/2006/main" xmlns:r="http://schemas.openxmlformats.org/officeDocument/2006/relationships" xmlns:mc="http://schemas.openxmlformats.org/markup-compatibility/2006" xmlns:mv="urn:schemas-microsoft-com:mac:vml" xmlns:p="http://schemas.openxmlformats.org/presentationml/2006/main" xmlns:c="http://schemas.openxmlformats.org/drawingml/2006/chart" xmlns:dgm="http://schemas.openxmlformats.org/drawingml/2006/diagram" xmlns:o="urn:schemas-microsoft-com:office:office" xmlns:v="urn:schemas-microsoft-com:vml" xmlns:pvml="urn:schemas-microsoft-com:office:powerpoint" xmlns:com="http://schemas.openxmlformats.org/drawingml/2006/compatibility" xmlns:p14="http://schemas.microsoft.com/office/powerpoint/2010/main" xmlns:p15="http://schemas.microsoft.com/office/powerpoint/2012/main" xmlns:ahyp="http://schemas.microsoft.com/office/drawing/2018/hyperlinkcolor" showMasterPhAnim="0" showMasterSp="0">
+  <p:cSld>
+    <p:spTree>
+      <p:nvGrpSpPr>
+        <p:cNvPr id="329" name="Shape 329"/>
+        <p:cNvGrpSpPr/>
+        <p:nvPr/>
+      </p:nvGrpSpPr>
+      <p:grpSpPr>
+        <a:xfrm>
+          <a:off x="0" y="0"/>
+          <a:ext cx="0" cy="0"/>
+          <a:chOff x="0" y="0"/>
+          <a:chExt cx="0" cy="0"/>
+        </a:xfrm>
+      </p:grpSpPr>
+      <p:sp>
+        <p:nvSpPr>
+          <p:cNvPr id="330" name="Google Shape;330;g3bad6923563_0_35:notes"/>
+          <p:cNvSpPr/>
+          <p:nvPr>
+            <p:ph idx="2" type="sldImg"/>
+          </p:nvPr>
+        </p:nvSpPr>
+        <p:spPr>
+          <a:xfrm>
+            <a:off x="381300" y="685800"/>
+            <a:ext cx="6096000" cy="3429000"/>
+          </a:xfrm>
+          <a:custGeom>
+            <a:rect b="b" l="l" r="r" t="t"/>
+            <a:pathLst>
+              <a:path extrusionOk="0" h="120000" w="120000">
+                <a:moveTo>
+                  <a:pt x="0" y="0"/>
+                </a:moveTo>
+                <a:lnTo>
+                  <a:pt x="120000" y="0"/>
+                </a:lnTo>
+                <a:lnTo>
+                  <a:pt x="120000" y="120000"/>
+                </a:lnTo>
+                <a:lnTo>
+                  <a:pt x="0" y="120000"/>
+                </a:lnTo>
+                <a:close/>
+              </a:path>
+            </a:pathLst>
+          </a:custGeom>
+        </p:spPr>
+      </p:sp>
+      <p:sp>
+        <p:nvSpPr>
+          <p:cNvPr id="331" name="Google Shape;331;g3bad6923563_0_35:notes"/>
+          <p:cNvSpPr txBox="1"/>
+          <p:nvPr>
+            <p:ph idx="1" type="body"/>
+          </p:nvPr>
+        </p:nvSpPr>
+        <p:spPr>
+          <a:xfrm>
+            <a:off x="685800" y="4343400"/>
+            <a:ext cx="5486400" cy="4114800"/>
+          </a:xfrm>
+          <a:prstGeom prst="rect">
+            <a:avLst/>
+          </a:prstGeom>
+        </p:spPr>
+        <p:txBody>
+          <a:bodyPr anchorCtr="0" anchor="t" bIns="91425" lIns="91425" spcFirstLastPara="1" rIns="91425" wrap="square" tIns="91425">
+            <a:noAutofit/>
+          </a:bodyPr>
+          <a:lstStyle/>
+          <a:p>
+            <a:pPr indent="0" lvl="0" marL="0" rtl="0" algn="l">
+              <a:spcBef>
+                <a:spcPts val="0"/>
+              </a:spcBef>
+              <a:spcAft>
+                <a:spcPts val="0"/>
+              </a:spcAft>
+              <a:buNone/>
+            </a:pPr>
+            <a:r>
+              <a:t/>
+            </a:r>
+            <a:endParaRPr/>
+          </a:p>
+        </p:txBody>
+      </p:sp>
+    </p:spTree>
+  </p:cSld>
+  <p:clrMapOvr>
+    <a:masterClrMapping/>
+  </p:clrMapOvr>
+</p:notes>
+</file>
+
+<file path=ppt/notesSlides/notesSlide2.xml><?xml version="1.0" encoding="utf-8"?>
+<p:notes xmlns:a="http://schemas.openxmlformats.org/drawingml/2006/main" xmlns:r="http://schemas.openxmlformats.org/officeDocument/2006/relationships" xmlns:mc="http://schemas.openxmlformats.org/markup-compatibility/2006" xmlns:mv="urn:schemas-microsoft-com:mac:vml" xmlns:p="http://schemas.openxmlformats.org/presentationml/2006/main" xmlns:c="http://schemas.openxmlformats.org/drawingml/2006/chart" xmlns:dgm="http://schemas.openxmlformats.org/drawingml/2006/diagram" xmlns:o="urn:schemas-microsoft-com:office:office" xmlns:v="urn:schemas-microsoft-com:vml" xmlns:pvml="urn:schemas-microsoft-com:office:powerpoint" xmlns:com="http://schemas.openxmlformats.org/drawingml/2006/compatibility" xmlns:p14="http://schemas.microsoft.com/office/powerpoint/2010/main" xmlns:p15="http://schemas.microsoft.com/office/powerpoint/2012/main" xmlns:ahyp="http://schemas.microsoft.com/office/drawing/2018/hyperlinkcolor" showMasterPhAnim="0" showMasterSp="0">
+  <p:cSld>
+    <p:spTree>
+      <p:nvGrpSpPr>
+        <p:cNvPr id="113" name="Shape 113"/>
+        <p:cNvGrpSpPr/>
+        <p:nvPr/>
+      </p:nvGrpSpPr>
+      <p:grpSpPr>
+        <a:xfrm>
+          <a:off x="0" y="0"/>
+          <a:ext cx="0" cy="0"/>
+          <a:chOff x="0" y="0"/>
+          <a:chExt cx="0" cy="0"/>
+        </a:xfrm>
+      </p:grpSpPr>
+      <p:sp>
+        <p:nvSpPr>
+          <p:cNvPr id="114" name="Google Shape;114;gd431007ba2_0_215:notes"/>
+          <p:cNvSpPr/>
+          <p:nvPr>
+            <p:ph idx="2" type="sldImg"/>
+          </p:nvPr>
+        </p:nvSpPr>
+        <p:spPr>
+          <a:xfrm>
+            <a:off x="381300" y="685800"/>
+            <a:ext cx="6096000" cy="3429000"/>
+          </a:xfrm>
+          <a:custGeom>
+            <a:rect b="b" l="l" r="r" t="t"/>
+            <a:pathLst>
+              <a:path extrusionOk="0" h="120000" w="120000">
+                <a:moveTo>
+                  <a:pt x="0" y="0"/>
+                </a:moveTo>
+                <a:lnTo>
+                  <a:pt x="120000" y="0"/>
+                </a:lnTo>
+                <a:lnTo>
+                  <a:pt x="120000" y="120000"/>
+                </a:lnTo>
+                <a:lnTo>
+                  <a:pt x="0" y="120000"/>
+                </a:lnTo>
+                <a:close/>
+              </a:path>
+            </a:pathLst>
+          </a:custGeom>
+        </p:spPr>
+      </p:sp>
+      <p:sp>
+        <p:nvSpPr>
+          <p:cNvPr id="115" name="Google Shape;115;gd431007ba2_0_215:notes"/>
+          <p:cNvSpPr txBox="1"/>
+          <p:nvPr>
+            <p:ph idx="1" type="body"/>
+          </p:nvPr>
+        </p:nvSpPr>
+        <p:spPr>
+          <a:xfrm>
+            <a:off x="685800" y="4343400"/>
+            <a:ext cx="5486400" cy="4114800"/>
+          </a:xfrm>
+          <a:prstGeom prst="rect">
+            <a:avLst/>
+          </a:prstGeom>
+        </p:spPr>
+        <p:txBody>
+          <a:bodyPr anchorCtr="0" anchor="t" bIns="91425" lIns="91425" spcFirstLastPara="1" rIns="91425" wrap="square" tIns="91425">
+            <a:noAutofit/>
+          </a:bodyPr>
+          <a:lstStyle/>
+          <a:p>
+            <a:pPr indent="0" lvl="0" marL="0" rtl="0" algn="l">
+              <a:spcBef>
+                <a:spcPts val="0"/>
+              </a:spcBef>
+              <a:spcAft>
+                <a:spcPts val="0"/>
+              </a:spcAft>
+              <a:buClr>
+                <a:schemeClr val="dk1"/>
+              </a:buClr>
+              <a:buSzPts val="1100"/>
+              <a:buFont typeface="Arial"/>
+              <a:buNone/>
+            </a:pPr>
+            <a:r>
+              <a:t/>
+            </a:r>
+            <a:endParaRPr i="1" sz="1200">
+              <a:solidFill>
+                <a:srgbClr val="595959"/>
+              </a:solidFill>
+              <a:latin typeface="Anaheim"/>
+              <a:ea typeface="Anaheim"/>
+              <a:cs typeface="Anaheim"/>
+              <a:sym typeface="Anaheim"/>
+            </a:endParaRPr>
+          </a:p>
+          <a:p>
+            <a:pPr indent="0" lvl="0" marL="0" rtl="0" algn="l">
+              <a:spcBef>
+                <a:spcPts val="0"/>
+              </a:spcBef>
+              <a:spcAft>
+                <a:spcPts val="0"/>
+              </a:spcAft>
+              <a:buNone/>
+            </a:pPr>
+            <a:r>
+              <a:t/>
+            </a:r>
+            <a:endParaRPr/>
+          </a:p>
+        </p:txBody>
+      </p:sp>
+    </p:spTree>
+  </p:cSld>
+  <p:clrMapOvr>
+    <a:masterClrMapping/>
+  </p:clrMapOvr>
+</p:notes>
+</file>
+
+<file path=ppt/notesSlides/notesSlide3.xml><?xml version="1.0" encoding="utf-8"?>
+<p:notes xmlns:a="http://schemas.openxmlformats.org/drawingml/2006/main" xmlns:r="http://schemas.openxmlformats.org/officeDocument/2006/relationships" xmlns:mc="http://schemas.openxmlformats.org/markup-compatibility/2006" xmlns:mv="urn:schemas-microsoft-com:mac:vml" xmlns:p="http://schemas.openxmlformats.org/presentationml/2006/main" xmlns:c="http://schemas.openxmlformats.org/drawingml/2006/chart" xmlns:dgm="http://schemas.openxmlformats.org/drawingml/2006/diagram" xmlns:o="urn:schemas-microsoft-com:office:office" xmlns:v="urn:schemas-microsoft-com:vml" xmlns:pvml="urn:schemas-microsoft-com:office:powerpoint" xmlns:com="http://schemas.openxmlformats.org/drawingml/2006/compatibility" xmlns:p14="http://schemas.microsoft.com/office/powerpoint/2010/main" xmlns:p15="http://schemas.microsoft.com/office/powerpoint/2012/main" xmlns:ahyp="http://schemas.microsoft.com/office/drawing/2018/hyperlinkcolor" showMasterPhAnim="0" showMasterSp="0">
+  <p:cSld>
+    <p:spTree>
+      <p:nvGrpSpPr>
+        <p:cNvPr id="142" name="Shape 142"/>
+        <p:cNvGrpSpPr/>
+        <p:nvPr/>
+      </p:nvGrpSpPr>
+      <p:grpSpPr>
+        <a:xfrm>
+          <a:off x="0" y="0"/>
+          <a:ext cx="0" cy="0"/>
+          <a:chOff x="0" y="0"/>
+          <a:chExt cx="0" cy="0"/>
+        </a:xfrm>
+      </p:grpSpPr>
+      <p:sp>
+        <p:nvSpPr>
+          <p:cNvPr id="143" name="Google Shape;143;g54dda1946d_0_3:notes"/>
+          <p:cNvSpPr/>
+          <p:nvPr>
+            <p:ph idx="2" type="sldImg"/>
+          </p:nvPr>
+        </p:nvSpPr>
+        <p:spPr>
+          <a:xfrm>
+            <a:off x="381300" y="685800"/>
+            <a:ext cx="6096000" cy="3429000"/>
+          </a:xfrm>
+          <a:custGeom>
+            <a:rect b="b" l="l" r="r" t="t"/>
+            <a:pathLst>
+              <a:path extrusionOk="0" h="120000" w="120000">
+                <a:moveTo>
+                  <a:pt x="0" y="0"/>
+                </a:moveTo>
+                <a:lnTo>
+                  <a:pt x="120000" y="0"/>
+                </a:lnTo>
+                <a:lnTo>
+                  <a:pt x="120000" y="120000"/>
+                </a:lnTo>
+                <a:lnTo>
+                  <a:pt x="0" y="120000"/>
+                </a:lnTo>
+                <a:close/>
+              </a:path>
+            </a:pathLst>
+          </a:custGeom>
+        </p:spPr>
+      </p:sp>
+      <p:sp>
+        <p:nvSpPr>
+          <p:cNvPr id="144" name="Google Shape;144;g54dda1946d_0_3:notes"/>
           <p:cNvSpPr txBox="1"/>
           <p:nvPr>
             <p:ph idx="1" type="body"/>
@@ -1652,7 +1952,7 @@
   <p:cSld>
     <p:spTree>
       <p:nvGrpSpPr>
-        <p:cNvPr id="165" name="Shape 165"/>
+        <p:cNvPr id="166" name="Shape 166"/>
         <p:cNvGrpSpPr/>
         <p:nvPr/>
       </p:nvGrpSpPr>
@@ -1666,7 +1966,7 @@
       </p:grpSpPr>
       <p:sp>
         <p:nvSpPr>
-          <p:cNvPr id="166" name="Google Shape;166;g54dda1946d_6_308:notes"/>
+          <p:cNvPr id="167" name="Google Shape;167;g54dda1946d_6_308:notes"/>
           <p:cNvSpPr/>
           <p:nvPr>
             <p:ph idx="2" type="sldImg"/>
@@ -1701,7 +2001,7 @@
       </p:sp>
       <p:sp>
         <p:nvSpPr>
-          <p:cNvPr id="167" name="Google Shape;167;g54dda1946d_6_308:notes"/>
+          <p:cNvPr id="168" name="Google Shape;168;g54dda1946d_6_308:notes"/>
           <p:cNvSpPr txBox="1"/>
           <p:nvPr>
             <p:ph idx="1" type="body"/>
@@ -1751,7 +2051,7 @@
   <p:cSld>
     <p:spTree>
       <p:nvGrpSpPr>
-        <p:cNvPr id="171" name="Shape 171"/>
+        <p:cNvPr id="172" name="Shape 172"/>
         <p:cNvGrpSpPr/>
         <p:nvPr/>
       </p:nvGrpSpPr>
@@ -1765,7 +2065,7 @@
       </p:grpSpPr>
       <p:sp>
         <p:nvSpPr>
-          <p:cNvPr id="172" name="Google Shape;172;g3997af2fcc2_0_1:notes"/>
+          <p:cNvPr id="173" name="Google Shape;173;g3bad6923563_0_4:notes"/>
           <p:cNvSpPr/>
           <p:nvPr>
             <p:ph idx="2" type="sldImg"/>
@@ -1800,7 +2100,7 @@
       </p:sp>
       <p:sp>
         <p:nvSpPr>
-          <p:cNvPr id="173" name="Google Shape;173;g3997af2fcc2_0_1:notes"/>
+          <p:cNvPr id="174" name="Google Shape;174;g3bad6923563_0_4:notes"/>
           <p:cNvSpPr txBox="1"/>
           <p:nvPr>
             <p:ph idx="1" type="body"/>
@@ -1850,7 +2150,7 @@
   <p:cSld>
     <p:spTree>
       <p:nvGrpSpPr>
-        <p:cNvPr id="190" name="Shape 190"/>
+        <p:cNvPr id="178" name="Shape 178"/>
         <p:cNvGrpSpPr/>
         <p:nvPr/>
       </p:nvGrpSpPr>
@@ -1864,7 +2164,7 @@
       </p:grpSpPr>
       <p:sp>
         <p:nvSpPr>
-          <p:cNvPr id="191" name="Google Shape;191;g54dda1946d_6_344:notes"/>
+          <p:cNvPr id="179" name="Google Shape;179;g3bad6923563_0_9:notes"/>
           <p:cNvSpPr/>
           <p:nvPr>
             <p:ph idx="2" type="sldImg"/>
@@ -1899,7 +2199,7 @@
       </p:sp>
       <p:sp>
         <p:nvSpPr>
-          <p:cNvPr id="192" name="Google Shape;192;g54dda1946d_6_344:notes"/>
+          <p:cNvPr id="180" name="Google Shape;180;g3bad6923563_0_9:notes"/>
           <p:cNvSpPr txBox="1"/>
           <p:nvPr>
             <p:ph idx="1" type="body"/>
@@ -1949,7 +2249,7 @@
   <p:cSld>
     <p:spTree>
       <p:nvGrpSpPr>
-        <p:cNvPr id="204" name="Shape 204"/>
+        <p:cNvPr id="184" name="Shape 184"/>
         <p:cNvGrpSpPr/>
         <p:nvPr/>
       </p:nvGrpSpPr>
@@ -1963,7 +2263,7 @@
       </p:grpSpPr>
       <p:sp>
         <p:nvSpPr>
-          <p:cNvPr id="205" name="Google Shape;205;gd5260bdd85_0_256:notes"/>
+          <p:cNvPr id="185" name="Google Shape;185;g3997af2fcc2_0_1:notes"/>
           <p:cNvSpPr/>
           <p:nvPr>
             <p:ph idx="2" type="sldImg"/>
@@ -1998,7 +2298,7 @@
       </p:sp>
       <p:sp>
         <p:nvSpPr>
-          <p:cNvPr id="206" name="Google Shape;206;gd5260bdd85_0_256:notes"/>
+          <p:cNvPr id="186" name="Google Shape;186;g3997af2fcc2_0_1:notes"/>
           <p:cNvSpPr txBox="1"/>
           <p:nvPr>
             <p:ph idx="1" type="body"/>
@@ -16095,6 +16395,9 @@
     <p:sldLayoutId id="2147483666" r:id="rId19"/>
     <p:sldLayoutId id="2147483667" r:id="rId20"/>
   </p:sldLayoutIdLst>
+  <p:transition spd="med">
+    <p:push/>
+  </p:transition>
   <p:hf dt="0" ftr="0" hdr="0"/>
   <p:txStyles>
     <p:titleStyle>
@@ -16863,7 +17166,7 @@
         </p:nvSpPr>
         <p:spPr>
           <a:xfrm>
-            <a:off x="4572000" y="1143450"/>
+            <a:off x="5844900" y="735450"/>
             <a:ext cx="2943000" cy="754800"/>
           </a:xfrm>
           <a:prstGeom prst="rect">
@@ -16900,122 +17203,37 @@
           </a:p>
         </p:txBody>
       </p:sp>
-      <p:sp>
-        <p:nvSpPr>
-          <p:cNvPr id="112" name="Google Shape;112;p22"/>
-          <p:cNvSpPr txBox="1"/>
-          <p:nvPr/>
-        </p:nvSpPr>
+      <p:pic>
+        <p:nvPicPr>
+          <p:cNvPr id="112" name="Google Shape;112;p22" title="652fbaf842b36f00013c4f33_Real-world Assets (RWA)-1600 900.png"/>
+          <p:cNvPicPr preferRelativeResize="0"/>
+          <p:nvPr>
+            <p:ph idx="2" type="pic"/>
+          </p:nvPr>
+        </p:nvPicPr>
+        <p:blipFill rotWithShape="1">
+          <a:blip r:embed="rId3">
+            <a:alphaModFix/>
+          </a:blip>
+          <a:srcRect b="27864" l="0" r="0" t="18969"/>
+          <a:stretch/>
+        </p:blipFill>
         <p:spPr>
           <a:xfrm>
-            <a:off x="6353050" y="228600"/>
-            <a:ext cx="2088600" cy="338700"/>
+            <a:off x="228450" y="137600"/>
+            <a:ext cx="8687100" cy="2598000"/>
           </a:xfrm>
-          <a:prstGeom prst="rect">
-            <a:avLst/>
+          <a:prstGeom prst="roundRect">
+            <a:avLst>
+              <a:gd fmla="val 16667" name="adj"/>
+            </a:avLst>
           </a:prstGeom>
           <a:noFill/>
           <a:ln>
             <a:noFill/>
           </a:ln>
         </p:spPr>
-        <p:txBody>
-          <a:bodyPr anchorCtr="0" anchor="ctr" bIns="0" lIns="0" spcFirstLastPara="1" rIns="0" wrap="square" tIns="0">
-            <a:noAutofit/>
-          </a:bodyPr>
-          <a:lstStyle/>
-          <a:p>
-            <a:pPr indent="0" lvl="0" marL="0" rtl="0" algn="r">
-              <a:spcBef>
-                <a:spcPts val="0"/>
-              </a:spcBef>
-              <a:spcAft>
-                <a:spcPts val="0"/>
-              </a:spcAft>
-              <a:buNone/>
-            </a:pPr>
-            <a:r>
-              <a:rPr lang="en" sz="1000">
-                <a:solidFill>
-                  <a:schemeClr val="dk1"/>
-                </a:solidFill>
-                <a:latin typeface="Heebo"/>
-                <a:ea typeface="Heebo"/>
-                <a:cs typeface="Heebo"/>
-                <a:sym typeface="Heebo"/>
-              </a:rPr>
-              <a:t>Marketnode</a:t>
-            </a:r>
-            <a:endParaRPr sz="1000">
-              <a:solidFill>
-                <a:schemeClr val="dk1"/>
-              </a:solidFill>
-              <a:latin typeface="Heebo"/>
-              <a:ea typeface="Heebo"/>
-              <a:cs typeface="Heebo"/>
-              <a:sym typeface="Heebo"/>
-            </a:endParaRPr>
-          </a:p>
-        </p:txBody>
-      </p:sp>
-      <p:sp>
-        <p:nvSpPr>
-          <p:cNvPr id="113" name="Google Shape;113;p22"/>
-          <p:cNvSpPr txBox="1"/>
-          <p:nvPr/>
-        </p:nvSpPr>
-        <p:spPr>
-          <a:xfrm>
-            <a:off x="7689000" y="228600"/>
-            <a:ext cx="1098900" cy="338700"/>
-          </a:xfrm>
-          <a:prstGeom prst="rect">
-            <a:avLst/>
-          </a:prstGeom>
-          <a:noFill/>
-          <a:ln>
-            <a:noFill/>
-          </a:ln>
-        </p:spPr>
-        <p:txBody>
-          <a:bodyPr anchorCtr="0" anchor="ctr" bIns="0" lIns="0" spcFirstLastPara="1" rIns="0" wrap="square" tIns="0">
-            <a:noAutofit/>
-          </a:bodyPr>
-          <a:lstStyle/>
-          <a:p>
-            <a:pPr indent="0" lvl="0" marL="0" rtl="0" algn="r">
-              <a:spcBef>
-                <a:spcPts val="0"/>
-              </a:spcBef>
-              <a:spcAft>
-                <a:spcPts val="0"/>
-              </a:spcAft>
-              <a:buNone/>
-            </a:pPr>
-            <a:r>
-              <a:rPr lang="en" sz="1000">
-                <a:solidFill>
-                  <a:schemeClr val="dk1"/>
-                </a:solidFill>
-                <a:latin typeface="Heebo"/>
-                <a:ea typeface="Heebo"/>
-                <a:cs typeface="Heebo"/>
-                <a:sym typeface="Heebo"/>
-              </a:rPr>
-              <a:t>2026</a:t>
-            </a:r>
-            <a:endParaRPr sz="1000">
-              <a:solidFill>
-                <a:schemeClr val="dk1"/>
-              </a:solidFill>
-              <a:latin typeface="Heebo"/>
-              <a:ea typeface="Heebo"/>
-              <a:cs typeface="Heebo"/>
-              <a:sym typeface="Heebo"/>
-            </a:endParaRPr>
-          </a:p>
-        </p:txBody>
-      </p:sp>
+      </p:pic>
     </p:spTree>
   </p:cSld>
   <p:clrMapOvr>
@@ -17029,7 +17247,7 @@
   <p:cSld>
     <p:spTree>
       <p:nvGrpSpPr>
-        <p:cNvPr id="224" name="Shape 224"/>
+        <p:cNvPr id="206" name="Shape 206"/>
         <p:cNvGrpSpPr/>
         <p:nvPr/>
       </p:nvGrpSpPr>
@@ -17043,7 +17261,7 @@
       </p:grpSpPr>
       <p:sp>
         <p:nvSpPr>
-          <p:cNvPr id="225" name="Google Shape;225;p31"/>
+          <p:cNvPr id="207" name="Google Shape;207;p31"/>
           <p:cNvSpPr txBox="1"/>
           <p:nvPr>
             <p:ph type="title"/>
@@ -17051,8 +17269,48 @@
         </p:nvSpPr>
         <p:spPr>
           <a:xfrm>
-            <a:off x="198675" y="2791850"/>
-            <a:ext cx="3539100" cy="2325600"/>
+            <a:off x="1887000" y="3909000"/>
+            <a:ext cx="7028400" cy="1005900"/>
+          </a:xfrm>
+          <a:prstGeom prst="rect">
+            <a:avLst/>
+          </a:prstGeom>
+        </p:spPr>
+        <p:txBody>
+          <a:bodyPr anchorCtr="0" anchor="t" bIns="91425" lIns="91425" spcFirstLastPara="1" rIns="91425" wrap="square" tIns="91425">
+            <a:noAutofit/>
+          </a:bodyPr>
+          <a:lstStyle/>
+          <a:p>
+            <a:pPr indent="0" lvl="0" marL="0" rtl="0" algn="r">
+              <a:spcBef>
+                <a:spcPts val="0"/>
+              </a:spcBef>
+              <a:spcAft>
+                <a:spcPts val="0"/>
+              </a:spcAft>
+              <a:buNone/>
+            </a:pPr>
+            <a:r>
+              <a:rPr lang="en"/>
+              <a:t>Compliance Model</a:t>
+            </a:r>
+            <a:endParaRPr/>
+          </a:p>
+        </p:txBody>
+      </p:sp>
+      <p:sp>
+        <p:nvSpPr>
+          <p:cNvPr id="208" name="Google Shape;208;p31"/>
+          <p:cNvSpPr txBox="1"/>
+          <p:nvPr>
+            <p:ph idx="2" type="subTitle"/>
+          </p:nvPr>
+        </p:nvSpPr>
+        <p:spPr>
+          <a:xfrm>
+            <a:off x="228450" y="1591350"/>
+            <a:ext cx="2525400" cy="1400400"/>
           </a:xfrm>
           <a:prstGeom prst="rect">
             <a:avLst/>
@@ -17075,6 +17333,1058 @@
             </a:pPr>
             <a:r>
               <a:rPr lang="en"/>
+              <a:t>Transfer restrictions at contract level. Allowlist validation before any transaction. Jurisdiction encoding (country restrictions). Administrative override capabilities</a:t>
+            </a:r>
+            <a:endParaRPr/>
+          </a:p>
+        </p:txBody>
+      </p:sp>
+      <p:sp>
+        <p:nvSpPr>
+          <p:cNvPr id="209" name="Google Shape;209;p31"/>
+          <p:cNvSpPr txBox="1"/>
+          <p:nvPr>
+            <p:ph idx="1" type="subTitle"/>
+          </p:nvPr>
+        </p:nvSpPr>
+        <p:spPr>
+          <a:xfrm>
+            <a:off x="3309609" y="1591350"/>
+            <a:ext cx="2525400" cy="1400400"/>
+          </a:xfrm>
+          <a:prstGeom prst="rect">
+            <a:avLst/>
+          </a:prstGeom>
+        </p:spPr>
+        <p:txBody>
+          <a:bodyPr anchorCtr="0" anchor="t" bIns="91425" lIns="91425" spcFirstLastPara="1" rIns="91425" wrap="square" tIns="91425">
+            <a:noAutofit/>
+          </a:bodyPr>
+          <a:lstStyle/>
+          <a:p>
+            <a:pPr indent="0" lvl="0" marL="0" rtl="0" algn="l">
+              <a:spcBef>
+                <a:spcPts val="0"/>
+              </a:spcBef>
+              <a:spcAft>
+                <a:spcPts val="0"/>
+              </a:spcAft>
+              <a:buNone/>
+            </a:pPr>
+            <a:r>
+              <a:rPr lang="en"/>
+              <a:t>KYC/AML via accredited providers. Accreditation verification. Sanctions screening. Ongoing monitoring</a:t>
+            </a:r>
+            <a:endParaRPr/>
+          </a:p>
+        </p:txBody>
+      </p:sp>
+      <p:sp>
+        <p:nvSpPr>
+          <p:cNvPr id="210" name="Google Shape;210;p31"/>
+          <p:cNvSpPr txBox="1"/>
+          <p:nvPr>
+            <p:ph idx="3" type="subTitle"/>
+          </p:nvPr>
+        </p:nvSpPr>
+        <p:spPr>
+          <a:xfrm>
+            <a:off x="6390000" y="1591350"/>
+            <a:ext cx="2525400" cy="1400400"/>
+          </a:xfrm>
+          <a:prstGeom prst="rect">
+            <a:avLst/>
+          </a:prstGeom>
+        </p:spPr>
+        <p:txBody>
+          <a:bodyPr anchorCtr="0" anchor="t" bIns="91425" lIns="91425" spcFirstLastPara="1" rIns="91425" wrap="square" tIns="91425">
+            <a:noAutofit/>
+          </a:bodyPr>
+          <a:lstStyle/>
+          <a:p>
+            <a:pPr indent="0" lvl="0" marL="0" rtl="0" algn="l">
+              <a:lnSpc>
+                <a:spcPct val="100000"/>
+              </a:lnSpc>
+              <a:spcBef>
+                <a:spcPts val="0"/>
+              </a:spcBef>
+              <a:spcAft>
+                <a:spcPts val="0"/>
+              </a:spcAft>
+              <a:buNone/>
+            </a:pPr>
+            <a:r>
+              <a:rPr lang="en"/>
+              <a:t>✅ Pause/Unpause functionality</a:t>
+            </a:r>
+            <a:endParaRPr/>
+          </a:p>
+          <a:p>
+            <a:pPr indent="0" lvl="0" marL="0" rtl="0" algn="l">
+              <a:lnSpc>
+                <a:spcPct val="100000"/>
+              </a:lnSpc>
+              <a:spcBef>
+                <a:spcPts val="0"/>
+              </a:spcBef>
+              <a:spcAft>
+                <a:spcPts val="0"/>
+              </a:spcAft>
+              <a:buNone/>
+            </a:pPr>
+            <a:r>
+              <a:t/>
+            </a:r>
+            <a:endParaRPr/>
+          </a:p>
+          <a:p>
+            <a:pPr indent="0" lvl="0" marL="0" rtl="0" algn="l">
+              <a:lnSpc>
+                <a:spcPct val="100000"/>
+              </a:lnSpc>
+              <a:spcBef>
+                <a:spcPts val="0"/>
+              </a:spcBef>
+              <a:spcAft>
+                <a:spcPts val="0"/>
+              </a:spcAft>
+              <a:buNone/>
+            </a:pPr>
+            <a:r>
+              <a:rPr lang="en"/>
+              <a:t>✅ Address freezing</a:t>
+            </a:r>
+            <a:endParaRPr/>
+          </a:p>
+          <a:p>
+            <a:pPr indent="0" lvl="0" marL="0" rtl="0" algn="l">
+              <a:lnSpc>
+                <a:spcPct val="100000"/>
+              </a:lnSpc>
+              <a:spcBef>
+                <a:spcPts val="0"/>
+              </a:spcBef>
+              <a:spcAft>
+                <a:spcPts val="0"/>
+              </a:spcAft>
+              <a:buNone/>
+            </a:pPr>
+            <a:r>
+              <a:t/>
+            </a:r>
+            <a:endParaRPr/>
+          </a:p>
+          <a:p>
+            <a:pPr indent="0" lvl="0" marL="0" rtl="0" algn="l">
+              <a:lnSpc>
+                <a:spcPct val="100000"/>
+              </a:lnSpc>
+              <a:spcBef>
+                <a:spcPts val="0"/>
+              </a:spcBef>
+              <a:spcAft>
+                <a:spcPts val="0"/>
+              </a:spcAft>
+              <a:buNone/>
+            </a:pPr>
+            <a:r>
+              <a:rPr lang="en"/>
+              <a:t>✅ Forced transfers (regulatory requirements)</a:t>
+            </a:r>
+            <a:endParaRPr/>
+          </a:p>
+          <a:p>
+            <a:pPr indent="0" lvl="0" marL="0" rtl="0" algn="l">
+              <a:lnSpc>
+                <a:spcPct val="100000"/>
+              </a:lnSpc>
+              <a:spcBef>
+                <a:spcPts val="0"/>
+              </a:spcBef>
+              <a:spcAft>
+                <a:spcPts val="0"/>
+              </a:spcAft>
+              <a:buNone/>
+            </a:pPr>
+            <a:r>
+              <a:t/>
+            </a:r>
+            <a:endParaRPr/>
+          </a:p>
+          <a:p>
+            <a:pPr indent="0" lvl="0" marL="0" rtl="0" algn="l">
+              <a:lnSpc>
+                <a:spcPct val="100000"/>
+              </a:lnSpc>
+              <a:spcBef>
+                <a:spcPts val="0"/>
+              </a:spcBef>
+              <a:spcAft>
+                <a:spcPts val="0"/>
+              </a:spcAft>
+              <a:buNone/>
+            </a:pPr>
+            <a:r>
+              <a:rPr lang="en"/>
+              <a:t>✅ Audit trails for all transactions</a:t>
+            </a:r>
+            <a:endParaRPr/>
+          </a:p>
+        </p:txBody>
+      </p:sp>
+      <p:sp>
+        <p:nvSpPr>
+          <p:cNvPr id="211" name="Google Shape;211;p31"/>
+          <p:cNvSpPr txBox="1"/>
+          <p:nvPr>
+            <p:ph idx="4" type="title"/>
+          </p:nvPr>
+        </p:nvSpPr>
+        <p:spPr>
+          <a:xfrm>
+            <a:off x="3308991" y="228600"/>
+            <a:ext cx="1640100" cy="762900"/>
+          </a:xfrm>
+          <a:prstGeom prst="rect">
+            <a:avLst/>
+          </a:prstGeom>
+        </p:spPr>
+        <p:txBody>
+          <a:bodyPr anchorCtr="0" anchor="ctr" bIns="91425" lIns="91425" spcFirstLastPara="1" rIns="91425" wrap="square" tIns="91425">
+            <a:noAutofit/>
+          </a:bodyPr>
+          <a:lstStyle/>
+          <a:p>
+            <a:pPr indent="0" lvl="0" marL="0" rtl="0" algn="l">
+              <a:spcBef>
+                <a:spcPts val="0"/>
+              </a:spcBef>
+              <a:spcAft>
+                <a:spcPts val="0"/>
+              </a:spcAft>
+              <a:buNone/>
+            </a:pPr>
+            <a:r>
+              <a:rPr lang="en"/>
+              <a:t>02</a:t>
+            </a:r>
+            <a:endParaRPr/>
+          </a:p>
+        </p:txBody>
+      </p:sp>
+      <p:sp>
+        <p:nvSpPr>
+          <p:cNvPr id="212" name="Google Shape;212;p31"/>
+          <p:cNvSpPr txBox="1"/>
+          <p:nvPr>
+            <p:ph idx="5" type="title"/>
+          </p:nvPr>
+        </p:nvSpPr>
+        <p:spPr>
+          <a:xfrm>
+            <a:off x="228475" y="228968"/>
+            <a:ext cx="1706100" cy="762000"/>
+          </a:xfrm>
+          <a:prstGeom prst="rect">
+            <a:avLst/>
+          </a:prstGeom>
+        </p:spPr>
+        <p:txBody>
+          <a:bodyPr anchorCtr="0" anchor="ctr" bIns="91425" lIns="91425" spcFirstLastPara="1" rIns="91425" wrap="square" tIns="91425">
+            <a:noAutofit/>
+          </a:bodyPr>
+          <a:lstStyle/>
+          <a:p>
+            <a:pPr indent="0" lvl="0" marL="0" rtl="0" algn="l">
+              <a:spcBef>
+                <a:spcPts val="0"/>
+              </a:spcBef>
+              <a:spcAft>
+                <a:spcPts val="0"/>
+              </a:spcAft>
+              <a:buNone/>
+            </a:pPr>
+            <a:r>
+              <a:rPr lang="en"/>
+              <a:t>01</a:t>
+            </a:r>
+            <a:endParaRPr/>
+          </a:p>
+        </p:txBody>
+      </p:sp>
+      <p:sp>
+        <p:nvSpPr>
+          <p:cNvPr id="213" name="Google Shape;213;p31"/>
+          <p:cNvSpPr txBox="1"/>
+          <p:nvPr>
+            <p:ph idx="6" type="title"/>
+          </p:nvPr>
+        </p:nvSpPr>
+        <p:spPr>
+          <a:xfrm>
+            <a:off x="6390000" y="228600"/>
+            <a:ext cx="1479300" cy="762900"/>
+          </a:xfrm>
+          <a:prstGeom prst="rect">
+            <a:avLst/>
+          </a:prstGeom>
+        </p:spPr>
+        <p:txBody>
+          <a:bodyPr anchorCtr="0" anchor="ctr" bIns="91425" lIns="91425" spcFirstLastPara="1" rIns="91425" wrap="square" tIns="91425">
+            <a:noAutofit/>
+          </a:bodyPr>
+          <a:lstStyle/>
+          <a:p>
+            <a:pPr indent="0" lvl="0" marL="0" rtl="0" algn="l">
+              <a:spcBef>
+                <a:spcPts val="0"/>
+              </a:spcBef>
+              <a:spcAft>
+                <a:spcPts val="0"/>
+              </a:spcAft>
+              <a:buNone/>
+            </a:pPr>
+            <a:r>
+              <a:rPr lang="en"/>
+              <a:t>03</a:t>
+            </a:r>
+            <a:endParaRPr/>
+          </a:p>
+        </p:txBody>
+      </p:sp>
+      <p:sp>
+        <p:nvSpPr>
+          <p:cNvPr id="214" name="Google Shape;214;p31"/>
+          <p:cNvSpPr txBox="1"/>
+          <p:nvPr>
+            <p:ph idx="7" type="subTitle"/>
+          </p:nvPr>
+        </p:nvSpPr>
+        <p:spPr>
+          <a:xfrm>
+            <a:off x="3309609" y="1103850"/>
+            <a:ext cx="2525400" cy="563700"/>
+          </a:xfrm>
+          <a:prstGeom prst="rect">
+            <a:avLst/>
+          </a:prstGeom>
+        </p:spPr>
+        <p:txBody>
+          <a:bodyPr anchorCtr="0" anchor="b" bIns="91425" lIns="91425" spcFirstLastPara="1" rIns="91425" wrap="square" tIns="91425">
+            <a:noAutofit/>
+          </a:bodyPr>
+          <a:lstStyle/>
+          <a:p>
+            <a:pPr indent="0" lvl="0" marL="0" rtl="0" algn="l">
+              <a:spcBef>
+                <a:spcPts val="0"/>
+              </a:spcBef>
+              <a:spcAft>
+                <a:spcPts val="0"/>
+              </a:spcAft>
+              <a:buNone/>
+            </a:pPr>
+            <a:r>
+              <a:rPr lang="en"/>
+              <a:t>Off-Chain Verification</a:t>
+            </a:r>
+            <a:endParaRPr/>
+          </a:p>
+        </p:txBody>
+      </p:sp>
+      <p:sp>
+        <p:nvSpPr>
+          <p:cNvPr id="215" name="Google Shape;215;p31"/>
+          <p:cNvSpPr txBox="1"/>
+          <p:nvPr>
+            <p:ph idx="8" type="subTitle"/>
+          </p:nvPr>
+        </p:nvSpPr>
+        <p:spPr>
+          <a:xfrm>
+            <a:off x="228450" y="1103850"/>
+            <a:ext cx="2525400" cy="563700"/>
+          </a:xfrm>
+          <a:prstGeom prst="rect">
+            <a:avLst/>
+          </a:prstGeom>
+        </p:spPr>
+        <p:txBody>
+          <a:bodyPr anchorCtr="0" anchor="b" bIns="91425" lIns="91425" spcFirstLastPara="1" rIns="91425" wrap="square" tIns="91425">
+            <a:noAutofit/>
+          </a:bodyPr>
+          <a:lstStyle/>
+          <a:p>
+            <a:pPr indent="0" lvl="0" marL="0" rtl="0" algn="l">
+              <a:spcBef>
+                <a:spcPts val="0"/>
+              </a:spcBef>
+              <a:spcAft>
+                <a:spcPts val="0"/>
+              </a:spcAft>
+              <a:buNone/>
+            </a:pPr>
+            <a:r>
+              <a:rPr lang="en"/>
+              <a:t>On-Chain Enforcement:</a:t>
+            </a:r>
+            <a:endParaRPr/>
+          </a:p>
+        </p:txBody>
+      </p:sp>
+      <p:sp>
+        <p:nvSpPr>
+          <p:cNvPr id="216" name="Google Shape;216;p31"/>
+          <p:cNvSpPr txBox="1"/>
+          <p:nvPr>
+            <p:ph idx="9" type="subTitle"/>
+          </p:nvPr>
+        </p:nvSpPr>
+        <p:spPr>
+          <a:xfrm>
+            <a:off x="6390000" y="1103850"/>
+            <a:ext cx="2525400" cy="563700"/>
+          </a:xfrm>
+          <a:prstGeom prst="rect">
+            <a:avLst/>
+          </a:prstGeom>
+        </p:spPr>
+        <p:txBody>
+          <a:bodyPr anchorCtr="0" anchor="b" bIns="91425" lIns="91425" spcFirstLastPara="1" rIns="91425" wrap="square" tIns="91425">
+            <a:noAutofit/>
+          </a:bodyPr>
+          <a:lstStyle/>
+          <a:p>
+            <a:pPr indent="0" lvl="0" marL="0" rtl="0" algn="l">
+              <a:spcBef>
+                <a:spcPts val="0"/>
+              </a:spcBef>
+              <a:spcAft>
+                <a:spcPts val="0"/>
+              </a:spcAft>
+              <a:buNone/>
+            </a:pPr>
+            <a:r>
+              <a:rPr lang="en"/>
+              <a:t>Compliance Features</a:t>
+            </a:r>
+            <a:endParaRPr/>
+          </a:p>
+        </p:txBody>
+      </p:sp>
+    </p:spTree>
+  </p:cSld>
+  <p:clrMapOvr>
+    <a:masterClrMapping/>
+  </p:clrMapOvr>
+</p:sld>
+</file>
+
+<file path=ppt/slides/slide11.xml><?xml version="1.0" encoding="utf-8"?>
+<p:sld xmlns:a="http://schemas.openxmlformats.org/drawingml/2006/main" xmlns:r="http://schemas.openxmlformats.org/officeDocument/2006/relationships" xmlns:mc="http://schemas.openxmlformats.org/markup-compatibility/2006" xmlns:mv="urn:schemas-microsoft-com:mac:vml" xmlns:p="http://schemas.openxmlformats.org/presentationml/2006/main" xmlns:c="http://schemas.openxmlformats.org/drawingml/2006/chart" xmlns:dgm="http://schemas.openxmlformats.org/drawingml/2006/diagram" xmlns:o="urn:schemas-microsoft-com:office:office" xmlns:v="urn:schemas-microsoft-com:vml" xmlns:pvml="urn:schemas-microsoft-com:office:powerpoint" xmlns:com="http://schemas.openxmlformats.org/drawingml/2006/compatibility" xmlns:p14="http://schemas.microsoft.com/office/powerpoint/2010/main" xmlns:p15="http://schemas.microsoft.com/office/powerpoint/2012/main" xmlns:ahyp="http://schemas.microsoft.com/office/drawing/2018/hyperlinkcolor">
+  <p:cSld>
+    <p:spTree>
+      <p:nvGrpSpPr>
+        <p:cNvPr id="220" name="Shape 220"/>
+        <p:cNvGrpSpPr/>
+        <p:nvPr/>
+      </p:nvGrpSpPr>
+      <p:grpSpPr>
+        <a:xfrm>
+          <a:off x="0" y="0"/>
+          <a:ext cx="0" cy="0"/>
+          <a:chOff x="0" y="0"/>
+          <a:chExt cx="0" cy="0"/>
+        </a:xfrm>
+      </p:grpSpPr>
+      <p:sp>
+        <p:nvSpPr>
+          <p:cNvPr id="221" name="Google Shape;221;p32"/>
+          <p:cNvSpPr txBox="1"/>
+          <p:nvPr>
+            <p:ph type="title"/>
+          </p:nvPr>
+        </p:nvSpPr>
+        <p:spPr>
+          <a:xfrm>
+            <a:off x="228600" y="1159200"/>
+            <a:ext cx="3636000" cy="2825100"/>
+          </a:xfrm>
+          <a:prstGeom prst="rect">
+            <a:avLst/>
+          </a:prstGeom>
+        </p:spPr>
+        <p:txBody>
+          <a:bodyPr anchorCtr="0" anchor="ctr" bIns="91425" lIns="91425" spcFirstLastPara="1" rIns="91425" wrap="square" tIns="91425">
+            <a:noAutofit/>
+          </a:bodyPr>
+          <a:lstStyle/>
+          <a:p>
+            <a:pPr indent="0" lvl="0" marL="0" rtl="0" algn="l">
+              <a:spcBef>
+                <a:spcPts val="0"/>
+              </a:spcBef>
+              <a:spcAft>
+                <a:spcPts val="0"/>
+              </a:spcAft>
+              <a:buNone/>
+            </a:pPr>
+            <a:r>
+              <a:rPr lang="en"/>
+              <a:t>Key Design Decisions</a:t>
+            </a:r>
+            <a:endParaRPr/>
+          </a:p>
+        </p:txBody>
+      </p:sp>
+      <p:sp>
+        <p:nvSpPr>
+          <p:cNvPr id="222" name="Google Shape;222;p32"/>
+          <p:cNvSpPr txBox="1"/>
+          <p:nvPr>
+            <p:ph idx="1" type="subTitle"/>
+          </p:nvPr>
+        </p:nvSpPr>
+        <p:spPr>
+          <a:xfrm>
+            <a:off x="5061325" y="836367"/>
+            <a:ext cx="3854400" cy="596400"/>
+          </a:xfrm>
+          <a:prstGeom prst="rect">
+            <a:avLst/>
+          </a:prstGeom>
+        </p:spPr>
+        <p:txBody>
+          <a:bodyPr anchorCtr="0" anchor="t" bIns="91425" lIns="91425" spcFirstLastPara="1" rIns="91425" wrap="square" tIns="91425">
+            <a:noAutofit/>
+          </a:bodyPr>
+          <a:lstStyle/>
+          <a:p>
+            <a:pPr indent="0" lvl="0" marL="0" rtl="0" algn="l">
+              <a:spcBef>
+                <a:spcPts val="0"/>
+              </a:spcBef>
+              <a:spcAft>
+                <a:spcPts val="0"/>
+              </a:spcAft>
+              <a:buNone/>
+            </a:pPr>
+            <a:r>
+              <a:rPr lang="en"/>
+              <a:t>Fungible token standard, Compatibility, fungibility, simplicity</a:t>
+            </a:r>
+            <a:endParaRPr/>
+          </a:p>
+        </p:txBody>
+      </p:sp>
+      <p:sp>
+        <p:nvSpPr>
+          <p:cNvPr id="223" name="Google Shape;223;p32"/>
+          <p:cNvSpPr txBox="1"/>
+          <p:nvPr>
+            <p:ph idx="2" type="subTitle"/>
+          </p:nvPr>
+        </p:nvSpPr>
+        <p:spPr>
+          <a:xfrm>
+            <a:off x="5061325" y="386496"/>
+            <a:ext cx="3854400" cy="484500"/>
+          </a:xfrm>
+          <a:prstGeom prst="rect">
+            <a:avLst/>
+          </a:prstGeom>
+        </p:spPr>
+        <p:txBody>
+          <a:bodyPr anchorCtr="0" anchor="b" bIns="91425" lIns="91425" spcFirstLastPara="1" rIns="91425" wrap="square" tIns="91425">
+            <a:noAutofit/>
+          </a:bodyPr>
+          <a:lstStyle/>
+          <a:p>
+            <a:pPr indent="0" lvl="0" marL="0" rtl="0" algn="l">
+              <a:spcBef>
+                <a:spcPts val="0"/>
+              </a:spcBef>
+              <a:spcAft>
+                <a:spcPts val="0"/>
+              </a:spcAft>
+              <a:buNone/>
+            </a:pPr>
+            <a:r>
+              <a:rPr lang="en"/>
+              <a:t>ERC-20 Standard (not ERC-1155) for fungible RWAs</a:t>
+            </a:r>
+            <a:endParaRPr/>
+          </a:p>
+        </p:txBody>
+      </p:sp>
+      <p:sp>
+        <p:nvSpPr>
+          <p:cNvPr id="224" name="Google Shape;224;p32"/>
+          <p:cNvSpPr txBox="1"/>
+          <p:nvPr>
+            <p:ph idx="3" type="title"/>
+          </p:nvPr>
+        </p:nvSpPr>
+        <p:spPr>
+          <a:xfrm>
+            <a:off x="4500325" y="346316"/>
+            <a:ext cx="561000" cy="484500"/>
+          </a:xfrm>
+          <a:prstGeom prst="rect">
+            <a:avLst/>
+          </a:prstGeom>
+        </p:spPr>
+        <p:txBody>
+          <a:bodyPr anchorCtr="0" anchor="b" bIns="91425" lIns="91425" spcFirstLastPara="1" rIns="91425" wrap="square" tIns="91425">
+            <a:noAutofit/>
+          </a:bodyPr>
+          <a:lstStyle/>
+          <a:p>
+            <a:pPr indent="0" lvl="0" marL="0" rtl="0" algn="l">
+              <a:spcBef>
+                <a:spcPts val="0"/>
+              </a:spcBef>
+              <a:spcAft>
+                <a:spcPts val="0"/>
+              </a:spcAft>
+              <a:buNone/>
+            </a:pPr>
+            <a:r>
+              <a:rPr lang="en"/>
+              <a:t>01</a:t>
+            </a:r>
+            <a:endParaRPr/>
+          </a:p>
+        </p:txBody>
+      </p:sp>
+      <p:sp>
+        <p:nvSpPr>
+          <p:cNvPr id="225" name="Google Shape;225;p32"/>
+          <p:cNvSpPr txBox="1"/>
+          <p:nvPr>
+            <p:ph idx="4" type="subTitle"/>
+          </p:nvPr>
+        </p:nvSpPr>
+        <p:spPr>
+          <a:xfrm>
+            <a:off x="5061325" y="1988735"/>
+            <a:ext cx="3854400" cy="596400"/>
+          </a:xfrm>
+          <a:prstGeom prst="rect">
+            <a:avLst/>
+          </a:prstGeom>
+        </p:spPr>
+        <p:txBody>
+          <a:bodyPr anchorCtr="0" anchor="t" bIns="91425" lIns="91425" spcFirstLastPara="1" rIns="91425" wrap="square" tIns="91425">
+            <a:noAutofit/>
+          </a:bodyPr>
+          <a:lstStyle/>
+          <a:p>
+            <a:pPr indent="0" lvl="0" marL="0" rtl="0" algn="l">
+              <a:spcBef>
+                <a:spcPts val="0"/>
+              </a:spcBef>
+              <a:spcAft>
+                <a:spcPts val="0"/>
+              </a:spcAft>
+              <a:buNone/>
+            </a:pPr>
+            <a:r>
+              <a:rPr lang="en"/>
+              <a:t>Pre-transfer validation callback, Real-time compliance enforcement</a:t>
+            </a:r>
+            <a:endParaRPr/>
+          </a:p>
+        </p:txBody>
+      </p:sp>
+      <p:sp>
+        <p:nvSpPr>
+          <p:cNvPr id="226" name="Google Shape;226;p32"/>
+          <p:cNvSpPr txBox="1"/>
+          <p:nvPr>
+            <p:ph idx="5" type="subTitle"/>
+          </p:nvPr>
+        </p:nvSpPr>
+        <p:spPr>
+          <a:xfrm>
+            <a:off x="5061325" y="1570289"/>
+            <a:ext cx="3854400" cy="484500"/>
+          </a:xfrm>
+          <a:prstGeom prst="rect">
+            <a:avLst/>
+          </a:prstGeom>
+        </p:spPr>
+        <p:txBody>
+          <a:bodyPr anchorCtr="0" anchor="b" bIns="91425" lIns="91425" spcFirstLastPara="1" rIns="91425" wrap="square" tIns="91425">
+            <a:noAutofit/>
+          </a:bodyPr>
+          <a:lstStyle/>
+          <a:p>
+            <a:pPr indent="0" lvl="0" marL="0" rtl="0" algn="l">
+              <a:spcBef>
+                <a:spcPts val="0"/>
+              </a:spcBef>
+              <a:spcAft>
+                <a:spcPts val="0"/>
+              </a:spcAft>
+              <a:buNone/>
+            </a:pPr>
+            <a:r>
+              <a:rPr lang="en"/>
+              <a:t>Transfer Hooks for compliance enforcement</a:t>
+            </a:r>
+            <a:endParaRPr/>
+          </a:p>
+        </p:txBody>
+      </p:sp>
+      <p:sp>
+        <p:nvSpPr>
+          <p:cNvPr id="227" name="Google Shape;227;p32"/>
+          <p:cNvSpPr txBox="1"/>
+          <p:nvPr>
+            <p:ph idx="6" type="title"/>
+          </p:nvPr>
+        </p:nvSpPr>
+        <p:spPr>
+          <a:xfrm>
+            <a:off x="4500325" y="1570208"/>
+            <a:ext cx="561000" cy="484500"/>
+          </a:xfrm>
+          <a:prstGeom prst="rect">
+            <a:avLst/>
+          </a:prstGeom>
+        </p:spPr>
+        <p:txBody>
+          <a:bodyPr anchorCtr="0" anchor="b" bIns="91425" lIns="91425" spcFirstLastPara="1" rIns="91425" wrap="square" tIns="91425">
+            <a:noAutofit/>
+          </a:bodyPr>
+          <a:lstStyle/>
+          <a:p>
+            <a:pPr indent="0" lvl="0" marL="0" rtl="0" algn="l">
+              <a:spcBef>
+                <a:spcPts val="0"/>
+              </a:spcBef>
+              <a:spcAft>
+                <a:spcPts val="0"/>
+              </a:spcAft>
+              <a:buNone/>
+            </a:pPr>
+            <a:r>
+              <a:rPr lang="en"/>
+              <a:t>02</a:t>
+            </a:r>
+            <a:endParaRPr/>
+          </a:p>
+        </p:txBody>
+      </p:sp>
+      <p:sp>
+        <p:nvSpPr>
+          <p:cNvPr id="228" name="Google Shape;228;p32"/>
+          <p:cNvSpPr txBox="1"/>
+          <p:nvPr>
+            <p:ph idx="7" type="subTitle"/>
+          </p:nvPr>
+        </p:nvSpPr>
+        <p:spPr>
+          <a:xfrm>
+            <a:off x="5061325" y="3141128"/>
+            <a:ext cx="3854400" cy="596400"/>
+          </a:xfrm>
+          <a:prstGeom prst="rect">
+            <a:avLst/>
+          </a:prstGeom>
+        </p:spPr>
+        <p:txBody>
+          <a:bodyPr anchorCtr="0" anchor="t" bIns="91425" lIns="91425" spcFirstLastPara="1" rIns="91425" wrap="square" tIns="91425">
+            <a:noAutofit/>
+          </a:bodyPr>
+          <a:lstStyle/>
+          <a:p>
+            <a:pPr indent="0" lvl="0" marL="0" rtl="0" algn="l">
+              <a:spcBef>
+                <a:spcPts val="0"/>
+              </a:spcBef>
+              <a:spcAft>
+                <a:spcPts val="0"/>
+              </a:spcAft>
+              <a:buNone/>
+            </a:pPr>
+            <a:r>
+              <a:rPr lang="en">
+                <a:solidFill>
+                  <a:srgbClr val="191919"/>
+                </a:solidFill>
+                <a:latin typeface="Open Sans"/>
+                <a:ea typeface="Open Sans"/>
+                <a:cs typeface="Open Sans"/>
+                <a:sym typeface="Open Sans"/>
+              </a:rPr>
+              <a:t>Logic/storage separation for upgrades, Future-proof, fixable, seamless updates</a:t>
+            </a:r>
+            <a:endParaRPr/>
+          </a:p>
+        </p:txBody>
+      </p:sp>
+      <p:sp>
+        <p:nvSpPr>
+          <p:cNvPr id="229" name="Google Shape;229;p32"/>
+          <p:cNvSpPr txBox="1"/>
+          <p:nvPr>
+            <p:ph idx="8" type="subTitle"/>
+          </p:nvPr>
+        </p:nvSpPr>
+        <p:spPr>
+          <a:xfrm>
+            <a:off x="5061325" y="2656631"/>
+            <a:ext cx="3854400" cy="484500"/>
+          </a:xfrm>
+          <a:prstGeom prst="rect">
+            <a:avLst/>
+          </a:prstGeom>
+        </p:spPr>
+        <p:txBody>
+          <a:bodyPr anchorCtr="0" anchor="b" bIns="91425" lIns="91425" spcFirstLastPara="1" rIns="91425" wrap="square" tIns="91425">
+            <a:noAutofit/>
+          </a:bodyPr>
+          <a:lstStyle/>
+          <a:p>
+            <a:pPr indent="0" lvl="0" marL="0" rtl="0" algn="l">
+              <a:spcBef>
+                <a:spcPts val="0"/>
+              </a:spcBef>
+              <a:spcAft>
+                <a:spcPts val="0"/>
+              </a:spcAft>
+              <a:buNone/>
+            </a:pPr>
+            <a:r>
+              <a:rPr lang="en"/>
+              <a:t>Proxy Pattern for upgradeability</a:t>
+            </a:r>
+            <a:endParaRPr/>
+          </a:p>
+        </p:txBody>
+      </p:sp>
+      <p:sp>
+        <p:nvSpPr>
+          <p:cNvPr id="230" name="Google Shape;230;p32"/>
+          <p:cNvSpPr txBox="1"/>
+          <p:nvPr>
+            <p:ph idx="9" type="title"/>
+          </p:nvPr>
+        </p:nvSpPr>
+        <p:spPr>
+          <a:xfrm>
+            <a:off x="4500325" y="2693836"/>
+            <a:ext cx="561000" cy="484500"/>
+          </a:xfrm>
+          <a:prstGeom prst="rect">
+            <a:avLst/>
+          </a:prstGeom>
+        </p:spPr>
+        <p:txBody>
+          <a:bodyPr anchorCtr="0" anchor="b" bIns="91425" lIns="91425" spcFirstLastPara="1" rIns="91425" wrap="square" tIns="91425">
+            <a:noAutofit/>
+          </a:bodyPr>
+          <a:lstStyle/>
+          <a:p>
+            <a:pPr indent="0" lvl="0" marL="0" rtl="0" algn="l">
+              <a:spcBef>
+                <a:spcPts val="0"/>
+              </a:spcBef>
+              <a:spcAft>
+                <a:spcPts val="0"/>
+              </a:spcAft>
+              <a:buNone/>
+            </a:pPr>
+            <a:r>
+              <a:rPr lang="en"/>
+              <a:t>03</a:t>
+            </a:r>
+            <a:endParaRPr/>
+          </a:p>
+        </p:txBody>
+      </p:sp>
+      <p:sp>
+        <p:nvSpPr>
+          <p:cNvPr id="231" name="Google Shape;231;p32"/>
+          <p:cNvSpPr txBox="1"/>
+          <p:nvPr>
+            <p:ph idx="13" type="subTitle"/>
+          </p:nvPr>
+        </p:nvSpPr>
+        <p:spPr>
+          <a:xfrm>
+            <a:off x="5061325" y="4427465"/>
+            <a:ext cx="3854400" cy="596400"/>
+          </a:xfrm>
+          <a:prstGeom prst="rect">
+            <a:avLst/>
+          </a:prstGeom>
+        </p:spPr>
+        <p:txBody>
+          <a:bodyPr anchorCtr="0" anchor="t" bIns="91425" lIns="91425" spcFirstLastPara="1" rIns="91425" wrap="square" tIns="91425">
+            <a:noAutofit/>
+          </a:bodyPr>
+          <a:lstStyle/>
+          <a:p>
+            <a:pPr indent="0" lvl="0" marL="0" rtl="0" algn="l">
+              <a:spcBef>
+                <a:spcPts val="0"/>
+              </a:spcBef>
+              <a:spcAft>
+                <a:spcPts val="0"/>
+              </a:spcAft>
+              <a:buNone/>
+            </a:pPr>
+            <a:r>
+              <a:rPr lang="en"/>
+              <a:t>7-day delay before upgrade execution and 3 of 5 signatures required for admin actions</a:t>
+            </a:r>
+            <a:endParaRPr/>
+          </a:p>
+        </p:txBody>
+      </p:sp>
+      <p:sp>
+        <p:nvSpPr>
+          <p:cNvPr id="232" name="Google Shape;232;p32"/>
+          <p:cNvSpPr txBox="1"/>
+          <p:nvPr>
+            <p:ph idx="14" type="subTitle"/>
+          </p:nvPr>
+        </p:nvSpPr>
+        <p:spPr>
+          <a:xfrm>
+            <a:off x="5061325" y="4018074"/>
+            <a:ext cx="3854400" cy="484500"/>
+          </a:xfrm>
+          <a:prstGeom prst="rect">
+            <a:avLst/>
+          </a:prstGeom>
+        </p:spPr>
+        <p:txBody>
+          <a:bodyPr anchorCtr="0" anchor="b" bIns="91425" lIns="91425" spcFirstLastPara="1" rIns="91425" wrap="square" tIns="91425">
+            <a:noAutofit/>
+          </a:bodyPr>
+          <a:lstStyle/>
+          <a:p>
+            <a:pPr indent="0" lvl="0" marL="0" rtl="0" algn="l">
+              <a:spcBef>
+                <a:spcPts val="0"/>
+              </a:spcBef>
+              <a:spcAft>
+                <a:spcPts val="0"/>
+              </a:spcAft>
+              <a:buNone/>
+            </a:pPr>
+            <a:r>
+              <a:rPr lang="en"/>
+              <a:t>Time-locked Upgrades &amp; Multi-signature Admin</a:t>
+            </a:r>
+            <a:endParaRPr/>
+          </a:p>
+        </p:txBody>
+      </p:sp>
+      <p:sp>
+        <p:nvSpPr>
+          <p:cNvPr id="233" name="Google Shape;233;p32"/>
+          <p:cNvSpPr txBox="1"/>
+          <p:nvPr>
+            <p:ph idx="15" type="title"/>
+          </p:nvPr>
+        </p:nvSpPr>
+        <p:spPr>
+          <a:xfrm>
+            <a:off x="4500325" y="3952016"/>
+            <a:ext cx="561000" cy="484500"/>
+          </a:xfrm>
+          <a:prstGeom prst="rect">
+            <a:avLst/>
+          </a:prstGeom>
+        </p:spPr>
+        <p:txBody>
+          <a:bodyPr anchorCtr="0" anchor="b" bIns="91425" lIns="91425" spcFirstLastPara="1" rIns="91425" wrap="square" tIns="91425">
+            <a:noAutofit/>
+          </a:bodyPr>
+          <a:lstStyle/>
+          <a:p>
+            <a:pPr indent="0" lvl="0" marL="0" rtl="0" algn="l">
+              <a:spcBef>
+                <a:spcPts val="0"/>
+              </a:spcBef>
+              <a:spcAft>
+                <a:spcPts val="0"/>
+              </a:spcAft>
+              <a:buNone/>
+            </a:pPr>
+            <a:r>
+              <a:rPr lang="en"/>
+              <a:t>04</a:t>
+            </a:r>
+            <a:endParaRPr/>
+          </a:p>
+        </p:txBody>
+      </p:sp>
+    </p:spTree>
+  </p:cSld>
+  <p:clrMapOvr>
+    <a:masterClrMapping/>
+  </p:clrMapOvr>
+</p:sld>
+</file>
+
+<file path=ppt/slides/slide12.xml><?xml version="1.0" encoding="utf-8"?>
+<p:sld xmlns:a="http://schemas.openxmlformats.org/drawingml/2006/main" xmlns:r="http://schemas.openxmlformats.org/officeDocument/2006/relationships" xmlns:mc="http://schemas.openxmlformats.org/markup-compatibility/2006" xmlns:mv="urn:schemas-microsoft-com:mac:vml" xmlns:p="http://schemas.openxmlformats.org/presentationml/2006/main" xmlns:c="http://schemas.openxmlformats.org/drawingml/2006/chart" xmlns:dgm="http://schemas.openxmlformats.org/drawingml/2006/diagram" xmlns:o="urn:schemas-microsoft-com:office:office" xmlns:v="urn:schemas-microsoft-com:vml" xmlns:pvml="urn:schemas-microsoft-com:office:powerpoint" xmlns:com="http://schemas.openxmlformats.org/drawingml/2006/compatibility" xmlns:p14="http://schemas.microsoft.com/office/powerpoint/2010/main" xmlns:p15="http://schemas.microsoft.com/office/powerpoint/2012/main" xmlns:ahyp="http://schemas.microsoft.com/office/drawing/2018/hyperlinkcolor">
+  <p:cSld>
+    <p:spTree>
+      <p:nvGrpSpPr>
+        <p:cNvPr id="237" name="Shape 237"/>
+        <p:cNvGrpSpPr/>
+        <p:nvPr/>
+      </p:nvGrpSpPr>
+      <p:grpSpPr>
+        <a:xfrm>
+          <a:off x="0" y="0"/>
+          <a:ext cx="0" cy="0"/>
+          <a:chOff x="0" y="0"/>
+          <a:chExt cx="0" cy="0"/>
+        </a:xfrm>
+      </p:grpSpPr>
+      <p:sp>
+        <p:nvSpPr>
+          <p:cNvPr id="238" name="Google Shape;238;p33"/>
+          <p:cNvSpPr txBox="1"/>
+          <p:nvPr>
+            <p:ph type="title"/>
+          </p:nvPr>
+        </p:nvSpPr>
+        <p:spPr>
+          <a:xfrm>
+            <a:off x="198675" y="2960325"/>
+            <a:ext cx="3539100" cy="2157000"/>
+          </a:xfrm>
+          <a:prstGeom prst="rect">
+            <a:avLst/>
+          </a:prstGeom>
+        </p:spPr>
+        <p:txBody>
+          <a:bodyPr anchorCtr="0" anchor="t" bIns="91425" lIns="91425" spcFirstLastPara="1" rIns="91425" wrap="square" tIns="91425">
+            <a:noAutofit/>
+          </a:bodyPr>
+          <a:lstStyle/>
+          <a:p>
+            <a:pPr indent="0" lvl="0" marL="0" rtl="0" algn="l">
+              <a:spcBef>
+                <a:spcPts val="0"/>
+              </a:spcBef>
+              <a:spcAft>
+                <a:spcPts val="0"/>
+              </a:spcAft>
+              <a:buNone/>
+            </a:pPr>
+            <a:r>
+              <a:rPr lang="en"/>
               <a:t>Security Framework</a:t>
             </a:r>
             <a:endParaRPr/>
@@ -17083,7 +18393,7 @@
       </p:sp>
       <p:sp>
         <p:nvSpPr>
-          <p:cNvPr id="226" name="Google Shape;226;p31"/>
+          <p:cNvPr id="239" name="Google Shape;239;p33"/>
           <p:cNvSpPr txBox="1"/>
           <p:nvPr>
             <p:ph idx="2" type="subTitle"/>
@@ -17123,7 +18433,7 @@
       </p:sp>
       <p:sp>
         <p:nvSpPr>
-          <p:cNvPr id="227" name="Google Shape;227;p31"/>
+          <p:cNvPr id="240" name="Google Shape;240;p33"/>
           <p:cNvSpPr txBox="1"/>
           <p:nvPr>
             <p:ph idx="1" type="subTitle"/>
@@ -17163,7 +18473,7 @@
       </p:sp>
       <p:sp>
         <p:nvSpPr>
-          <p:cNvPr id="228" name="Google Shape;228;p31"/>
+          <p:cNvPr id="241" name="Google Shape;241;p33"/>
           <p:cNvSpPr txBox="1"/>
           <p:nvPr>
             <p:ph idx="3" type="subTitle"/>
@@ -17203,7 +18513,7 @@
       </p:sp>
       <p:sp>
         <p:nvSpPr>
-          <p:cNvPr id="229" name="Google Shape;229;p31"/>
+          <p:cNvPr id="242" name="Google Shape;242;p33"/>
           <p:cNvSpPr txBox="1"/>
           <p:nvPr>
             <p:ph idx="4" type="subTitle"/>
@@ -17241,6 +18551,37 @@
           </a:p>
         </p:txBody>
       </p:sp>
+      <p:pic>
+        <p:nvPicPr>
+          <p:cNvPr id="243" name="Google Shape;243;p33" title="6582cc97f6b6d50001fc1144_Blockchain Security What Makes a Blockchain Secure 1600 900.png"/>
+          <p:cNvPicPr preferRelativeResize="0"/>
+          <p:nvPr>
+            <p:ph idx="2" type="pic"/>
+          </p:nvPr>
+        </p:nvPicPr>
+        <p:blipFill rotWithShape="1">
+          <a:blip r:embed="rId3">
+            <a:alphaModFix/>
+          </a:blip>
+          <a:srcRect b="0" l="19378" r="19372" t="0"/>
+          <a:stretch/>
+        </p:blipFill>
+        <p:spPr>
+          <a:xfrm>
+            <a:off x="484975" y="526900"/>
+            <a:ext cx="2459400" cy="2258700"/>
+          </a:xfrm>
+          <a:prstGeom prst="roundRect">
+            <a:avLst>
+              <a:gd fmla="val 16667" name="adj"/>
+            </a:avLst>
+          </a:prstGeom>
+          <a:noFill/>
+          <a:ln>
+            <a:noFill/>
+          </a:ln>
+        </p:spPr>
+      </p:pic>
     </p:spTree>
   </p:cSld>
   <p:clrMapOvr>
@@ -17249,12 +18590,12 @@
 </p:sld>
 </file>
 
-<file path=ppt/slides/slide11.xml><?xml version="1.0" encoding="utf-8"?>
+<file path=ppt/slides/slide13.xml><?xml version="1.0" encoding="utf-8"?>
 <p:sld xmlns:a="http://schemas.openxmlformats.org/drawingml/2006/main" xmlns:r="http://schemas.openxmlformats.org/officeDocument/2006/relationships" xmlns:mc="http://schemas.openxmlformats.org/markup-compatibility/2006" xmlns:mv="urn:schemas-microsoft-com:mac:vml" xmlns:p="http://schemas.openxmlformats.org/presentationml/2006/main" xmlns:c="http://schemas.openxmlformats.org/drawingml/2006/chart" xmlns:dgm="http://schemas.openxmlformats.org/drawingml/2006/diagram" xmlns:o="urn:schemas-microsoft-com:office:office" xmlns:v="urn:schemas-microsoft-com:vml" xmlns:pvml="urn:schemas-microsoft-com:office:powerpoint" xmlns:com="http://schemas.openxmlformats.org/drawingml/2006/compatibility" xmlns:p14="http://schemas.microsoft.com/office/powerpoint/2010/main" xmlns:p15="http://schemas.microsoft.com/office/powerpoint/2012/main" xmlns:ahyp="http://schemas.microsoft.com/office/drawing/2018/hyperlinkcolor">
   <p:cSld>
     <p:spTree>
       <p:nvGrpSpPr>
-        <p:cNvPr id="233" name="Shape 233"/>
+        <p:cNvPr id="247" name="Shape 247"/>
         <p:cNvGrpSpPr/>
         <p:nvPr/>
       </p:nvGrpSpPr>
@@ -17268,7 +18609,7 @@
       </p:grpSpPr>
       <p:sp>
         <p:nvSpPr>
-          <p:cNvPr id="234" name="Google Shape;234;p32"/>
+          <p:cNvPr id="248" name="Google Shape;248;p34"/>
           <p:cNvSpPr txBox="1"/>
           <p:nvPr>
             <p:ph type="title"/>
@@ -17308,7 +18649,7 @@
       </p:sp>
       <p:sp>
         <p:nvSpPr>
-          <p:cNvPr id="235" name="Google Shape;235;p32"/>
+          <p:cNvPr id="249" name="Google Shape;249;p34"/>
           <p:cNvSpPr txBox="1"/>
           <p:nvPr>
             <p:ph idx="2" type="subTitle"/>
@@ -17348,7 +18689,7 @@
       </p:sp>
       <p:sp>
         <p:nvSpPr>
-          <p:cNvPr id="236" name="Google Shape;236;p32"/>
+          <p:cNvPr id="250" name="Google Shape;250;p34"/>
           <p:cNvSpPr txBox="1"/>
           <p:nvPr>
             <p:ph idx="1" type="subTitle"/>
@@ -17388,7 +18729,7 @@
       </p:sp>
       <p:sp>
         <p:nvSpPr>
-          <p:cNvPr id="237" name="Google Shape;237;p32"/>
+          <p:cNvPr id="251" name="Google Shape;251;p34"/>
           <p:cNvSpPr txBox="1"/>
           <p:nvPr>
             <p:ph idx="3" type="subTitle"/>
@@ -17431,7 +18772,7 @@
       </p:sp>
       <p:sp>
         <p:nvSpPr>
-          <p:cNvPr id="238" name="Google Shape;238;p32"/>
+          <p:cNvPr id="252" name="Google Shape;252;p34"/>
           <p:cNvSpPr txBox="1"/>
           <p:nvPr>
             <p:ph idx="4" type="title"/>
@@ -17471,7 +18812,7 @@
       </p:sp>
       <p:sp>
         <p:nvSpPr>
-          <p:cNvPr id="239" name="Google Shape;239;p32"/>
+          <p:cNvPr id="253" name="Google Shape;253;p34"/>
           <p:cNvSpPr txBox="1"/>
           <p:nvPr>
             <p:ph idx="5" type="title"/>
@@ -17511,7 +18852,7 @@
       </p:sp>
       <p:sp>
         <p:nvSpPr>
-          <p:cNvPr id="240" name="Google Shape;240;p32"/>
+          <p:cNvPr id="254" name="Google Shape;254;p34"/>
           <p:cNvSpPr txBox="1"/>
           <p:nvPr>
             <p:ph idx="6" type="title"/>
@@ -17551,7 +18892,7 @@
       </p:sp>
       <p:sp>
         <p:nvSpPr>
-          <p:cNvPr id="241" name="Google Shape;241;p32"/>
+          <p:cNvPr id="255" name="Google Shape;255;p34"/>
           <p:cNvSpPr txBox="1"/>
           <p:nvPr>
             <p:ph idx="7" type="subTitle"/>
@@ -17591,7 +18932,7 @@
       </p:sp>
       <p:sp>
         <p:nvSpPr>
-          <p:cNvPr id="242" name="Google Shape;242;p32"/>
+          <p:cNvPr id="256" name="Google Shape;256;p34"/>
           <p:cNvSpPr txBox="1"/>
           <p:nvPr>
             <p:ph idx="8" type="subTitle"/>
@@ -17631,7 +18972,7 @@
       </p:sp>
       <p:sp>
         <p:nvSpPr>
-          <p:cNvPr id="243" name="Google Shape;243;p32"/>
+          <p:cNvPr id="257" name="Google Shape;257;p34"/>
           <p:cNvSpPr txBox="1"/>
           <p:nvPr>
             <p:ph idx="9" type="subTitle"/>
@@ -17677,12 +19018,12 @@
 </p:sld>
 </file>
 
-<file path=ppt/slides/slide12.xml><?xml version="1.0" encoding="utf-8"?>
+<file path=ppt/slides/slide14.xml><?xml version="1.0" encoding="utf-8"?>
 <p:sld xmlns:a="http://schemas.openxmlformats.org/drawingml/2006/main" xmlns:r="http://schemas.openxmlformats.org/officeDocument/2006/relationships" xmlns:mc="http://schemas.openxmlformats.org/markup-compatibility/2006" xmlns:mv="urn:schemas-microsoft-com:mac:vml" xmlns:p="http://schemas.openxmlformats.org/presentationml/2006/main" xmlns:c="http://schemas.openxmlformats.org/drawingml/2006/chart" xmlns:dgm="http://schemas.openxmlformats.org/drawingml/2006/diagram" xmlns:o="urn:schemas-microsoft-com:office:office" xmlns:v="urn:schemas-microsoft-com:vml" xmlns:pvml="urn:schemas-microsoft-com:office:powerpoint" xmlns:com="http://schemas.openxmlformats.org/drawingml/2006/compatibility" xmlns:p14="http://schemas.microsoft.com/office/powerpoint/2010/main" xmlns:p15="http://schemas.microsoft.com/office/powerpoint/2012/main" xmlns:ahyp="http://schemas.microsoft.com/office/drawing/2018/hyperlinkcolor">
   <p:cSld>
     <p:spTree>
       <p:nvGrpSpPr>
-        <p:cNvPr id="247" name="Shape 247"/>
+        <p:cNvPr id="261" name="Shape 261"/>
         <p:cNvGrpSpPr/>
         <p:nvPr/>
       </p:nvGrpSpPr>
@@ -17696,7 +19037,7 @@
       </p:grpSpPr>
       <p:sp>
         <p:nvSpPr>
-          <p:cNvPr id="248" name="Google Shape;248;p33"/>
+          <p:cNvPr id="262" name="Google Shape;262;p35"/>
           <p:cNvSpPr txBox="1"/>
           <p:nvPr>
             <p:ph type="title"/>
@@ -17736,7 +19077,7 @@
       </p:sp>
       <p:sp>
         <p:nvSpPr>
-          <p:cNvPr id="249" name="Google Shape;249;p33"/>
+          <p:cNvPr id="263" name="Google Shape;263;p35"/>
           <p:cNvSpPr/>
           <p:nvPr/>
         </p:nvSpPr>
@@ -17793,7 +19134,7 @@
       </p:sp>
       <p:sp>
         <p:nvSpPr>
-          <p:cNvPr id="250" name="Google Shape;250;p33"/>
+          <p:cNvPr id="264" name="Google Shape;264;p35"/>
           <p:cNvSpPr/>
           <p:nvPr/>
         </p:nvSpPr>
@@ -17850,7 +19191,7 @@
       </p:sp>
       <p:sp>
         <p:nvSpPr>
-          <p:cNvPr id="251" name="Google Shape;251;p33"/>
+          <p:cNvPr id="265" name="Google Shape;265;p35"/>
           <p:cNvSpPr/>
           <p:nvPr/>
         </p:nvSpPr>
@@ -17907,7 +19248,7 @@
       </p:sp>
       <p:sp>
         <p:nvSpPr>
-          <p:cNvPr id="252" name="Google Shape;252;p33"/>
+          <p:cNvPr id="266" name="Google Shape;266;p35"/>
           <p:cNvSpPr/>
           <p:nvPr/>
         </p:nvSpPr>
@@ -17964,7 +19305,7 @@
       </p:sp>
       <p:sp>
         <p:nvSpPr>
-          <p:cNvPr id="253" name="Google Shape;253;p33"/>
+          <p:cNvPr id="267" name="Google Shape;267;p35"/>
           <p:cNvSpPr/>
           <p:nvPr/>
         </p:nvSpPr>
@@ -18021,7 +19362,7 @@
       </p:sp>
       <p:sp>
         <p:nvSpPr>
-          <p:cNvPr id="254" name="Google Shape;254;p33"/>
+          <p:cNvPr id="268" name="Google Shape;268;p35"/>
           <p:cNvSpPr/>
           <p:nvPr/>
         </p:nvSpPr>
@@ -18078,7 +19419,7 @@
       </p:sp>
       <p:sp>
         <p:nvSpPr>
-          <p:cNvPr id="255" name="Google Shape;255;p33"/>
+          <p:cNvPr id="269" name="Google Shape;269;p35"/>
           <p:cNvSpPr/>
           <p:nvPr/>
         </p:nvSpPr>
@@ -18135,7 +19476,7 @@
       </p:sp>
       <p:sp>
         <p:nvSpPr>
-          <p:cNvPr id="256" name="Google Shape;256;p33"/>
+          <p:cNvPr id="270" name="Google Shape;270;p35"/>
           <p:cNvSpPr/>
           <p:nvPr/>
         </p:nvSpPr>
@@ -18192,7 +19533,7 @@
       </p:sp>
       <p:sp>
         <p:nvSpPr>
-          <p:cNvPr id="257" name="Google Shape;257;p33"/>
+          <p:cNvPr id="271" name="Google Shape;271;p35"/>
           <p:cNvSpPr/>
           <p:nvPr/>
         </p:nvSpPr>
@@ -18249,7 +19590,7 @@
       </p:sp>
       <p:sp>
         <p:nvSpPr>
-          <p:cNvPr id="258" name="Google Shape;258;p33"/>
+          <p:cNvPr id="272" name="Google Shape;272;p35"/>
           <p:cNvSpPr/>
           <p:nvPr/>
         </p:nvSpPr>
@@ -18306,7 +19647,7 @@
       </p:sp>
       <p:sp>
         <p:nvSpPr>
-          <p:cNvPr id="259" name="Google Shape;259;p33"/>
+          <p:cNvPr id="273" name="Google Shape;273;p35"/>
           <p:cNvSpPr txBox="1"/>
           <p:nvPr/>
         </p:nvSpPr>
@@ -18367,7 +19708,7 @@
       </p:sp>
       <p:sp>
         <p:nvSpPr>
-          <p:cNvPr id="260" name="Google Shape;260;p33"/>
+          <p:cNvPr id="274" name="Google Shape;274;p35"/>
           <p:cNvSpPr txBox="1"/>
           <p:nvPr/>
         </p:nvSpPr>
@@ -18492,7 +19833,7 @@
       </p:sp>
       <p:sp>
         <p:nvSpPr>
-          <p:cNvPr id="261" name="Google Shape;261;p33"/>
+          <p:cNvPr id="275" name="Google Shape;275;p35"/>
           <p:cNvSpPr/>
           <p:nvPr/>
         </p:nvSpPr>
@@ -18549,7 +19890,7 @@
       </p:sp>
       <p:sp>
         <p:nvSpPr>
-          <p:cNvPr id="262" name="Google Shape;262;p33"/>
+          <p:cNvPr id="276" name="Google Shape;276;p35"/>
           <p:cNvSpPr/>
           <p:nvPr/>
         </p:nvSpPr>
@@ -18606,7 +19947,7 @@
       </p:sp>
       <p:sp>
         <p:nvSpPr>
-          <p:cNvPr id="263" name="Google Shape;263;p33"/>
+          <p:cNvPr id="277" name="Google Shape;277;p35"/>
           <p:cNvSpPr/>
           <p:nvPr/>
         </p:nvSpPr>
@@ -18663,7 +20004,7 @@
       </p:sp>
       <p:sp>
         <p:nvSpPr>
-          <p:cNvPr id="264" name="Google Shape;264;p33"/>
+          <p:cNvPr id="278" name="Google Shape;278;p35"/>
           <p:cNvSpPr/>
           <p:nvPr/>
         </p:nvSpPr>
@@ -18720,7 +20061,7 @@
       </p:sp>
       <p:sp>
         <p:nvSpPr>
-          <p:cNvPr id="265" name="Google Shape;265;p33"/>
+          <p:cNvPr id="279" name="Google Shape;279;p35"/>
           <p:cNvSpPr/>
           <p:nvPr/>
         </p:nvSpPr>
@@ -18777,7 +20118,7 @@
       </p:sp>
       <p:sp>
         <p:nvSpPr>
-          <p:cNvPr id="266" name="Google Shape;266;p33"/>
+          <p:cNvPr id="280" name="Google Shape;280;p35"/>
           <p:cNvSpPr/>
           <p:nvPr/>
         </p:nvSpPr>
@@ -18834,7 +20175,7 @@
       </p:sp>
       <p:sp>
         <p:nvSpPr>
-          <p:cNvPr id="267" name="Google Shape;267;p33"/>
+          <p:cNvPr id="281" name="Google Shape;281;p35"/>
           <p:cNvSpPr/>
           <p:nvPr/>
         </p:nvSpPr>
@@ -18891,7 +20232,7 @@
       </p:sp>
       <p:sp>
         <p:nvSpPr>
-          <p:cNvPr id="268" name="Google Shape;268;p33"/>
+          <p:cNvPr id="282" name="Google Shape;282;p35"/>
           <p:cNvSpPr/>
           <p:nvPr/>
         </p:nvSpPr>
@@ -18948,7 +20289,7 @@
       </p:sp>
       <p:sp>
         <p:nvSpPr>
-          <p:cNvPr id="269" name="Google Shape;269;p33"/>
+          <p:cNvPr id="283" name="Google Shape;283;p35"/>
           <p:cNvSpPr/>
           <p:nvPr/>
         </p:nvSpPr>
@@ -19005,7 +20346,7 @@
       </p:sp>
       <p:sp>
         <p:nvSpPr>
-          <p:cNvPr id="270" name="Google Shape;270;p33"/>
+          <p:cNvPr id="284" name="Google Shape;284;p35"/>
           <p:cNvSpPr/>
           <p:nvPr/>
         </p:nvSpPr>
@@ -19062,7 +20403,7 @@
       </p:sp>
       <p:sp>
         <p:nvSpPr>
-          <p:cNvPr id="271" name="Google Shape;271;p33"/>
+          <p:cNvPr id="285" name="Google Shape;285;p35"/>
           <p:cNvSpPr txBox="1"/>
           <p:nvPr/>
         </p:nvSpPr>
@@ -19135,7 +20476,7 @@
       </p:sp>
       <p:sp>
         <p:nvSpPr>
-          <p:cNvPr id="272" name="Google Shape;272;p33"/>
+          <p:cNvPr id="286" name="Google Shape;286;p35"/>
           <p:cNvSpPr txBox="1"/>
           <p:nvPr/>
         </p:nvSpPr>
@@ -19208,7 +20549,7 @@
       </p:sp>
       <p:sp>
         <p:nvSpPr>
-          <p:cNvPr id="273" name="Google Shape;273;p33"/>
+          <p:cNvPr id="287" name="Google Shape;287;p35"/>
           <p:cNvSpPr/>
           <p:nvPr/>
         </p:nvSpPr>
@@ -19265,7 +20606,7 @@
       </p:sp>
       <p:sp>
         <p:nvSpPr>
-          <p:cNvPr id="274" name="Google Shape;274;p33"/>
+          <p:cNvPr id="288" name="Google Shape;288;p35"/>
           <p:cNvSpPr/>
           <p:nvPr/>
         </p:nvSpPr>
@@ -19322,7 +20663,7 @@
       </p:sp>
       <p:sp>
         <p:nvSpPr>
-          <p:cNvPr id="275" name="Google Shape;275;p33"/>
+          <p:cNvPr id="289" name="Google Shape;289;p35"/>
           <p:cNvSpPr/>
           <p:nvPr/>
         </p:nvSpPr>
@@ -19379,7 +20720,7 @@
       </p:sp>
       <p:sp>
         <p:nvSpPr>
-          <p:cNvPr id="276" name="Google Shape;276;p33"/>
+          <p:cNvPr id="290" name="Google Shape;290;p35"/>
           <p:cNvSpPr/>
           <p:nvPr/>
         </p:nvSpPr>
@@ -19436,7 +20777,7 @@
       </p:sp>
       <p:sp>
         <p:nvSpPr>
-          <p:cNvPr id="277" name="Google Shape;277;p33"/>
+          <p:cNvPr id="291" name="Google Shape;291;p35"/>
           <p:cNvSpPr/>
           <p:nvPr/>
         </p:nvSpPr>
@@ -19493,7 +20834,7 @@
       </p:sp>
       <p:sp>
         <p:nvSpPr>
-          <p:cNvPr id="278" name="Google Shape;278;p33"/>
+          <p:cNvPr id="292" name="Google Shape;292;p35"/>
           <p:cNvSpPr/>
           <p:nvPr/>
         </p:nvSpPr>
@@ -19550,7 +20891,7 @@
       </p:sp>
       <p:sp>
         <p:nvSpPr>
-          <p:cNvPr id="279" name="Google Shape;279;p33"/>
+          <p:cNvPr id="293" name="Google Shape;293;p35"/>
           <p:cNvSpPr/>
           <p:nvPr/>
         </p:nvSpPr>
@@ -19607,7 +20948,7 @@
       </p:sp>
       <p:sp>
         <p:nvSpPr>
-          <p:cNvPr id="280" name="Google Shape;280;p33"/>
+          <p:cNvPr id="294" name="Google Shape;294;p35"/>
           <p:cNvSpPr/>
           <p:nvPr/>
         </p:nvSpPr>
@@ -19664,7 +21005,7 @@
       </p:sp>
       <p:sp>
         <p:nvSpPr>
-          <p:cNvPr id="281" name="Google Shape;281;p33"/>
+          <p:cNvPr id="295" name="Google Shape;295;p35"/>
           <p:cNvSpPr/>
           <p:nvPr/>
         </p:nvSpPr>
@@ -19721,7 +21062,7 @@
       </p:sp>
       <p:sp>
         <p:nvSpPr>
-          <p:cNvPr id="282" name="Google Shape;282;p33"/>
+          <p:cNvPr id="296" name="Google Shape;296;p35"/>
           <p:cNvSpPr/>
           <p:nvPr/>
         </p:nvSpPr>
@@ -19778,7 +21119,7 @@
       </p:sp>
       <p:sp>
         <p:nvSpPr>
-          <p:cNvPr id="283" name="Google Shape;283;p33"/>
+          <p:cNvPr id="297" name="Google Shape;297;p35"/>
           <p:cNvSpPr txBox="1"/>
           <p:nvPr/>
         </p:nvSpPr>
@@ -19851,7 +21192,7 @@
       </p:sp>
       <p:sp>
         <p:nvSpPr>
-          <p:cNvPr id="284" name="Google Shape;284;p33"/>
+          <p:cNvPr id="298" name="Google Shape;298;p35"/>
           <p:cNvSpPr txBox="1"/>
           <p:nvPr/>
         </p:nvSpPr>
@@ -19924,7 +21265,7 @@
       </p:sp>
       <p:sp>
         <p:nvSpPr>
-          <p:cNvPr id="285" name="Google Shape;285;p33"/>
+          <p:cNvPr id="299" name="Google Shape;299;p35"/>
           <p:cNvSpPr/>
           <p:nvPr/>
         </p:nvSpPr>
@@ -19981,7 +21322,7 @@
       </p:sp>
       <p:sp>
         <p:nvSpPr>
-          <p:cNvPr id="286" name="Google Shape;286;p33"/>
+          <p:cNvPr id="300" name="Google Shape;300;p35"/>
           <p:cNvSpPr/>
           <p:nvPr/>
         </p:nvSpPr>
@@ -20038,7 +21379,7 @@
       </p:sp>
       <p:sp>
         <p:nvSpPr>
-          <p:cNvPr id="287" name="Google Shape;287;p33"/>
+          <p:cNvPr id="301" name="Google Shape;301;p35"/>
           <p:cNvSpPr/>
           <p:nvPr/>
         </p:nvSpPr>
@@ -20095,7 +21436,7 @@
       </p:sp>
       <p:sp>
         <p:nvSpPr>
-          <p:cNvPr id="288" name="Google Shape;288;p33"/>
+          <p:cNvPr id="302" name="Google Shape;302;p35"/>
           <p:cNvSpPr/>
           <p:nvPr/>
         </p:nvSpPr>
@@ -20152,7 +21493,7 @@
       </p:sp>
       <p:sp>
         <p:nvSpPr>
-          <p:cNvPr id="289" name="Google Shape;289;p33"/>
+          <p:cNvPr id="303" name="Google Shape;303;p35"/>
           <p:cNvSpPr/>
           <p:nvPr/>
         </p:nvSpPr>
@@ -20209,7 +21550,7 @@
       </p:sp>
       <p:sp>
         <p:nvSpPr>
-          <p:cNvPr id="290" name="Google Shape;290;p33"/>
+          <p:cNvPr id="304" name="Google Shape;304;p35"/>
           <p:cNvSpPr/>
           <p:nvPr/>
         </p:nvSpPr>
@@ -20266,7 +21607,7 @@
       </p:sp>
       <p:sp>
         <p:nvSpPr>
-          <p:cNvPr id="291" name="Google Shape;291;p33"/>
+          <p:cNvPr id="305" name="Google Shape;305;p35"/>
           <p:cNvSpPr/>
           <p:nvPr/>
         </p:nvSpPr>
@@ -20323,7 +21664,7 @@
       </p:sp>
       <p:sp>
         <p:nvSpPr>
-          <p:cNvPr id="292" name="Google Shape;292;p33"/>
+          <p:cNvPr id="306" name="Google Shape;306;p35"/>
           <p:cNvSpPr/>
           <p:nvPr/>
         </p:nvSpPr>
@@ -20380,7 +21721,7 @@
       </p:sp>
       <p:sp>
         <p:nvSpPr>
-          <p:cNvPr id="293" name="Google Shape;293;p33"/>
+          <p:cNvPr id="307" name="Google Shape;307;p35"/>
           <p:cNvSpPr/>
           <p:nvPr/>
         </p:nvSpPr>
@@ -20437,7 +21778,7 @@
       </p:sp>
       <p:sp>
         <p:nvSpPr>
-          <p:cNvPr id="294" name="Google Shape;294;p33"/>
+          <p:cNvPr id="308" name="Google Shape;308;p35"/>
           <p:cNvSpPr/>
           <p:nvPr/>
         </p:nvSpPr>
@@ -20494,7 +21835,7 @@
       </p:sp>
       <p:sp>
         <p:nvSpPr>
-          <p:cNvPr id="295" name="Google Shape;295;p33"/>
+          <p:cNvPr id="309" name="Google Shape;309;p35"/>
           <p:cNvSpPr txBox="1"/>
           <p:nvPr/>
         </p:nvSpPr>
@@ -20567,7 +21908,7 @@
       </p:sp>
       <p:sp>
         <p:nvSpPr>
-          <p:cNvPr id="296" name="Google Shape;296;p33"/>
+          <p:cNvPr id="310" name="Google Shape;310;p35"/>
           <p:cNvSpPr txBox="1"/>
           <p:nvPr/>
         </p:nvSpPr>
@@ -20646,12 +21987,12 @@
 </p:sld>
 </file>
 
-<file path=ppt/slides/slide13.xml><?xml version="1.0" encoding="utf-8"?>
+<file path=ppt/slides/slide15.xml><?xml version="1.0" encoding="utf-8"?>
 <p:sld xmlns:a="http://schemas.openxmlformats.org/drawingml/2006/main" xmlns:r="http://schemas.openxmlformats.org/officeDocument/2006/relationships" xmlns:mc="http://schemas.openxmlformats.org/markup-compatibility/2006" xmlns:mv="urn:schemas-microsoft-com:mac:vml" xmlns:p="http://schemas.openxmlformats.org/presentationml/2006/main" xmlns:c="http://schemas.openxmlformats.org/drawingml/2006/chart" xmlns:dgm="http://schemas.openxmlformats.org/drawingml/2006/diagram" xmlns:o="urn:schemas-microsoft-com:office:office" xmlns:v="urn:schemas-microsoft-com:vml" xmlns:pvml="urn:schemas-microsoft-com:office:powerpoint" xmlns:com="http://schemas.openxmlformats.org/drawingml/2006/compatibility" xmlns:p14="http://schemas.microsoft.com/office/powerpoint/2010/main" xmlns:p15="http://schemas.microsoft.com/office/powerpoint/2012/main" xmlns:ahyp="http://schemas.microsoft.com/office/drawing/2018/hyperlinkcolor">
   <p:cSld>
     <p:spTree>
       <p:nvGrpSpPr>
-        <p:cNvPr id="300" name="Shape 300"/>
+        <p:cNvPr id="314" name="Shape 314"/>
         <p:cNvGrpSpPr/>
         <p:nvPr/>
       </p:nvGrpSpPr>
@@ -20665,7 +22006,7 @@
       </p:grpSpPr>
       <p:sp>
         <p:nvSpPr>
-          <p:cNvPr id="301" name="Google Shape;301;p34"/>
+          <p:cNvPr id="315" name="Google Shape;315;p36"/>
           <p:cNvSpPr txBox="1"/>
           <p:nvPr>
             <p:ph type="title"/>
@@ -20673,8 +22014,8 @@
         </p:nvSpPr>
         <p:spPr>
           <a:xfrm>
-            <a:off x="1768500" y="1505525"/>
-            <a:ext cx="5607000" cy="2529300"/>
+            <a:off x="1795875" y="384875"/>
+            <a:ext cx="5933700" cy="2529300"/>
           </a:xfrm>
           <a:prstGeom prst="rect">
             <a:avLst/>
@@ -20697,27 +22038,7 @@
             </a:pPr>
             <a:r>
               <a:rPr lang="en" sz="10000"/>
-              <a:t>Thank</a:t>
-            </a:r>
-            <a:endParaRPr sz="10000"/>
-          </a:p>
-          <a:p>
-            <a:pPr indent="0" lvl="0" marL="0" rtl="0" algn="ctr">
-              <a:spcBef>
-                <a:spcPts val="0"/>
-              </a:spcBef>
-              <a:spcAft>
-                <a:spcPts val="0"/>
-              </a:spcAft>
-              <a:buNone/>
-            </a:pPr>
-            <a:r>
-              <a:rPr b="0" lang="en" sz="5000"/>
-              <a:t>you</a:t>
-            </a:r>
-            <a:r>
-              <a:rPr lang="en" sz="5000"/>
-              <a:t> </a:t>
+              <a:t>Queries ?</a:t>
             </a:r>
             <a:endParaRPr sz="5000"/>
           </a:p>
@@ -20725,105 +22046,7 @@
       </p:sp>
       <p:sp>
         <p:nvSpPr>
-          <p:cNvPr id="302" name="Google Shape;302;p34"/>
-          <p:cNvSpPr txBox="1"/>
-          <p:nvPr>
-            <p:ph idx="4294967295" type="subTitle"/>
-          </p:nvPr>
-        </p:nvSpPr>
-        <p:spPr>
-          <a:xfrm>
-            <a:off x="566276" y="258350"/>
-            <a:ext cx="2767500" cy="1058700"/>
-          </a:xfrm>
-          <a:prstGeom prst="rect">
-            <a:avLst/>
-          </a:prstGeom>
-        </p:spPr>
-        <p:txBody>
-          <a:bodyPr anchorCtr="0" anchor="t" bIns="91425" lIns="91425" spcFirstLastPara="1" rIns="91425" wrap="square" tIns="91425">
-            <a:noAutofit/>
-          </a:bodyPr>
-          <a:lstStyle/>
-          <a:p>
-            <a:pPr indent="0" lvl="0" marL="0" rtl="0" algn="l">
-              <a:spcBef>
-                <a:spcPts val="0"/>
-              </a:spcBef>
-              <a:spcAft>
-                <a:spcPts val="0"/>
-              </a:spcAft>
-              <a:buNone/>
-            </a:pPr>
-            <a:r>
-              <a:rPr b="1" lang="en" sz="1300">
-                <a:latin typeface="Bricolage Grotesque"/>
-                <a:ea typeface="Bricolage Grotesque"/>
-                <a:cs typeface="Bricolage Grotesque"/>
-                <a:sym typeface="Bricolage Grotesque"/>
-              </a:rPr>
-              <a:t>Do you have any questions?</a:t>
-            </a:r>
-            <a:endParaRPr b="1" sz="1300">
-              <a:latin typeface="Bricolage Grotesque"/>
-              <a:ea typeface="Bricolage Grotesque"/>
-              <a:cs typeface="Bricolage Grotesque"/>
-              <a:sym typeface="Bricolage Grotesque"/>
-            </a:endParaRPr>
-          </a:p>
-          <a:p>
-            <a:pPr indent="0" lvl="0" marL="0" rtl="0" algn="l">
-              <a:spcBef>
-                <a:spcPts val="0"/>
-              </a:spcBef>
-              <a:spcAft>
-                <a:spcPts val="0"/>
-              </a:spcAft>
-              <a:buNone/>
-            </a:pPr>
-            <a:r>
-              <a:rPr lang="en"/>
-              <a:t>krishnaprasanth.j@gmail.com</a:t>
-            </a:r>
-            <a:endParaRPr/>
-          </a:p>
-          <a:p>
-            <a:pPr indent="0" lvl="0" marL="0" rtl="0" algn="l">
-              <a:spcBef>
-                <a:spcPts val="0"/>
-              </a:spcBef>
-              <a:spcAft>
-                <a:spcPts val="0"/>
-              </a:spcAft>
-              <a:buNone/>
-            </a:pPr>
-            <a:r>
-              <a:rPr lang="en"/>
-              <a:t>+91 9095178012</a:t>
-            </a:r>
-            <a:endParaRPr/>
-          </a:p>
-          <a:p>
-            <a:pPr indent="0" lvl="0" marL="0" rtl="0" algn="l">
-              <a:spcBef>
-                <a:spcPts val="0"/>
-              </a:spcBef>
-              <a:spcAft>
-                <a:spcPts val="0"/>
-              </a:spcAft>
-              <a:buNone/>
-            </a:pPr>
-            <a:r>
-              <a:rPr lang="en"/>
-              <a:t>github.com/krish-jay</a:t>
-            </a:r>
-            <a:endParaRPr/>
-          </a:p>
-        </p:txBody>
-      </p:sp>
-      <p:sp>
-        <p:nvSpPr>
-          <p:cNvPr id="303" name="Google Shape;303;p34"/>
+          <p:cNvPr id="316" name="Google Shape;316;p36"/>
           <p:cNvSpPr/>
           <p:nvPr/>
         </p:nvSpPr>
@@ -20866,7 +22089,7 @@
       </p:sp>
       <p:sp>
         <p:nvSpPr>
-          <p:cNvPr id="304" name="Google Shape;304;p34"/>
+          <p:cNvPr id="317" name="Google Shape;317;p36"/>
           <p:cNvSpPr/>
           <p:nvPr/>
         </p:nvSpPr>
@@ -20909,7 +22132,7 @@
       </p:sp>
       <p:sp>
         <p:nvSpPr>
-          <p:cNvPr id="305" name="Google Shape;305;p34"/>
+          <p:cNvPr id="318" name="Google Shape;318;p36"/>
           <p:cNvSpPr/>
           <p:nvPr/>
         </p:nvSpPr>
@@ -20952,7 +22175,7 @@
       </p:sp>
       <p:grpSp>
         <p:nvGrpSpPr>
-          <p:cNvPr id="306" name="Google Shape;306;p34"/>
+          <p:cNvPr id="319" name="Google Shape;319;p36"/>
           <p:cNvGrpSpPr/>
           <p:nvPr/>
         </p:nvGrpSpPr>
@@ -20966,7 +22189,7 @@
         </p:grpSpPr>
         <p:sp>
           <p:nvSpPr>
-            <p:cNvPr id="307" name="Google Shape;307;p34"/>
+            <p:cNvPr id="320" name="Google Shape;320;p36"/>
             <p:cNvSpPr/>
             <p:nvPr/>
           </p:nvSpPr>
@@ -21079,7 +22302,7 @@
         </p:sp>
         <p:sp>
           <p:nvSpPr>
-            <p:cNvPr id="308" name="Google Shape;308;p34"/>
+            <p:cNvPr id="321" name="Google Shape;321;p36"/>
             <p:cNvSpPr/>
             <p:nvPr/>
           </p:nvSpPr>
@@ -21230,7 +22453,7 @@
         </p:sp>
         <p:sp>
           <p:nvSpPr>
-            <p:cNvPr id="309" name="Google Shape;309;p34"/>
+            <p:cNvPr id="322" name="Google Shape;322;p36"/>
             <p:cNvSpPr/>
             <p:nvPr/>
           </p:nvSpPr>
@@ -21302,7 +22525,7 @@
       </p:grpSp>
       <p:grpSp>
         <p:nvGrpSpPr>
-          <p:cNvPr id="310" name="Google Shape;310;p34"/>
+          <p:cNvPr id="323" name="Google Shape;323;p36"/>
           <p:cNvGrpSpPr/>
           <p:nvPr/>
         </p:nvGrpSpPr>
@@ -21316,7 +22539,7 @@
         </p:grpSpPr>
         <p:sp>
           <p:nvSpPr>
-            <p:cNvPr id="311" name="Google Shape;311;p34"/>
+            <p:cNvPr id="324" name="Google Shape;324;p36"/>
             <p:cNvSpPr/>
             <p:nvPr/>
           </p:nvSpPr>
@@ -21409,7 +22632,7 @@
         </p:sp>
         <p:sp>
           <p:nvSpPr>
-            <p:cNvPr id="312" name="Google Shape;312;p34"/>
+            <p:cNvPr id="325" name="Google Shape;325;p36"/>
             <p:cNvSpPr/>
             <p:nvPr/>
           </p:nvSpPr>
@@ -21504,7 +22727,7 @@
         </p:sp>
         <p:sp>
           <p:nvSpPr>
-            <p:cNvPr id="313" name="Google Shape;313;p34"/>
+            <p:cNvPr id="326" name="Google Shape;326;p36"/>
             <p:cNvSpPr/>
             <p:nvPr/>
           </p:nvSpPr>
@@ -21706,7 +22929,7 @@
       </p:grpSp>
       <p:sp>
         <p:nvSpPr>
-          <p:cNvPr id="314" name="Google Shape;314;p34"/>
+          <p:cNvPr id="327" name="Google Shape;327;p36"/>
           <p:cNvSpPr/>
           <p:nvPr/>
         </p:nvSpPr>
@@ -21833,6 +23056,1149 @@
           </a:p>
         </p:txBody>
       </p:sp>
+      <p:pic>
+        <p:nvPicPr>
+          <p:cNvPr id="328" name="Google Shape;328;p36" title="656efcb6445d47000166f39e_BRC-20 Tokens-1600 900.png"/>
+          <p:cNvPicPr preferRelativeResize="0"/>
+          <p:nvPr>
+            <p:ph idx="2" type="pic"/>
+          </p:nvPr>
+        </p:nvPicPr>
+        <p:blipFill rotWithShape="1">
+          <a:blip r:embed="rId3">
+            <a:alphaModFix/>
+          </a:blip>
+          <a:srcRect b="29086" l="0" r="0" t="29086"/>
+          <a:stretch/>
+        </p:blipFill>
+        <p:spPr>
+          <a:xfrm>
+            <a:off x="228450" y="2962650"/>
+            <a:ext cx="8687100" cy="2043900"/>
+          </a:xfrm>
+          <a:prstGeom prst="roundRect">
+            <a:avLst>
+              <a:gd fmla="val 16667" name="adj"/>
+            </a:avLst>
+          </a:prstGeom>
+          <a:noFill/>
+          <a:ln>
+            <a:noFill/>
+          </a:ln>
+        </p:spPr>
+      </p:pic>
+    </p:spTree>
+  </p:cSld>
+  <p:clrMapOvr>
+    <a:masterClrMapping/>
+  </p:clrMapOvr>
+</p:sld>
+</file>
+
+<file path=ppt/slides/slide16.xml><?xml version="1.0" encoding="utf-8"?>
+<p:sld xmlns:a="http://schemas.openxmlformats.org/drawingml/2006/main" xmlns:r="http://schemas.openxmlformats.org/officeDocument/2006/relationships" xmlns:mc="http://schemas.openxmlformats.org/markup-compatibility/2006" xmlns:mv="urn:schemas-microsoft-com:mac:vml" xmlns:p="http://schemas.openxmlformats.org/presentationml/2006/main" xmlns:c="http://schemas.openxmlformats.org/drawingml/2006/chart" xmlns:dgm="http://schemas.openxmlformats.org/drawingml/2006/diagram" xmlns:o="urn:schemas-microsoft-com:office:office" xmlns:v="urn:schemas-microsoft-com:vml" xmlns:pvml="urn:schemas-microsoft-com:office:powerpoint" xmlns:com="http://schemas.openxmlformats.org/drawingml/2006/compatibility" xmlns:p14="http://schemas.microsoft.com/office/powerpoint/2010/main" xmlns:p15="http://schemas.microsoft.com/office/powerpoint/2012/main" xmlns:ahyp="http://schemas.microsoft.com/office/drawing/2018/hyperlinkcolor">
+  <p:cSld>
+    <p:spTree>
+      <p:nvGrpSpPr>
+        <p:cNvPr id="332" name="Shape 332"/>
+        <p:cNvGrpSpPr/>
+        <p:nvPr/>
+      </p:nvGrpSpPr>
+      <p:grpSpPr>
+        <a:xfrm>
+          <a:off x="0" y="0"/>
+          <a:ext cx="0" cy="0"/>
+          <a:chOff x="0" y="0"/>
+          <a:chExt cx="0" cy="0"/>
+        </a:xfrm>
+      </p:grpSpPr>
+      <p:sp>
+        <p:nvSpPr>
+          <p:cNvPr id="333" name="Google Shape;333;p37"/>
+          <p:cNvSpPr txBox="1"/>
+          <p:nvPr>
+            <p:ph type="title"/>
+          </p:nvPr>
+        </p:nvSpPr>
+        <p:spPr>
+          <a:xfrm>
+            <a:off x="726600" y="2717700"/>
+            <a:ext cx="7690800" cy="1717200"/>
+          </a:xfrm>
+          <a:prstGeom prst="rect">
+            <a:avLst/>
+          </a:prstGeom>
+        </p:spPr>
+        <p:txBody>
+          <a:bodyPr anchorCtr="0" anchor="ctr" bIns="91425" lIns="91425" spcFirstLastPara="1" rIns="91425" wrap="square" tIns="91425">
+            <a:noAutofit/>
+          </a:bodyPr>
+          <a:lstStyle/>
+          <a:p>
+            <a:pPr indent="0" lvl="0" marL="0" rtl="0" algn="ctr">
+              <a:spcBef>
+                <a:spcPts val="0"/>
+              </a:spcBef>
+              <a:spcAft>
+                <a:spcPts val="0"/>
+              </a:spcAft>
+              <a:buNone/>
+            </a:pPr>
+            <a:r>
+              <a:rPr lang="en" sz="10000"/>
+              <a:t>Thank You</a:t>
+            </a:r>
+            <a:r>
+              <a:rPr lang="en" sz="10000"/>
+              <a:t> !</a:t>
+            </a:r>
+            <a:endParaRPr sz="5000"/>
+          </a:p>
+        </p:txBody>
+      </p:sp>
+      <p:sp>
+        <p:nvSpPr>
+          <p:cNvPr id="334" name="Google Shape;334;p37"/>
+          <p:cNvSpPr/>
+          <p:nvPr/>
+        </p:nvSpPr>
+        <p:spPr>
+          <a:xfrm>
+            <a:off x="7059663" y="4618924"/>
+            <a:ext cx="343200" cy="343200"/>
+          </a:xfrm>
+          <a:prstGeom prst="rect">
+            <a:avLst/>
+          </a:prstGeom>
+          <a:solidFill>
+            <a:schemeClr val="dk2"/>
+          </a:solidFill>
+          <a:ln>
+            <a:noFill/>
+          </a:ln>
+        </p:spPr>
+        <p:txBody>
+          <a:bodyPr anchorCtr="0" anchor="ctr" bIns="71700" lIns="71700" spcFirstLastPara="1" rIns="71700" wrap="square" tIns="71700">
+            <a:noAutofit/>
+          </a:bodyPr>
+          <a:lstStyle/>
+          <a:p>
+            <a:pPr indent="0" lvl="0" marL="0" rtl="0" algn="l">
+              <a:spcBef>
+                <a:spcPts val="0"/>
+              </a:spcBef>
+              <a:spcAft>
+                <a:spcPts val="0"/>
+              </a:spcAft>
+              <a:buNone/>
+            </a:pPr>
+            <a:r>
+              <a:t/>
+            </a:r>
+            <a:endParaRPr/>
+          </a:p>
+        </p:txBody>
+      </p:sp>
+      <p:sp>
+        <p:nvSpPr>
+          <p:cNvPr id="335" name="Google Shape;335;p37"/>
+          <p:cNvSpPr/>
+          <p:nvPr/>
+        </p:nvSpPr>
+        <p:spPr>
+          <a:xfrm>
+            <a:off x="8071288" y="4618924"/>
+            <a:ext cx="343200" cy="343200"/>
+          </a:xfrm>
+          <a:prstGeom prst="rect">
+            <a:avLst/>
+          </a:prstGeom>
+          <a:solidFill>
+            <a:schemeClr val="dk2"/>
+          </a:solidFill>
+          <a:ln>
+            <a:noFill/>
+          </a:ln>
+        </p:spPr>
+        <p:txBody>
+          <a:bodyPr anchorCtr="0" anchor="ctr" bIns="71700" lIns="71700" spcFirstLastPara="1" rIns="71700" wrap="square" tIns="71700">
+            <a:noAutofit/>
+          </a:bodyPr>
+          <a:lstStyle/>
+          <a:p>
+            <a:pPr indent="0" lvl="0" marL="0" rtl="0" algn="l">
+              <a:spcBef>
+                <a:spcPts val="0"/>
+              </a:spcBef>
+              <a:spcAft>
+                <a:spcPts val="0"/>
+              </a:spcAft>
+              <a:buNone/>
+            </a:pPr>
+            <a:r>
+              <a:t/>
+            </a:r>
+            <a:endParaRPr/>
+          </a:p>
+        </p:txBody>
+      </p:sp>
+      <p:sp>
+        <p:nvSpPr>
+          <p:cNvPr id="336" name="Google Shape;336;p37"/>
+          <p:cNvSpPr/>
+          <p:nvPr/>
+        </p:nvSpPr>
+        <p:spPr>
+          <a:xfrm>
+            <a:off x="7565475" y="4617924"/>
+            <a:ext cx="343200" cy="343200"/>
+          </a:xfrm>
+          <a:prstGeom prst="rect">
+            <a:avLst/>
+          </a:prstGeom>
+          <a:solidFill>
+            <a:schemeClr val="dk2"/>
+          </a:solidFill>
+          <a:ln>
+            <a:noFill/>
+          </a:ln>
+        </p:spPr>
+        <p:txBody>
+          <a:bodyPr anchorCtr="0" anchor="ctr" bIns="71700" lIns="71700" spcFirstLastPara="1" rIns="71700" wrap="square" tIns="71700">
+            <a:noAutofit/>
+          </a:bodyPr>
+          <a:lstStyle/>
+          <a:p>
+            <a:pPr indent="0" lvl="0" marL="0" rtl="0" algn="l">
+              <a:spcBef>
+                <a:spcPts val="0"/>
+              </a:spcBef>
+              <a:spcAft>
+                <a:spcPts val="0"/>
+              </a:spcAft>
+              <a:buNone/>
+            </a:pPr>
+            <a:r>
+              <a:t/>
+            </a:r>
+            <a:endParaRPr/>
+          </a:p>
+        </p:txBody>
+      </p:sp>
+      <p:grpSp>
+        <p:nvGrpSpPr>
+          <p:cNvPr id="337" name="Google Shape;337;p37"/>
+          <p:cNvGrpSpPr/>
+          <p:nvPr/>
+        </p:nvGrpSpPr>
+        <p:grpSpPr>
+          <a:xfrm>
+            <a:off x="7128105" y="4681287"/>
+            <a:ext cx="216482" cy="216461"/>
+            <a:chOff x="3368074" y="3882537"/>
+            <a:chExt cx="215298" cy="215298"/>
+          </a:xfrm>
+        </p:grpSpPr>
+        <p:sp>
+          <p:nvSpPr>
+            <p:cNvPr id="338" name="Google Shape;338;p37"/>
+            <p:cNvSpPr/>
+            <p:nvPr/>
+          </p:nvSpPr>
+          <p:spPr>
+            <a:xfrm>
+              <a:off x="3368074" y="3882537"/>
+              <a:ext cx="215298" cy="215298"/>
+            </a:xfrm>
+            <a:custGeom>
+              <a:rect b="b" l="l" r="r" t="t"/>
+              <a:pathLst>
+                <a:path extrusionOk="0" h="6764" w="6764">
+                  <a:moveTo>
+                    <a:pt x="5335" y="346"/>
+                  </a:moveTo>
+                  <a:cubicBezTo>
+                    <a:pt x="5930" y="346"/>
+                    <a:pt x="6418" y="834"/>
+                    <a:pt x="6418" y="1429"/>
+                  </a:cubicBezTo>
+                  <a:lnTo>
+                    <a:pt x="6418" y="5335"/>
+                  </a:lnTo>
+                  <a:cubicBezTo>
+                    <a:pt x="6418" y="5930"/>
+                    <a:pt x="5930" y="6418"/>
+                    <a:pt x="5335" y="6418"/>
+                  </a:cubicBezTo>
+                  <a:lnTo>
+                    <a:pt x="1429" y="6418"/>
+                  </a:lnTo>
+                  <a:cubicBezTo>
+                    <a:pt x="834" y="6418"/>
+                    <a:pt x="346" y="5930"/>
+                    <a:pt x="346" y="5335"/>
+                  </a:cubicBezTo>
+                  <a:lnTo>
+                    <a:pt x="346" y="1429"/>
+                  </a:lnTo>
+                  <a:cubicBezTo>
+                    <a:pt x="346" y="834"/>
+                    <a:pt x="834" y="346"/>
+                    <a:pt x="1429" y="346"/>
+                  </a:cubicBezTo>
+                  <a:close/>
+                  <a:moveTo>
+                    <a:pt x="1429" y="1"/>
+                  </a:moveTo>
+                  <a:cubicBezTo>
+                    <a:pt x="644" y="1"/>
+                    <a:pt x="1" y="644"/>
+                    <a:pt x="1" y="1429"/>
+                  </a:cubicBezTo>
+                  <a:lnTo>
+                    <a:pt x="1" y="5335"/>
+                  </a:lnTo>
+                  <a:cubicBezTo>
+                    <a:pt x="1" y="6120"/>
+                    <a:pt x="644" y="6763"/>
+                    <a:pt x="1429" y="6763"/>
+                  </a:cubicBezTo>
+                  <a:lnTo>
+                    <a:pt x="5335" y="6763"/>
+                  </a:lnTo>
+                  <a:cubicBezTo>
+                    <a:pt x="6121" y="6763"/>
+                    <a:pt x="6763" y="6120"/>
+                    <a:pt x="6763" y="5335"/>
+                  </a:cubicBezTo>
+                  <a:lnTo>
+                    <a:pt x="6763" y="1429"/>
+                  </a:lnTo>
+                  <a:cubicBezTo>
+                    <a:pt x="6763" y="644"/>
+                    <a:pt x="6121" y="1"/>
+                    <a:pt x="5335" y="1"/>
+                  </a:cubicBezTo>
+                  <a:close/>
+                </a:path>
+              </a:pathLst>
+            </a:custGeom>
+            <a:solidFill>
+              <a:schemeClr val="lt1"/>
+            </a:solidFill>
+            <a:ln>
+              <a:noFill/>
+            </a:ln>
+          </p:spPr>
+          <p:txBody>
+            <a:bodyPr anchorCtr="0" anchor="ctr" bIns="71700" lIns="71700" spcFirstLastPara="1" rIns="71700" wrap="square" tIns="71700">
+              <a:noAutofit/>
+            </a:bodyPr>
+            <a:lstStyle/>
+            <a:p>
+              <a:pPr indent="0" lvl="0" marL="0" rtl="0" algn="l">
+                <a:spcBef>
+                  <a:spcPts val="0"/>
+                </a:spcBef>
+                <a:spcAft>
+                  <a:spcPts val="0"/>
+                </a:spcAft>
+                <a:buNone/>
+              </a:pPr>
+              <a:r>
+                <a:t/>
+              </a:r>
+              <a:endParaRPr/>
+            </a:p>
+          </p:txBody>
+        </p:sp>
+        <p:sp>
+          <p:nvSpPr>
+            <p:cNvPr id="339" name="Google Shape;339;p37"/>
+            <p:cNvSpPr/>
+            <p:nvPr/>
+          </p:nvSpPr>
+          <p:spPr>
+            <a:xfrm>
+              <a:off x="3418143" y="3933656"/>
+              <a:ext cx="114811" cy="112742"/>
+            </a:xfrm>
+            <a:custGeom>
+              <a:rect b="b" l="l" r="r" t="t"/>
+              <a:pathLst>
+                <a:path extrusionOk="0" h="3542" w="3607">
+                  <a:moveTo>
+                    <a:pt x="1822" y="0"/>
+                  </a:moveTo>
+                  <a:cubicBezTo>
+                    <a:pt x="812" y="0"/>
+                    <a:pt x="1" y="851"/>
+                    <a:pt x="59" y="1859"/>
+                  </a:cubicBezTo>
+                  <a:cubicBezTo>
+                    <a:pt x="95" y="2776"/>
+                    <a:pt x="833" y="3502"/>
+                    <a:pt x="1726" y="3538"/>
+                  </a:cubicBezTo>
+                  <a:cubicBezTo>
+                    <a:pt x="1764" y="3541"/>
+                    <a:pt x="1802" y="3542"/>
+                    <a:pt x="1840" y="3542"/>
+                  </a:cubicBezTo>
+                  <a:cubicBezTo>
+                    <a:pt x="2178" y="3542"/>
+                    <a:pt x="2494" y="3447"/>
+                    <a:pt x="2762" y="3276"/>
+                  </a:cubicBezTo>
+                  <a:cubicBezTo>
+                    <a:pt x="2857" y="3217"/>
+                    <a:pt x="2869" y="3086"/>
+                    <a:pt x="2797" y="3014"/>
+                  </a:cubicBezTo>
+                  <a:cubicBezTo>
+                    <a:pt x="2761" y="2978"/>
+                    <a:pt x="2711" y="2964"/>
+                    <a:pt x="2664" y="2964"/>
+                  </a:cubicBezTo>
+                  <a:cubicBezTo>
+                    <a:pt x="2634" y="2964"/>
+                    <a:pt x="2606" y="2969"/>
+                    <a:pt x="2583" y="2979"/>
+                  </a:cubicBezTo>
+                  <a:cubicBezTo>
+                    <a:pt x="2380" y="3096"/>
+                    <a:pt x="2149" y="3185"/>
+                    <a:pt x="1897" y="3185"/>
+                  </a:cubicBezTo>
+                  <a:cubicBezTo>
+                    <a:pt x="1868" y="3185"/>
+                    <a:pt x="1839" y="3183"/>
+                    <a:pt x="1809" y="3181"/>
+                  </a:cubicBezTo>
+                  <a:cubicBezTo>
+                    <a:pt x="1023" y="3169"/>
+                    <a:pt x="380" y="2514"/>
+                    <a:pt x="392" y="1716"/>
+                  </a:cubicBezTo>
+                  <a:cubicBezTo>
+                    <a:pt x="426" y="948"/>
+                    <a:pt x="1028" y="330"/>
+                    <a:pt x="1792" y="330"/>
+                  </a:cubicBezTo>
+                  <a:cubicBezTo>
+                    <a:pt x="1833" y="330"/>
+                    <a:pt x="1874" y="332"/>
+                    <a:pt x="1916" y="335"/>
+                  </a:cubicBezTo>
+                  <a:cubicBezTo>
+                    <a:pt x="2619" y="371"/>
+                    <a:pt x="3190" y="943"/>
+                    <a:pt x="3250" y="1633"/>
+                  </a:cubicBezTo>
+                  <a:cubicBezTo>
+                    <a:pt x="3285" y="1919"/>
+                    <a:pt x="3214" y="2193"/>
+                    <a:pt x="3095" y="2431"/>
+                  </a:cubicBezTo>
+                  <a:cubicBezTo>
+                    <a:pt x="3059" y="2490"/>
+                    <a:pt x="3059" y="2574"/>
+                    <a:pt x="3119" y="2633"/>
+                  </a:cubicBezTo>
+                  <a:cubicBezTo>
+                    <a:pt x="3149" y="2663"/>
+                    <a:pt x="3191" y="2678"/>
+                    <a:pt x="3234" y="2678"/>
+                  </a:cubicBezTo>
+                  <a:cubicBezTo>
+                    <a:pt x="3295" y="2678"/>
+                    <a:pt x="3358" y="2648"/>
+                    <a:pt x="3393" y="2586"/>
+                  </a:cubicBezTo>
+                  <a:cubicBezTo>
+                    <a:pt x="3536" y="2324"/>
+                    <a:pt x="3607" y="2014"/>
+                    <a:pt x="3583" y="1669"/>
+                  </a:cubicBezTo>
+                  <a:cubicBezTo>
+                    <a:pt x="3536" y="764"/>
+                    <a:pt x="2797" y="50"/>
+                    <a:pt x="1904" y="2"/>
+                  </a:cubicBezTo>
+                  <a:cubicBezTo>
+                    <a:pt x="1877" y="1"/>
+                    <a:pt x="1849" y="0"/>
+                    <a:pt x="1822" y="0"/>
+                  </a:cubicBezTo>
+                  <a:close/>
+                </a:path>
+              </a:pathLst>
+            </a:custGeom>
+            <a:solidFill>
+              <a:schemeClr val="lt1"/>
+            </a:solidFill>
+            <a:ln>
+              <a:noFill/>
+            </a:ln>
+          </p:spPr>
+          <p:txBody>
+            <a:bodyPr anchorCtr="0" anchor="ctr" bIns="71700" lIns="71700" spcFirstLastPara="1" rIns="71700" wrap="square" tIns="71700">
+              <a:noAutofit/>
+            </a:bodyPr>
+            <a:lstStyle/>
+            <a:p>
+              <a:pPr indent="0" lvl="0" marL="0" rtl="0" algn="l">
+                <a:spcBef>
+                  <a:spcPts val="0"/>
+                </a:spcBef>
+                <a:spcAft>
+                  <a:spcPts val="0"/>
+                </a:spcAft>
+                <a:buNone/>
+              </a:pPr>
+              <a:r>
+                <a:t/>
+              </a:r>
+              <a:endParaRPr/>
+            </a:p>
+          </p:txBody>
+        </p:sp>
+        <p:sp>
+          <p:nvSpPr>
+            <p:cNvPr id="340" name="Google Shape;340;p37"/>
+            <p:cNvSpPr/>
+            <p:nvPr/>
+          </p:nvSpPr>
+          <p:spPr>
+            <a:xfrm>
+              <a:off x="3519298" y="3910197"/>
+              <a:ext cx="29570" cy="29220"/>
+            </a:xfrm>
+            <a:custGeom>
+              <a:rect b="b" l="l" r="r" t="t"/>
+              <a:pathLst>
+                <a:path extrusionOk="0" h="918" w="929">
+                  <a:moveTo>
+                    <a:pt x="465" y="1"/>
+                  </a:moveTo>
+                  <a:cubicBezTo>
+                    <a:pt x="203" y="1"/>
+                    <a:pt x="0" y="203"/>
+                    <a:pt x="0" y="453"/>
+                  </a:cubicBezTo>
+                  <a:cubicBezTo>
+                    <a:pt x="0" y="715"/>
+                    <a:pt x="203" y="918"/>
+                    <a:pt x="465" y="918"/>
+                  </a:cubicBezTo>
+                  <a:cubicBezTo>
+                    <a:pt x="715" y="918"/>
+                    <a:pt x="929" y="715"/>
+                    <a:pt x="929" y="453"/>
+                  </a:cubicBezTo>
+                  <a:cubicBezTo>
+                    <a:pt x="929" y="203"/>
+                    <a:pt x="715" y="1"/>
+                    <a:pt x="465" y="1"/>
+                  </a:cubicBezTo>
+                  <a:close/>
+                </a:path>
+              </a:pathLst>
+            </a:custGeom>
+            <a:solidFill>
+              <a:schemeClr val="lt1"/>
+            </a:solidFill>
+            <a:ln>
+              <a:noFill/>
+            </a:ln>
+          </p:spPr>
+          <p:txBody>
+            <a:bodyPr anchorCtr="0" anchor="ctr" bIns="71700" lIns="71700" spcFirstLastPara="1" rIns="71700" wrap="square" tIns="71700">
+              <a:noAutofit/>
+            </a:bodyPr>
+            <a:lstStyle/>
+            <a:p>
+              <a:pPr indent="0" lvl="0" marL="0" rtl="0" algn="l">
+                <a:spcBef>
+                  <a:spcPts val="0"/>
+                </a:spcBef>
+                <a:spcAft>
+                  <a:spcPts val="0"/>
+                </a:spcAft>
+                <a:buNone/>
+              </a:pPr>
+              <a:r>
+                <a:t/>
+              </a:r>
+              <a:endParaRPr/>
+            </a:p>
+          </p:txBody>
+        </p:sp>
+      </p:grpSp>
+      <p:grpSp>
+        <p:nvGrpSpPr>
+          <p:cNvPr id="341" name="Google Shape;341;p37"/>
+          <p:cNvGrpSpPr/>
+          <p:nvPr/>
+        </p:nvGrpSpPr>
+        <p:grpSpPr>
+          <a:xfrm>
+            <a:off x="8138297" y="4695960"/>
+            <a:ext cx="209249" cy="187115"/>
+            <a:chOff x="3824739" y="3890112"/>
+            <a:chExt cx="208105" cy="186110"/>
+          </a:xfrm>
+        </p:grpSpPr>
+        <p:sp>
+          <p:nvSpPr>
+            <p:cNvPr id="342" name="Google Shape;342;p37"/>
+            <p:cNvSpPr/>
+            <p:nvPr/>
+          </p:nvSpPr>
+          <p:spPr>
+            <a:xfrm>
+              <a:off x="3831933" y="3955682"/>
+              <a:ext cx="47809" cy="120540"/>
+            </a:xfrm>
+            <a:custGeom>
+              <a:rect b="b" l="l" r="r" t="t"/>
+              <a:pathLst>
+                <a:path extrusionOk="0" h="3787" w="1502">
+                  <a:moveTo>
+                    <a:pt x="1168" y="346"/>
+                  </a:moveTo>
+                  <a:lnTo>
+                    <a:pt x="1168" y="3430"/>
+                  </a:lnTo>
+                  <a:lnTo>
+                    <a:pt x="358" y="3430"/>
+                  </a:lnTo>
+                  <a:lnTo>
+                    <a:pt x="358" y="346"/>
+                  </a:lnTo>
+                  <a:close/>
+                  <a:moveTo>
+                    <a:pt x="180" y="1"/>
+                  </a:moveTo>
+                  <a:cubicBezTo>
+                    <a:pt x="96" y="1"/>
+                    <a:pt x="1" y="72"/>
+                    <a:pt x="1" y="179"/>
+                  </a:cubicBezTo>
+                  <a:lnTo>
+                    <a:pt x="1" y="3608"/>
+                  </a:lnTo>
+                  <a:cubicBezTo>
+                    <a:pt x="1" y="3703"/>
+                    <a:pt x="72" y="3787"/>
+                    <a:pt x="180" y="3787"/>
+                  </a:cubicBezTo>
+                  <a:lnTo>
+                    <a:pt x="1323" y="3787"/>
+                  </a:lnTo>
+                  <a:cubicBezTo>
+                    <a:pt x="1418" y="3787"/>
+                    <a:pt x="1501" y="3715"/>
+                    <a:pt x="1501" y="3608"/>
+                  </a:cubicBezTo>
+                  <a:lnTo>
+                    <a:pt x="1501" y="179"/>
+                  </a:lnTo>
+                  <a:cubicBezTo>
+                    <a:pt x="1501" y="72"/>
+                    <a:pt x="1430" y="1"/>
+                    <a:pt x="1323" y="1"/>
+                  </a:cubicBezTo>
+                  <a:close/>
+                </a:path>
+              </a:pathLst>
+            </a:custGeom>
+            <a:solidFill>
+              <a:schemeClr val="lt1"/>
+            </a:solidFill>
+            <a:ln>
+              <a:noFill/>
+            </a:ln>
+          </p:spPr>
+          <p:txBody>
+            <a:bodyPr anchorCtr="0" anchor="ctr" bIns="71700" lIns="71700" spcFirstLastPara="1" rIns="71700" wrap="square" tIns="71700">
+              <a:noAutofit/>
+            </a:bodyPr>
+            <a:lstStyle/>
+            <a:p>
+              <a:pPr indent="0" lvl="0" marL="0" rtl="0" algn="l">
+                <a:spcBef>
+                  <a:spcPts val="0"/>
+                </a:spcBef>
+                <a:spcAft>
+                  <a:spcPts val="0"/>
+                </a:spcAft>
+                <a:buNone/>
+              </a:pPr>
+              <a:r>
+                <a:t/>
+              </a:r>
+              <a:endParaRPr/>
+            </a:p>
+          </p:txBody>
+        </p:sp>
+        <p:sp>
+          <p:nvSpPr>
+            <p:cNvPr id="343" name="Google Shape;343;p37"/>
+            <p:cNvSpPr/>
+            <p:nvPr/>
+          </p:nvSpPr>
+          <p:spPr>
+            <a:xfrm>
+              <a:off x="3824739" y="3890112"/>
+              <a:ext cx="55002" cy="55002"/>
+            </a:xfrm>
+            <a:custGeom>
+              <a:rect b="b" l="l" r="r" t="t"/>
+              <a:pathLst>
+                <a:path extrusionOk="0" h="1728" w="1728">
+                  <a:moveTo>
+                    <a:pt x="870" y="334"/>
+                  </a:moveTo>
+                  <a:cubicBezTo>
+                    <a:pt x="1156" y="334"/>
+                    <a:pt x="1394" y="572"/>
+                    <a:pt x="1394" y="846"/>
+                  </a:cubicBezTo>
+                  <a:cubicBezTo>
+                    <a:pt x="1394" y="1132"/>
+                    <a:pt x="1156" y="1370"/>
+                    <a:pt x="870" y="1370"/>
+                  </a:cubicBezTo>
+                  <a:cubicBezTo>
+                    <a:pt x="584" y="1370"/>
+                    <a:pt x="346" y="1132"/>
+                    <a:pt x="346" y="846"/>
+                  </a:cubicBezTo>
+                  <a:cubicBezTo>
+                    <a:pt x="346" y="572"/>
+                    <a:pt x="584" y="334"/>
+                    <a:pt x="870" y="334"/>
+                  </a:cubicBezTo>
+                  <a:close/>
+                  <a:moveTo>
+                    <a:pt x="870" y="1"/>
+                  </a:moveTo>
+                  <a:cubicBezTo>
+                    <a:pt x="394" y="1"/>
+                    <a:pt x="1" y="394"/>
+                    <a:pt x="1" y="870"/>
+                  </a:cubicBezTo>
+                  <a:cubicBezTo>
+                    <a:pt x="1" y="1346"/>
+                    <a:pt x="394" y="1727"/>
+                    <a:pt x="870" y="1727"/>
+                  </a:cubicBezTo>
+                  <a:cubicBezTo>
+                    <a:pt x="1346" y="1727"/>
+                    <a:pt x="1727" y="1334"/>
+                    <a:pt x="1727" y="870"/>
+                  </a:cubicBezTo>
+                  <a:cubicBezTo>
+                    <a:pt x="1727" y="394"/>
+                    <a:pt x="1346" y="1"/>
+                    <a:pt x="870" y="1"/>
+                  </a:cubicBezTo>
+                  <a:close/>
+                </a:path>
+              </a:pathLst>
+            </a:custGeom>
+            <a:solidFill>
+              <a:schemeClr val="lt1"/>
+            </a:solidFill>
+            <a:ln>
+              <a:noFill/>
+            </a:ln>
+          </p:spPr>
+          <p:txBody>
+            <a:bodyPr anchorCtr="0" anchor="ctr" bIns="71700" lIns="71700" spcFirstLastPara="1" rIns="71700" wrap="square" tIns="71700">
+              <a:noAutofit/>
+            </a:bodyPr>
+            <a:lstStyle/>
+            <a:p>
+              <a:pPr indent="0" lvl="0" marL="0" rtl="0" algn="l">
+                <a:spcBef>
+                  <a:spcPts val="0"/>
+                </a:spcBef>
+                <a:spcAft>
+                  <a:spcPts val="0"/>
+                </a:spcAft>
+                <a:buNone/>
+              </a:pPr>
+              <a:r>
+                <a:t/>
+              </a:r>
+              <a:endParaRPr/>
+            </a:p>
+          </p:txBody>
+        </p:sp>
+        <p:sp>
+          <p:nvSpPr>
+            <p:cNvPr id="344" name="Google Shape;344;p37"/>
+            <p:cNvSpPr/>
+            <p:nvPr/>
+          </p:nvSpPr>
+          <p:spPr>
+            <a:xfrm>
+              <a:off x="3904696" y="3955682"/>
+              <a:ext cx="128148" cy="120540"/>
+            </a:xfrm>
+            <a:custGeom>
+              <a:rect b="b" l="l" r="r" t="t"/>
+              <a:pathLst>
+                <a:path extrusionOk="0" h="3787" w="4026">
+                  <a:moveTo>
+                    <a:pt x="191" y="1"/>
+                  </a:moveTo>
+                  <a:cubicBezTo>
+                    <a:pt x="96" y="1"/>
+                    <a:pt x="1" y="72"/>
+                    <a:pt x="1" y="179"/>
+                  </a:cubicBezTo>
+                  <a:lnTo>
+                    <a:pt x="1" y="3608"/>
+                  </a:lnTo>
+                  <a:cubicBezTo>
+                    <a:pt x="1" y="3703"/>
+                    <a:pt x="84" y="3787"/>
+                    <a:pt x="191" y="3787"/>
+                  </a:cubicBezTo>
+                  <a:lnTo>
+                    <a:pt x="1334" y="3787"/>
+                  </a:lnTo>
+                  <a:cubicBezTo>
+                    <a:pt x="1418" y="3787"/>
+                    <a:pt x="1513" y="3715"/>
+                    <a:pt x="1513" y="3608"/>
+                  </a:cubicBezTo>
+                  <a:lnTo>
+                    <a:pt x="1513" y="2382"/>
+                  </a:lnTo>
+                  <a:cubicBezTo>
+                    <a:pt x="1513" y="1977"/>
+                    <a:pt x="1596" y="1501"/>
+                    <a:pt x="2037" y="1501"/>
+                  </a:cubicBezTo>
+                  <a:cubicBezTo>
+                    <a:pt x="2347" y="1501"/>
+                    <a:pt x="2477" y="1763"/>
+                    <a:pt x="2525" y="2060"/>
+                  </a:cubicBezTo>
+                  <a:cubicBezTo>
+                    <a:pt x="2537" y="2156"/>
+                    <a:pt x="2608" y="2215"/>
+                    <a:pt x="2692" y="2215"/>
+                  </a:cubicBezTo>
+                  <a:cubicBezTo>
+                    <a:pt x="2787" y="2215"/>
+                    <a:pt x="2870" y="2120"/>
+                    <a:pt x="2847" y="2025"/>
+                  </a:cubicBezTo>
+                  <a:cubicBezTo>
+                    <a:pt x="2763" y="1465"/>
+                    <a:pt x="2477" y="1155"/>
+                    <a:pt x="2013" y="1155"/>
+                  </a:cubicBezTo>
+                  <a:cubicBezTo>
+                    <a:pt x="1465" y="1155"/>
+                    <a:pt x="1156" y="1608"/>
+                    <a:pt x="1156" y="2382"/>
+                  </a:cubicBezTo>
+                  <a:lnTo>
+                    <a:pt x="1156" y="3430"/>
+                  </a:lnTo>
+                  <a:lnTo>
+                    <a:pt x="346" y="3430"/>
+                  </a:lnTo>
+                  <a:lnTo>
+                    <a:pt x="346" y="358"/>
+                  </a:lnTo>
+                  <a:lnTo>
+                    <a:pt x="918" y="358"/>
+                  </a:lnTo>
+                  <a:lnTo>
+                    <a:pt x="918" y="572"/>
+                  </a:lnTo>
+                  <a:cubicBezTo>
+                    <a:pt x="918" y="632"/>
+                    <a:pt x="930" y="679"/>
+                    <a:pt x="977" y="715"/>
+                  </a:cubicBezTo>
+                  <a:cubicBezTo>
+                    <a:pt x="1007" y="733"/>
+                    <a:pt x="1043" y="742"/>
+                    <a:pt x="1078" y="742"/>
+                  </a:cubicBezTo>
+                  <a:cubicBezTo>
+                    <a:pt x="1114" y="742"/>
+                    <a:pt x="1150" y="733"/>
+                    <a:pt x="1180" y="715"/>
+                  </a:cubicBezTo>
+                  <a:cubicBezTo>
+                    <a:pt x="1477" y="477"/>
+                    <a:pt x="1835" y="358"/>
+                    <a:pt x="2227" y="358"/>
+                  </a:cubicBezTo>
+                  <a:cubicBezTo>
+                    <a:pt x="3204" y="358"/>
+                    <a:pt x="3656" y="1191"/>
+                    <a:pt x="3656" y="2001"/>
+                  </a:cubicBezTo>
+                  <a:lnTo>
+                    <a:pt x="3656" y="3430"/>
+                  </a:lnTo>
+                  <a:lnTo>
+                    <a:pt x="2847" y="3430"/>
+                  </a:lnTo>
+                  <a:lnTo>
+                    <a:pt x="2847" y="2870"/>
+                  </a:lnTo>
+                  <a:cubicBezTo>
+                    <a:pt x="2847" y="2775"/>
+                    <a:pt x="2775" y="2703"/>
+                    <a:pt x="2692" y="2703"/>
+                  </a:cubicBezTo>
+                  <a:cubicBezTo>
+                    <a:pt x="2597" y="2703"/>
+                    <a:pt x="2525" y="2775"/>
+                    <a:pt x="2525" y="2870"/>
+                  </a:cubicBezTo>
+                  <a:lnTo>
+                    <a:pt x="2525" y="3596"/>
+                  </a:lnTo>
+                  <a:cubicBezTo>
+                    <a:pt x="2525" y="3691"/>
+                    <a:pt x="2597" y="3775"/>
+                    <a:pt x="2704" y="3775"/>
+                  </a:cubicBezTo>
+                  <a:lnTo>
+                    <a:pt x="3847" y="3775"/>
+                  </a:lnTo>
+                  <a:cubicBezTo>
+                    <a:pt x="3942" y="3775"/>
+                    <a:pt x="4025" y="3703"/>
+                    <a:pt x="4025" y="3596"/>
+                  </a:cubicBezTo>
+                  <a:lnTo>
+                    <a:pt x="4025" y="1989"/>
+                  </a:lnTo>
+                  <a:cubicBezTo>
+                    <a:pt x="4025" y="810"/>
+                    <a:pt x="3299" y="1"/>
+                    <a:pt x="2239" y="1"/>
+                  </a:cubicBezTo>
+                  <a:cubicBezTo>
+                    <a:pt x="1894" y="1"/>
+                    <a:pt x="1573" y="84"/>
+                    <a:pt x="1275" y="251"/>
+                  </a:cubicBezTo>
+                  <a:lnTo>
+                    <a:pt x="1275" y="179"/>
+                  </a:lnTo>
+                  <a:cubicBezTo>
+                    <a:pt x="1275" y="84"/>
+                    <a:pt x="1204" y="1"/>
+                    <a:pt x="1096" y="1"/>
+                  </a:cubicBezTo>
+                  <a:close/>
+                </a:path>
+              </a:pathLst>
+            </a:custGeom>
+            <a:solidFill>
+              <a:schemeClr val="lt1"/>
+            </a:solidFill>
+            <a:ln>
+              <a:noFill/>
+            </a:ln>
+          </p:spPr>
+          <p:txBody>
+            <a:bodyPr anchorCtr="0" anchor="ctr" bIns="71700" lIns="71700" spcFirstLastPara="1" rIns="71700" wrap="square" tIns="71700">
+              <a:noAutofit/>
+            </a:bodyPr>
+            <a:lstStyle/>
+            <a:p>
+              <a:pPr indent="0" lvl="0" marL="0" rtl="0" algn="l">
+                <a:spcBef>
+                  <a:spcPts val="0"/>
+                </a:spcBef>
+                <a:spcAft>
+                  <a:spcPts val="0"/>
+                </a:spcAft>
+                <a:buNone/>
+              </a:pPr>
+              <a:r>
+                <a:t/>
+              </a:r>
+              <a:endParaRPr/>
+            </a:p>
+          </p:txBody>
+        </p:sp>
+      </p:grpSp>
+      <p:sp>
+        <p:nvSpPr>
+          <p:cNvPr id="345" name="Google Shape;345;p37"/>
+          <p:cNvSpPr/>
+          <p:nvPr/>
+        </p:nvSpPr>
+        <p:spPr>
+          <a:xfrm>
+            <a:off x="7658914" y="4708699"/>
+            <a:ext cx="155839" cy="159260"/>
+          </a:xfrm>
+          <a:custGeom>
+            <a:rect b="b" l="l" r="r" t="t"/>
+            <a:pathLst>
+              <a:path extrusionOk="0" h="505587" w="494728">
+                <a:moveTo>
+                  <a:pt x="294418" y="214122"/>
+                </a:moveTo>
+                <a:lnTo>
+                  <a:pt x="478631" y="0"/>
+                </a:lnTo>
+                <a:lnTo>
+                  <a:pt x="435007" y="0"/>
+                </a:lnTo>
+                <a:lnTo>
+                  <a:pt x="275082" y="185928"/>
+                </a:lnTo>
+                <a:lnTo>
+                  <a:pt x="147352" y="0"/>
+                </a:lnTo>
+                <a:lnTo>
+                  <a:pt x="0" y="0"/>
+                </a:lnTo>
+                <a:lnTo>
+                  <a:pt x="193167" y="281083"/>
+                </a:lnTo>
+                <a:lnTo>
+                  <a:pt x="0" y="505587"/>
+                </a:lnTo>
+                <a:lnTo>
+                  <a:pt x="43625" y="505587"/>
+                </a:lnTo>
+                <a:lnTo>
+                  <a:pt x="212503" y="309277"/>
+                </a:lnTo>
+                <a:lnTo>
+                  <a:pt x="347377" y="505587"/>
+                </a:lnTo>
+                <a:lnTo>
+                  <a:pt x="494729" y="505587"/>
+                </a:lnTo>
+                <a:lnTo>
+                  <a:pt x="294418" y="214027"/>
+                </a:lnTo>
+                <a:lnTo>
+                  <a:pt x="294418" y="214027"/>
+                </a:lnTo>
+                <a:close/>
+                <a:moveTo>
+                  <a:pt x="234601" y="283655"/>
+                </a:moveTo>
+                <a:lnTo>
+                  <a:pt x="215075" y="255651"/>
+                </a:lnTo>
+                <a:lnTo>
+                  <a:pt x="59341" y="32861"/>
+                </a:lnTo>
+                <a:lnTo>
+                  <a:pt x="126397" y="32861"/>
+                </a:lnTo>
+                <a:lnTo>
+                  <a:pt x="252032" y="212598"/>
+                </a:lnTo>
+                <a:lnTo>
+                  <a:pt x="271558" y="240601"/>
+                </a:lnTo>
+                <a:lnTo>
+                  <a:pt x="434912" y="474250"/>
+                </a:lnTo>
+                <a:lnTo>
+                  <a:pt x="367855" y="474250"/>
+                </a:lnTo>
+                <a:lnTo>
+                  <a:pt x="234505" y="283559"/>
+                </a:lnTo>
+                <a:lnTo>
+                  <a:pt x="234505" y="283559"/>
+                </a:lnTo>
+                <a:close/>
+              </a:path>
+            </a:pathLst>
+          </a:custGeom>
+          <a:solidFill>
+            <a:schemeClr val="lt1"/>
+          </a:solidFill>
+          <a:ln>
+            <a:noFill/>
+          </a:ln>
+        </p:spPr>
+        <p:txBody>
+          <a:bodyPr anchorCtr="0" anchor="ctr" bIns="35825" lIns="71700" spcFirstLastPara="1" rIns="71700" wrap="square" tIns="35825">
+            <a:noAutofit/>
+          </a:bodyPr>
+          <a:lstStyle/>
+          <a:p>
+            <a:pPr indent="0" lvl="0" marL="0" marR="0" rtl="0" algn="l">
+              <a:spcBef>
+                <a:spcPts val="0"/>
+              </a:spcBef>
+              <a:spcAft>
+                <a:spcPts val="0"/>
+              </a:spcAft>
+              <a:buNone/>
+            </a:pPr>
+            <a:r>
+              <a:t/>
+            </a:r>
+            <a:endParaRPr sz="1411">
+              <a:solidFill>
+                <a:srgbClr val="000000"/>
+              </a:solidFill>
+              <a:latin typeface="Calibri"/>
+              <a:ea typeface="Calibri"/>
+              <a:cs typeface="Calibri"/>
+              <a:sym typeface="Calibri"/>
+            </a:endParaRPr>
+          </a:p>
+        </p:txBody>
+      </p:sp>
+      <p:pic>
+        <p:nvPicPr>
+          <p:cNvPr id="346" name="Google Shape;346;p37" title="65e9997df9978e0001e85481_1600-900-Bridging-the-Gap-An-In-Depth-Guide-to-Blockchain-Bridges (1).png"/>
+          <p:cNvPicPr preferRelativeResize="0"/>
+          <p:nvPr>
+            <p:ph idx="2" type="pic"/>
+          </p:nvPr>
+        </p:nvPicPr>
+        <p:blipFill rotWithShape="1">
+          <a:blip r:embed="rId3">
+            <a:alphaModFix/>
+          </a:blip>
+          <a:srcRect b="29086" l="0" r="0" t="29086"/>
+          <a:stretch/>
+        </p:blipFill>
+        <p:spPr>
+          <a:xfrm>
+            <a:off x="228450" y="400000"/>
+            <a:ext cx="8687100" cy="2043900"/>
+          </a:xfrm>
+          <a:prstGeom prst="roundRect">
+            <a:avLst>
+              <a:gd fmla="val 16667" name="adj"/>
+            </a:avLst>
+          </a:prstGeom>
+          <a:noFill/>
+          <a:ln>
+            <a:noFill/>
+          </a:ln>
+        </p:spPr>
+      </p:pic>
     </p:spTree>
   </p:cSld>
   <p:clrMapOvr>
@@ -21846,7 +24212,7 @@
   <p:cSld>
     <p:spTree>
       <p:nvGrpSpPr>
-        <p:cNvPr id="117" name="Shape 117"/>
+        <p:cNvPr id="116" name="Shape 116"/>
         <p:cNvGrpSpPr/>
         <p:nvPr/>
       </p:nvGrpSpPr>
@@ -21860,7 +24226,7 @@
       </p:grpSpPr>
       <p:sp>
         <p:nvSpPr>
-          <p:cNvPr id="118" name="Google Shape;118;p23"/>
+          <p:cNvPr id="117" name="Google Shape;117;p23"/>
           <p:cNvSpPr txBox="1"/>
           <p:nvPr>
             <p:ph type="title"/>
@@ -21904,7 +24270,7 @@
       </p:sp>
       <p:sp>
         <p:nvSpPr>
-          <p:cNvPr id="119" name="Google Shape;119;p23"/>
+          <p:cNvPr id="118" name="Google Shape;118;p23"/>
           <p:cNvSpPr txBox="1"/>
           <p:nvPr>
             <p:ph idx="1" type="subTitle"/>
@@ -21948,7 +24314,7 @@
       </p:sp>
       <p:sp>
         <p:nvSpPr>
-          <p:cNvPr id="120" name="Google Shape;120;p23"/>
+          <p:cNvPr id="119" name="Google Shape;119;p23"/>
           <p:cNvSpPr txBox="1"/>
           <p:nvPr>
             <p:ph idx="2" type="title"/>
@@ -21988,7 +24354,7 @@
       </p:sp>
       <p:sp>
         <p:nvSpPr>
-          <p:cNvPr id="121" name="Google Shape;121;p23"/>
+          <p:cNvPr id="120" name="Google Shape;120;p23"/>
           <p:cNvSpPr txBox="1"/>
           <p:nvPr>
             <p:ph idx="3" type="title"/>
@@ -22028,7 +24394,7 @@
       </p:sp>
       <p:sp>
         <p:nvSpPr>
-          <p:cNvPr id="122" name="Google Shape;122;p23"/>
+          <p:cNvPr id="121" name="Google Shape;121;p23"/>
           <p:cNvSpPr txBox="1"/>
           <p:nvPr>
             <p:ph idx="4" type="subTitle"/>
@@ -22068,7 +24434,7 @@
       </p:sp>
       <p:sp>
         <p:nvSpPr>
-          <p:cNvPr id="123" name="Google Shape;123;p23"/>
+          <p:cNvPr id="122" name="Google Shape;122;p23"/>
           <p:cNvSpPr txBox="1"/>
           <p:nvPr>
             <p:ph idx="5" type="title"/>
@@ -22108,7 +24474,7 @@
       </p:sp>
       <p:sp>
         <p:nvSpPr>
-          <p:cNvPr id="124" name="Google Shape;124;p23"/>
+          <p:cNvPr id="123" name="Google Shape;123;p23"/>
           <p:cNvSpPr txBox="1"/>
           <p:nvPr>
             <p:ph idx="6" type="subTitle"/>
@@ -22148,7 +24514,7 @@
       </p:sp>
       <p:sp>
         <p:nvSpPr>
-          <p:cNvPr id="125" name="Google Shape;125;p23"/>
+          <p:cNvPr id="124" name="Google Shape;124;p23"/>
           <p:cNvSpPr txBox="1"/>
           <p:nvPr>
             <p:ph idx="7" type="title"/>
@@ -22188,7 +24554,7 @@
       </p:sp>
       <p:sp>
         <p:nvSpPr>
-          <p:cNvPr id="126" name="Google Shape;126;p23"/>
+          <p:cNvPr id="125" name="Google Shape;125;p23"/>
           <p:cNvSpPr txBox="1"/>
           <p:nvPr>
             <p:ph idx="8" type="subTitle"/>
@@ -22228,7 +24594,7 @@
       </p:sp>
       <p:sp>
         <p:nvSpPr>
-          <p:cNvPr id="127" name="Google Shape;127;p23"/>
+          <p:cNvPr id="126" name="Google Shape;126;p23"/>
           <p:cNvSpPr txBox="1"/>
           <p:nvPr>
             <p:ph idx="9" type="title"/>
@@ -22268,7 +24634,7 @@
       </p:sp>
       <p:sp>
         <p:nvSpPr>
-          <p:cNvPr id="128" name="Google Shape;128;p23"/>
+          <p:cNvPr id="127" name="Google Shape;127;p23"/>
           <p:cNvSpPr txBox="1"/>
           <p:nvPr>
             <p:ph idx="13" type="subTitle"/>
@@ -22308,7 +24674,7 @@
       </p:sp>
       <p:sp>
         <p:nvSpPr>
-          <p:cNvPr id="129" name="Google Shape;129;p23"/>
+          <p:cNvPr id="128" name="Google Shape;128;p23"/>
           <p:cNvSpPr txBox="1"/>
           <p:nvPr>
             <p:ph idx="14" type="title"/>
@@ -22348,7 +24714,7 @@
       </p:sp>
       <p:sp>
         <p:nvSpPr>
-          <p:cNvPr id="130" name="Google Shape;130;p23"/>
+          <p:cNvPr id="129" name="Google Shape;129;p23"/>
           <p:cNvSpPr txBox="1"/>
           <p:nvPr>
             <p:ph idx="15" type="subTitle"/>
@@ -22388,7 +24754,7 @@
       </p:sp>
       <p:sp>
         <p:nvSpPr>
-          <p:cNvPr id="131" name="Google Shape;131;p23"/>
+          <p:cNvPr id="130" name="Google Shape;130;p23"/>
           <p:cNvSpPr txBox="1"/>
           <p:nvPr>
             <p:ph idx="16" type="title"/>
@@ -22428,7 +24794,7 @@
       </p:sp>
       <p:sp>
         <p:nvSpPr>
-          <p:cNvPr id="132" name="Google Shape;132;p23"/>
+          <p:cNvPr id="131" name="Google Shape;131;p23"/>
           <p:cNvSpPr txBox="1"/>
           <p:nvPr>
             <p:ph idx="17" type="subTitle"/>
@@ -22491,7 +24857,7 @@
       </p:sp>
       <p:sp>
         <p:nvSpPr>
-          <p:cNvPr id="133" name="Google Shape;133;p23"/>
+          <p:cNvPr id="132" name="Google Shape;132;p23"/>
           <p:cNvSpPr txBox="1"/>
           <p:nvPr>
             <p:ph idx="18" type="title"/>
@@ -22531,7 +24897,7 @@
       </p:sp>
       <p:sp>
         <p:nvSpPr>
-          <p:cNvPr id="134" name="Google Shape;134;p23"/>
+          <p:cNvPr id="133" name="Google Shape;133;p23"/>
           <p:cNvSpPr txBox="1"/>
           <p:nvPr>
             <p:ph idx="19" type="subTitle"/>
@@ -22587,7 +24953,7 @@
       </p:sp>
       <p:sp>
         <p:nvSpPr>
-          <p:cNvPr id="135" name="Google Shape;135;p23"/>
+          <p:cNvPr id="134" name="Google Shape;134;p23"/>
           <p:cNvSpPr txBox="1"/>
           <p:nvPr>
             <p:ph idx="16" type="title"/>
@@ -22627,7 +24993,7 @@
       </p:sp>
       <p:sp>
         <p:nvSpPr>
-          <p:cNvPr id="136" name="Google Shape;136;p23"/>
+          <p:cNvPr id="135" name="Google Shape;135;p23"/>
           <p:cNvSpPr txBox="1"/>
           <p:nvPr>
             <p:ph idx="17" type="subTitle"/>
@@ -22667,7 +25033,7 @@
       </p:sp>
       <p:sp>
         <p:nvSpPr>
-          <p:cNvPr id="137" name="Google Shape;137;p23"/>
+          <p:cNvPr id="136" name="Google Shape;136;p23"/>
           <p:cNvSpPr txBox="1"/>
           <p:nvPr>
             <p:ph idx="14" type="title"/>
@@ -22707,7 +25073,7 @@
       </p:sp>
       <p:sp>
         <p:nvSpPr>
-          <p:cNvPr id="138" name="Google Shape;138;p23"/>
+          <p:cNvPr id="137" name="Google Shape;137;p23"/>
           <p:cNvSpPr txBox="1"/>
           <p:nvPr>
             <p:ph idx="15" type="subTitle"/>
@@ -22751,7 +25117,7 @@
       </p:sp>
       <p:sp>
         <p:nvSpPr>
-          <p:cNvPr id="139" name="Google Shape;139;p23"/>
+          <p:cNvPr id="138" name="Google Shape;138;p23"/>
           <p:cNvSpPr txBox="1"/>
           <p:nvPr>
             <p:ph idx="18" type="title"/>
@@ -22791,7 +25157,7 @@
       </p:sp>
       <p:sp>
         <p:nvSpPr>
-          <p:cNvPr id="140" name="Google Shape;140;p23"/>
+          <p:cNvPr id="139" name="Google Shape;139;p23"/>
           <p:cNvSpPr txBox="1"/>
           <p:nvPr>
             <p:ph idx="19" type="subTitle"/>
@@ -22831,7 +25197,7 @@
       </p:sp>
       <p:sp>
         <p:nvSpPr>
-          <p:cNvPr id="141" name="Google Shape;141;p23"/>
+          <p:cNvPr id="140" name="Google Shape;140;p23"/>
           <p:cNvSpPr txBox="1"/>
           <p:nvPr>
             <p:ph idx="16" type="title"/>
@@ -22871,7 +25237,7 @@
       </p:sp>
       <p:sp>
         <p:nvSpPr>
-          <p:cNvPr id="142" name="Google Shape;142;p23"/>
+          <p:cNvPr id="141" name="Google Shape;141;p23"/>
           <p:cNvSpPr txBox="1"/>
           <p:nvPr>
             <p:ph idx="17" type="subTitle"/>
@@ -22922,7 +25288,7 @@
   <p:cSld>
     <p:spTree>
       <p:nvGrpSpPr>
-        <p:cNvPr id="146" name="Shape 146"/>
+        <p:cNvPr id="145" name="Shape 145"/>
         <p:cNvGrpSpPr/>
         <p:nvPr/>
       </p:nvGrpSpPr>
@@ -22936,7 +25302,7 @@
       </p:grpSpPr>
       <p:sp>
         <p:nvSpPr>
-          <p:cNvPr id="147" name="Google Shape;147;p24"/>
+          <p:cNvPr id="146" name="Google Shape;146;p24"/>
           <p:cNvSpPr txBox="1"/>
           <p:nvPr>
             <p:ph type="title"/>
@@ -22981,7 +25347,7 @@
       </p:sp>
       <p:sp>
         <p:nvSpPr>
-          <p:cNvPr id="148" name="Google Shape;148;p24"/>
+          <p:cNvPr id="147" name="Google Shape;147;p24"/>
           <p:cNvSpPr txBox="1"/>
           <p:nvPr>
             <p:ph idx="1" type="subTitle"/>
@@ -23390,6 +25756,37 @@
           </a:p>
         </p:txBody>
       </p:sp>
+      <p:pic>
+        <p:nvPicPr>
+          <p:cNvPr id="148" name="Google Shape;148;p24" title="65faabf73885c100017d3640_What is Staking and How Does it Work 1600 900.png"/>
+          <p:cNvPicPr preferRelativeResize="0"/>
+          <p:nvPr>
+            <p:ph idx="2" type="pic"/>
+          </p:nvPr>
+        </p:nvPicPr>
+        <p:blipFill rotWithShape="1">
+          <a:blip r:embed="rId3">
+            <a:alphaModFix/>
+          </a:blip>
+          <a:srcRect b="0" l="19377" r="19377" t="0"/>
+          <a:stretch/>
+        </p:blipFill>
+        <p:spPr>
+          <a:xfrm>
+            <a:off x="278050" y="553050"/>
+            <a:ext cx="2792700" cy="2565000"/>
+          </a:xfrm>
+          <a:prstGeom prst="roundRect">
+            <a:avLst>
+              <a:gd fmla="val 16667" name="adj"/>
+            </a:avLst>
+          </a:prstGeom>
+          <a:noFill/>
+          <a:ln>
+            <a:noFill/>
+          </a:ln>
+        </p:spPr>
+      </p:pic>
     </p:spTree>
   </p:cSld>
   <p:clrMapOvr>
@@ -23457,7 +25854,7 @@
       </p:sp>
       <p:pic>
         <p:nvPicPr>
-          <p:cNvPr id="154" name="Google Shape;154;p25" title="2151871175.jpg"/>
+          <p:cNvPr id="154" name="Google Shape;154;p25" title="65325c9b54e41a00014a2480_The Tokenization Revolution-1600 900.png"/>
           <p:cNvPicPr preferRelativeResize="0"/>
           <p:nvPr>
             <p:ph idx="2" type="pic"/>
@@ -23467,16 +25864,18 @@
           <a:blip r:embed="rId3">
             <a:alphaModFix/>
           </a:blip>
-          <a:srcRect b="32801" l="0" r="0" t="32801"/>
+          <a:srcRect b="30098" l="0" r="0" t="28074"/>
           <a:stretch/>
         </p:blipFill>
         <p:spPr>
           <a:xfrm>
-            <a:off x="228600" y="2871425"/>
+            <a:off x="228600" y="2910990"/>
             <a:ext cx="8687100" cy="2043900"/>
           </a:xfrm>
-          <a:prstGeom prst="rect">
-            <a:avLst/>
+          <a:prstGeom prst="roundRect">
+            <a:avLst>
+              <a:gd fmla="val 16667" name="adj"/>
+            </a:avLst>
           </a:prstGeom>
         </p:spPr>
       </p:pic>
@@ -23812,8 +26211,8 @@
         </p:nvSpPr>
         <p:spPr>
           <a:xfrm>
-            <a:off x="228750" y="228600"/>
-            <a:ext cx="2591700" cy="2325600"/>
+            <a:off x="456250" y="551650"/>
+            <a:ext cx="2591700" cy="1719000"/>
           </a:xfrm>
           <a:prstGeom prst="rect">
             <a:avLst/>
@@ -24002,6 +26401,37 @@
           </a:p>
         </p:txBody>
       </p:sp>
+      <p:pic>
+        <p:nvPicPr>
+          <p:cNvPr id="165" name="Google Shape;165;p26" title="658d52aabf8d3f0001ef2ed7_How to Secure Crypto Account 1600 900.png"/>
+          <p:cNvPicPr preferRelativeResize="0"/>
+          <p:nvPr>
+            <p:ph idx="2" type="pic"/>
+          </p:nvPr>
+        </p:nvPicPr>
+        <p:blipFill rotWithShape="1">
+          <a:blip r:embed="rId3">
+            <a:alphaModFix/>
+          </a:blip>
+          <a:srcRect b="0" l="19377" r="19377" t="0"/>
+          <a:stretch/>
+        </p:blipFill>
+        <p:spPr>
+          <a:xfrm>
+            <a:off x="395775" y="2270650"/>
+            <a:ext cx="2792700" cy="2565000"/>
+          </a:xfrm>
+          <a:prstGeom prst="roundRect">
+            <a:avLst>
+              <a:gd fmla="val 16667" name="adj"/>
+            </a:avLst>
+          </a:prstGeom>
+          <a:noFill/>
+          <a:ln>
+            <a:noFill/>
+          </a:ln>
+        </p:spPr>
+      </p:pic>
     </p:spTree>
   </p:cSld>
   <p:clrMapOvr>
@@ -24015,7 +26445,7 @@
   <p:cSld>
     <p:spTree>
       <p:nvGrpSpPr>
-        <p:cNvPr id="168" name="Shape 168"/>
+        <p:cNvPr id="169" name="Shape 169"/>
         <p:cNvGrpSpPr/>
         <p:nvPr/>
       </p:nvGrpSpPr>
@@ -24029,7 +26459,7 @@
       </p:grpSpPr>
       <p:sp>
         <p:nvSpPr>
-          <p:cNvPr id="169" name="Google Shape;169;p27"/>
+          <p:cNvPr id="170" name="Google Shape;170;p27"/>
           <p:cNvSpPr txBox="1"/>
           <p:nvPr>
             <p:ph type="title"/>
@@ -24077,7 +26507,7 @@
       </p:sp>
       <p:pic>
         <p:nvPicPr>
-          <p:cNvPr id="170" name="Google Shape;170;p27" title="architecture.png"/>
+          <p:cNvPr id="171" name="Google Shape;171;p27" title="architecture.png"/>
           <p:cNvPicPr preferRelativeResize="0"/>
           <p:nvPr/>
         </p:nvPicPr>
@@ -24123,7 +26553,7 @@
   <p:cSld>
     <p:spTree>
       <p:nvGrpSpPr>
-        <p:cNvPr id="174" name="Shape 174"/>
+        <p:cNvPr id="175" name="Shape 175"/>
         <p:cNvGrpSpPr/>
         <p:nvPr/>
       </p:nvGrpSpPr>
@@ -24137,7 +26567,205 @@
       </p:grpSpPr>
       <p:sp>
         <p:nvSpPr>
-          <p:cNvPr id="175" name="Google Shape;175;p28"/>
+          <p:cNvPr id="176" name="Google Shape;176;p28"/>
+          <p:cNvSpPr txBox="1"/>
+          <p:nvPr>
+            <p:ph type="title"/>
+          </p:nvPr>
+        </p:nvSpPr>
+        <p:spPr>
+          <a:xfrm>
+            <a:off x="257700" y="4354875"/>
+            <a:ext cx="8628600" cy="574800"/>
+          </a:xfrm>
+          <a:prstGeom prst="rect">
+            <a:avLst/>
+          </a:prstGeom>
+        </p:spPr>
+        <p:txBody>
+          <a:bodyPr anchorCtr="0" anchor="t" bIns="91425" lIns="91425" spcFirstLastPara="1" rIns="91425" wrap="square" tIns="91425">
+            <a:noAutofit/>
+          </a:bodyPr>
+          <a:lstStyle/>
+          <a:p>
+            <a:pPr indent="0" lvl="0" marL="0" rtl="0" algn="ctr">
+              <a:spcBef>
+                <a:spcPts val="0"/>
+              </a:spcBef>
+              <a:spcAft>
+                <a:spcPts val="0"/>
+              </a:spcAft>
+              <a:buNone/>
+            </a:pPr>
+            <a:r>
+              <a:rPr lang="en" sz="3600"/>
+              <a:t>Architecture Part - I</a:t>
+            </a:r>
+            <a:endParaRPr sz="3600"/>
+          </a:p>
+        </p:txBody>
+      </p:sp>
+      <p:pic>
+        <p:nvPicPr>
+          <p:cNvPr id="177" name="Google Shape;177;p28" title="architecture.png"/>
+          <p:cNvPicPr preferRelativeResize="0"/>
+          <p:nvPr/>
+        </p:nvPicPr>
+        <p:blipFill rotWithShape="1">
+          <a:blip r:embed="rId3">
+            <a:alphaModFix/>
+          </a:blip>
+          <a:srcRect b="13274" l="0" r="64434" t="27013"/>
+          <a:stretch/>
+        </p:blipFill>
+        <p:spPr>
+          <a:xfrm>
+            <a:off x="949887" y="241450"/>
+            <a:ext cx="7244227" cy="3984900"/>
+          </a:xfrm>
+          <a:prstGeom prst="rect">
+            <a:avLst/>
+          </a:prstGeom>
+          <a:noFill/>
+          <a:ln>
+            <a:noFill/>
+          </a:ln>
+          <a:effectLst>
+            <a:outerShdw blurRad="57150" rotWithShape="0" algn="bl" dir="5400000" dist="19050">
+              <a:srgbClr val="000000">
+                <a:alpha val="50000"/>
+              </a:srgbClr>
+            </a:outerShdw>
+          </a:effectLst>
+        </p:spPr>
+      </p:pic>
+    </p:spTree>
+  </p:cSld>
+  <p:clrMapOvr>
+    <a:masterClrMapping/>
+  </p:clrMapOvr>
+</p:sld>
+</file>
+
+<file path=ppt/slides/slide8.xml><?xml version="1.0" encoding="utf-8"?>
+<p:sld xmlns:a="http://schemas.openxmlformats.org/drawingml/2006/main" xmlns:r="http://schemas.openxmlformats.org/officeDocument/2006/relationships" xmlns:mc="http://schemas.openxmlformats.org/markup-compatibility/2006" xmlns:mv="urn:schemas-microsoft-com:mac:vml" xmlns:p="http://schemas.openxmlformats.org/presentationml/2006/main" xmlns:c="http://schemas.openxmlformats.org/drawingml/2006/chart" xmlns:dgm="http://schemas.openxmlformats.org/drawingml/2006/diagram" xmlns:o="urn:schemas-microsoft-com:office:office" xmlns:v="urn:schemas-microsoft-com:vml" xmlns:pvml="urn:schemas-microsoft-com:office:powerpoint" xmlns:com="http://schemas.openxmlformats.org/drawingml/2006/compatibility" xmlns:p14="http://schemas.microsoft.com/office/powerpoint/2010/main" xmlns:p15="http://schemas.microsoft.com/office/powerpoint/2012/main" xmlns:ahyp="http://schemas.microsoft.com/office/drawing/2018/hyperlinkcolor">
+  <p:cSld>
+    <p:spTree>
+      <p:nvGrpSpPr>
+        <p:cNvPr id="181" name="Shape 181"/>
+        <p:cNvGrpSpPr/>
+        <p:nvPr/>
+      </p:nvGrpSpPr>
+      <p:grpSpPr>
+        <a:xfrm>
+          <a:off x="0" y="0"/>
+          <a:ext cx="0" cy="0"/>
+          <a:chOff x="0" y="0"/>
+          <a:chExt cx="0" cy="0"/>
+        </a:xfrm>
+      </p:grpSpPr>
+      <p:pic>
+        <p:nvPicPr>
+          <p:cNvPr id="182" name="Google Shape;182;p29" title="architecture.png"/>
+          <p:cNvPicPr preferRelativeResize="0"/>
+          <p:nvPr/>
+        </p:nvPicPr>
+        <p:blipFill rotWithShape="1">
+          <a:blip r:embed="rId3">
+            <a:alphaModFix/>
+          </a:blip>
+          <a:srcRect b="0" l="32028" r="0" t="0"/>
+          <a:stretch/>
+        </p:blipFill>
+        <p:spPr>
+          <a:xfrm>
+            <a:off x="80250" y="126000"/>
+            <a:ext cx="8983501" cy="4330101"/>
+          </a:xfrm>
+          <a:prstGeom prst="rect">
+            <a:avLst/>
+          </a:prstGeom>
+          <a:noFill/>
+          <a:ln>
+            <a:noFill/>
+          </a:ln>
+          <a:effectLst>
+            <a:outerShdw blurRad="57150" rotWithShape="0" algn="bl" dir="5400000" dist="19050">
+              <a:srgbClr val="000000">
+                <a:alpha val="50000"/>
+              </a:srgbClr>
+            </a:outerShdw>
+          </a:effectLst>
+        </p:spPr>
+      </p:pic>
+      <p:sp>
+        <p:nvSpPr>
+          <p:cNvPr id="183" name="Google Shape;183;p29"/>
+          <p:cNvSpPr txBox="1"/>
+          <p:nvPr>
+            <p:ph type="title"/>
+          </p:nvPr>
+        </p:nvSpPr>
+        <p:spPr>
+          <a:xfrm>
+            <a:off x="257700" y="4554100"/>
+            <a:ext cx="8628600" cy="375600"/>
+          </a:xfrm>
+          <a:prstGeom prst="rect">
+            <a:avLst/>
+          </a:prstGeom>
+        </p:spPr>
+        <p:txBody>
+          <a:bodyPr anchorCtr="0" anchor="t" bIns="91425" lIns="91425" spcFirstLastPara="1" rIns="91425" wrap="square" tIns="91425">
+            <a:noAutofit/>
+          </a:bodyPr>
+          <a:lstStyle/>
+          <a:p>
+            <a:pPr indent="0" lvl="0" marL="0" rtl="0" algn="ctr">
+              <a:spcBef>
+                <a:spcPts val="0"/>
+              </a:spcBef>
+              <a:spcAft>
+                <a:spcPts val="0"/>
+              </a:spcAft>
+              <a:buNone/>
+            </a:pPr>
+            <a:r>
+              <a:rPr lang="en" sz="3600"/>
+              <a:t>Architecture Part - II</a:t>
+            </a:r>
+            <a:endParaRPr sz="3600"/>
+          </a:p>
+        </p:txBody>
+      </p:sp>
+    </p:spTree>
+  </p:cSld>
+  <p:clrMapOvr>
+    <a:masterClrMapping/>
+  </p:clrMapOvr>
+</p:sld>
+</file>
+
+<file path=ppt/slides/slide9.xml><?xml version="1.0" encoding="utf-8"?>
+<p:sld xmlns:a="http://schemas.openxmlformats.org/drawingml/2006/main" xmlns:r="http://schemas.openxmlformats.org/officeDocument/2006/relationships" xmlns:mc="http://schemas.openxmlformats.org/markup-compatibility/2006" xmlns:mv="urn:schemas-microsoft-com:mac:vml" xmlns:p="http://schemas.openxmlformats.org/presentationml/2006/main" xmlns:c="http://schemas.openxmlformats.org/drawingml/2006/chart" xmlns:dgm="http://schemas.openxmlformats.org/drawingml/2006/diagram" xmlns:o="urn:schemas-microsoft-com:office:office" xmlns:v="urn:schemas-microsoft-com:vml" xmlns:pvml="urn:schemas-microsoft-com:office:powerpoint" xmlns:com="http://schemas.openxmlformats.org/drawingml/2006/compatibility" xmlns:p14="http://schemas.microsoft.com/office/powerpoint/2010/main" xmlns:p15="http://schemas.microsoft.com/office/powerpoint/2012/main" xmlns:ahyp="http://schemas.microsoft.com/office/drawing/2018/hyperlinkcolor">
+  <p:cSld>
+    <p:spTree>
+      <p:nvGrpSpPr>
+        <p:cNvPr id="187" name="Shape 187"/>
+        <p:cNvGrpSpPr/>
+        <p:nvPr/>
+      </p:nvGrpSpPr>
+      <p:grpSpPr>
+        <a:xfrm>
+          <a:off x="0" y="0"/>
+          <a:ext cx="0" cy="0"/>
+          <a:chOff x="0" y="0"/>
+          <a:chExt cx="0" cy="0"/>
+        </a:xfrm>
+      </p:grpSpPr>
+      <p:sp>
+        <p:nvSpPr>
+          <p:cNvPr id="188" name="Google Shape;188;p30"/>
           <p:cNvSpPr txBox="1"/>
           <p:nvPr>
             <p:ph type="title"/>
@@ -24177,7 +26805,7 @@
       </p:sp>
       <p:sp>
         <p:nvSpPr>
-          <p:cNvPr id="176" name="Google Shape;176;p28"/>
+          <p:cNvPr id="189" name="Google Shape;189;p30"/>
           <p:cNvSpPr txBox="1"/>
           <p:nvPr/>
         </p:nvSpPr>
@@ -24235,7 +26863,7 @@
       </p:sp>
       <p:sp>
         <p:nvSpPr>
-          <p:cNvPr id="177" name="Google Shape;177;p28"/>
+          <p:cNvPr id="190" name="Google Shape;190;p30"/>
           <p:cNvSpPr txBox="1"/>
           <p:nvPr/>
         </p:nvSpPr>
@@ -24296,7 +26924,7 @@
       </p:sp>
       <p:cxnSp>
         <p:nvCxnSpPr>
-          <p:cNvPr id="178" name="Google Shape;178;p28"/>
+          <p:cNvPr id="191" name="Google Shape;191;p30"/>
           <p:cNvCxnSpPr/>
           <p:nvPr/>
         </p:nvCxnSpPr>
@@ -24322,7 +26950,7 @@
       </p:cxnSp>
       <p:sp>
         <p:nvSpPr>
-          <p:cNvPr id="179" name="Google Shape;179;p28"/>
+          <p:cNvPr id="192" name="Google Shape;192;p30"/>
           <p:cNvSpPr txBox="1"/>
           <p:nvPr/>
         </p:nvSpPr>
@@ -24380,7 +27008,7 @@
       </p:sp>
       <p:sp>
         <p:nvSpPr>
-          <p:cNvPr id="180" name="Google Shape;180;p28"/>
+          <p:cNvPr id="193" name="Google Shape;193;p30"/>
           <p:cNvSpPr txBox="1"/>
           <p:nvPr/>
         </p:nvSpPr>
@@ -24438,7 +27066,7 @@
       </p:sp>
       <p:sp>
         <p:nvSpPr>
-          <p:cNvPr id="181" name="Google Shape;181;p28"/>
+          <p:cNvPr id="194" name="Google Shape;194;p30"/>
           <p:cNvSpPr txBox="1"/>
           <p:nvPr/>
         </p:nvSpPr>
@@ -24499,7 +27127,7 @@
       </p:sp>
       <p:sp>
         <p:nvSpPr>
-          <p:cNvPr id="182" name="Google Shape;182;p28"/>
+          <p:cNvPr id="195" name="Google Shape;195;p30"/>
           <p:cNvSpPr txBox="1"/>
           <p:nvPr/>
         </p:nvSpPr>
@@ -24557,7 +27185,7 @@
       </p:sp>
       <p:sp>
         <p:nvSpPr>
-          <p:cNvPr id="183" name="Google Shape;183;p28"/>
+          <p:cNvPr id="196" name="Google Shape;196;p30"/>
           <p:cNvSpPr txBox="1"/>
           <p:nvPr/>
         </p:nvSpPr>
@@ -24615,7 +27243,7 @@
       </p:sp>
       <p:sp>
         <p:nvSpPr>
-          <p:cNvPr id="184" name="Google Shape;184;p28"/>
+          <p:cNvPr id="197" name="Google Shape;197;p30"/>
           <p:cNvSpPr txBox="1"/>
           <p:nvPr/>
         </p:nvSpPr>
@@ -24676,7 +27304,7 @@
       </p:sp>
       <p:sp>
         <p:nvSpPr>
-          <p:cNvPr id="185" name="Google Shape;185;p28"/>
+          <p:cNvPr id="198" name="Google Shape;198;p30"/>
           <p:cNvSpPr txBox="1"/>
           <p:nvPr/>
         </p:nvSpPr>
@@ -24734,7 +27362,7 @@
       </p:sp>
       <p:sp>
         <p:nvSpPr>
-          <p:cNvPr id="186" name="Google Shape;186;p28"/>
+          <p:cNvPr id="199" name="Google Shape;199;p30"/>
           <p:cNvSpPr txBox="1"/>
           <p:nvPr/>
         </p:nvSpPr>
@@ -24815,7 +27443,7 @@
       </p:sp>
       <p:sp>
         <p:nvSpPr>
-          <p:cNvPr id="187" name="Google Shape;187;p28"/>
+          <p:cNvPr id="200" name="Google Shape;200;p30"/>
           <p:cNvSpPr txBox="1"/>
           <p:nvPr/>
         </p:nvSpPr>
@@ -24876,7 +27504,7 @@
       </p:sp>
       <p:sp>
         <p:nvSpPr>
-          <p:cNvPr id="188" name="Google Shape;188;p28"/>
+          <p:cNvPr id="201" name="Google Shape;201;p30"/>
           <p:cNvSpPr txBox="1"/>
           <p:nvPr/>
         </p:nvSpPr>
@@ -24934,7 +27562,7 @@
       </p:sp>
       <p:sp>
         <p:nvSpPr>
-          <p:cNvPr id="189" name="Google Shape;189;p28"/>
+          <p:cNvPr id="202" name="Google Shape;202;p30"/>
           <p:cNvSpPr txBox="1"/>
           <p:nvPr/>
         </p:nvSpPr>
@@ -24977,1098 +27605,6 @@
                 <a:sym typeface="Bricolage Grotesque"/>
               </a:rPr>
               <a:t>Modular Architecture:</a:t>
-            </a:r>
-            <a:endParaRPr/>
-          </a:p>
-        </p:txBody>
-      </p:sp>
-    </p:spTree>
-  </p:cSld>
-  <p:clrMapOvr>
-    <a:masterClrMapping/>
-  </p:clrMapOvr>
-</p:sld>
-</file>
-
-<file path=ppt/slides/slide8.xml><?xml version="1.0" encoding="utf-8"?>
-<p:sld xmlns:a="http://schemas.openxmlformats.org/drawingml/2006/main" xmlns:r="http://schemas.openxmlformats.org/officeDocument/2006/relationships" xmlns:mc="http://schemas.openxmlformats.org/markup-compatibility/2006" xmlns:mv="urn:schemas-microsoft-com:mac:vml" xmlns:p="http://schemas.openxmlformats.org/presentationml/2006/main" xmlns:c="http://schemas.openxmlformats.org/drawingml/2006/chart" xmlns:dgm="http://schemas.openxmlformats.org/drawingml/2006/diagram" xmlns:o="urn:schemas-microsoft-com:office:office" xmlns:v="urn:schemas-microsoft-com:vml" xmlns:pvml="urn:schemas-microsoft-com:office:powerpoint" xmlns:com="http://schemas.openxmlformats.org/drawingml/2006/compatibility" xmlns:p14="http://schemas.microsoft.com/office/powerpoint/2010/main" xmlns:p15="http://schemas.microsoft.com/office/powerpoint/2012/main" xmlns:ahyp="http://schemas.microsoft.com/office/drawing/2018/hyperlinkcolor">
-  <p:cSld>
-    <p:spTree>
-      <p:nvGrpSpPr>
-        <p:cNvPr id="193" name="Shape 193"/>
-        <p:cNvGrpSpPr/>
-        <p:nvPr/>
-      </p:nvGrpSpPr>
-      <p:grpSpPr>
-        <a:xfrm>
-          <a:off x="0" y="0"/>
-          <a:ext cx="0" cy="0"/>
-          <a:chOff x="0" y="0"/>
-          <a:chExt cx="0" cy="0"/>
-        </a:xfrm>
-      </p:grpSpPr>
-      <p:sp>
-        <p:nvSpPr>
-          <p:cNvPr id="194" name="Google Shape;194;p29"/>
-          <p:cNvSpPr txBox="1"/>
-          <p:nvPr>
-            <p:ph type="title"/>
-          </p:nvPr>
-        </p:nvSpPr>
-        <p:spPr>
-          <a:xfrm>
-            <a:off x="1887000" y="3909000"/>
-            <a:ext cx="7028400" cy="1005900"/>
-          </a:xfrm>
-          <a:prstGeom prst="rect">
-            <a:avLst/>
-          </a:prstGeom>
-        </p:spPr>
-        <p:txBody>
-          <a:bodyPr anchorCtr="0" anchor="t" bIns="91425" lIns="91425" spcFirstLastPara="1" rIns="91425" wrap="square" tIns="91425">
-            <a:noAutofit/>
-          </a:bodyPr>
-          <a:lstStyle/>
-          <a:p>
-            <a:pPr indent="0" lvl="0" marL="0" rtl="0" algn="r">
-              <a:spcBef>
-                <a:spcPts val="0"/>
-              </a:spcBef>
-              <a:spcAft>
-                <a:spcPts val="0"/>
-              </a:spcAft>
-              <a:buNone/>
-            </a:pPr>
-            <a:r>
-              <a:rPr lang="en"/>
-              <a:t>Compliance Model</a:t>
-            </a:r>
-            <a:endParaRPr/>
-          </a:p>
-        </p:txBody>
-      </p:sp>
-      <p:sp>
-        <p:nvSpPr>
-          <p:cNvPr id="195" name="Google Shape;195;p29"/>
-          <p:cNvSpPr txBox="1"/>
-          <p:nvPr>
-            <p:ph idx="2" type="subTitle"/>
-          </p:nvPr>
-        </p:nvSpPr>
-        <p:spPr>
-          <a:xfrm>
-            <a:off x="228450" y="1591350"/>
-            <a:ext cx="2525400" cy="1400400"/>
-          </a:xfrm>
-          <a:prstGeom prst="rect">
-            <a:avLst/>
-          </a:prstGeom>
-        </p:spPr>
-        <p:txBody>
-          <a:bodyPr anchorCtr="0" anchor="t" bIns="91425" lIns="91425" spcFirstLastPara="1" rIns="91425" wrap="square" tIns="91425">
-            <a:noAutofit/>
-          </a:bodyPr>
-          <a:lstStyle/>
-          <a:p>
-            <a:pPr indent="0" lvl="0" marL="0" rtl="0" algn="l">
-              <a:spcBef>
-                <a:spcPts val="0"/>
-              </a:spcBef>
-              <a:spcAft>
-                <a:spcPts val="0"/>
-              </a:spcAft>
-              <a:buNone/>
-            </a:pPr>
-            <a:r>
-              <a:rPr lang="en"/>
-              <a:t>Transfer restrictions at contract level. Allowlist validation before any transaction. Jurisdiction encoding (country restrictions). Administrative override capabilities</a:t>
-            </a:r>
-            <a:endParaRPr/>
-          </a:p>
-        </p:txBody>
-      </p:sp>
-      <p:sp>
-        <p:nvSpPr>
-          <p:cNvPr id="196" name="Google Shape;196;p29"/>
-          <p:cNvSpPr txBox="1"/>
-          <p:nvPr>
-            <p:ph idx="1" type="subTitle"/>
-          </p:nvPr>
-        </p:nvSpPr>
-        <p:spPr>
-          <a:xfrm>
-            <a:off x="3309609" y="1591350"/>
-            <a:ext cx="2525400" cy="1400400"/>
-          </a:xfrm>
-          <a:prstGeom prst="rect">
-            <a:avLst/>
-          </a:prstGeom>
-        </p:spPr>
-        <p:txBody>
-          <a:bodyPr anchorCtr="0" anchor="t" bIns="91425" lIns="91425" spcFirstLastPara="1" rIns="91425" wrap="square" tIns="91425">
-            <a:noAutofit/>
-          </a:bodyPr>
-          <a:lstStyle/>
-          <a:p>
-            <a:pPr indent="0" lvl="0" marL="0" rtl="0" algn="l">
-              <a:spcBef>
-                <a:spcPts val="0"/>
-              </a:spcBef>
-              <a:spcAft>
-                <a:spcPts val="0"/>
-              </a:spcAft>
-              <a:buNone/>
-            </a:pPr>
-            <a:r>
-              <a:rPr lang="en"/>
-              <a:t>KYC/AML via accredited providers. Accreditation verification. Sanctions screening. Ongoing monitoring</a:t>
-            </a:r>
-            <a:endParaRPr/>
-          </a:p>
-        </p:txBody>
-      </p:sp>
-      <p:sp>
-        <p:nvSpPr>
-          <p:cNvPr id="197" name="Google Shape;197;p29"/>
-          <p:cNvSpPr txBox="1"/>
-          <p:nvPr>
-            <p:ph idx="3" type="subTitle"/>
-          </p:nvPr>
-        </p:nvSpPr>
-        <p:spPr>
-          <a:xfrm>
-            <a:off x="6390000" y="1591350"/>
-            <a:ext cx="2525400" cy="1400400"/>
-          </a:xfrm>
-          <a:prstGeom prst="rect">
-            <a:avLst/>
-          </a:prstGeom>
-        </p:spPr>
-        <p:txBody>
-          <a:bodyPr anchorCtr="0" anchor="t" bIns="91425" lIns="91425" spcFirstLastPara="1" rIns="91425" wrap="square" tIns="91425">
-            <a:noAutofit/>
-          </a:bodyPr>
-          <a:lstStyle/>
-          <a:p>
-            <a:pPr indent="0" lvl="0" marL="0" rtl="0" algn="l">
-              <a:lnSpc>
-                <a:spcPct val="80000"/>
-              </a:lnSpc>
-              <a:spcBef>
-                <a:spcPts val="0"/>
-              </a:spcBef>
-              <a:spcAft>
-                <a:spcPts val="0"/>
-              </a:spcAft>
-              <a:buNone/>
-            </a:pPr>
-            <a:r>
-              <a:rPr lang="en"/>
-              <a:t>✅ Pause/Unpause functionality</a:t>
-            </a:r>
-            <a:endParaRPr/>
-          </a:p>
-          <a:p>
-            <a:pPr indent="0" lvl="0" marL="0" rtl="0" algn="l">
-              <a:lnSpc>
-                <a:spcPct val="80000"/>
-              </a:lnSpc>
-              <a:spcBef>
-                <a:spcPts val="0"/>
-              </a:spcBef>
-              <a:spcAft>
-                <a:spcPts val="0"/>
-              </a:spcAft>
-              <a:buNone/>
-            </a:pPr>
-            <a:r>
-              <a:t/>
-            </a:r>
-            <a:endParaRPr/>
-          </a:p>
-          <a:p>
-            <a:pPr indent="0" lvl="0" marL="0" rtl="0" algn="l">
-              <a:lnSpc>
-                <a:spcPct val="80000"/>
-              </a:lnSpc>
-              <a:spcBef>
-                <a:spcPts val="0"/>
-              </a:spcBef>
-              <a:spcAft>
-                <a:spcPts val="0"/>
-              </a:spcAft>
-              <a:buNone/>
-            </a:pPr>
-            <a:r>
-              <a:rPr lang="en"/>
-              <a:t>✅ Address freezing</a:t>
-            </a:r>
-            <a:endParaRPr/>
-          </a:p>
-          <a:p>
-            <a:pPr indent="0" lvl="0" marL="0" rtl="0" algn="l">
-              <a:lnSpc>
-                <a:spcPct val="80000"/>
-              </a:lnSpc>
-              <a:spcBef>
-                <a:spcPts val="0"/>
-              </a:spcBef>
-              <a:spcAft>
-                <a:spcPts val="0"/>
-              </a:spcAft>
-              <a:buNone/>
-            </a:pPr>
-            <a:r>
-              <a:t/>
-            </a:r>
-            <a:endParaRPr/>
-          </a:p>
-          <a:p>
-            <a:pPr indent="0" lvl="0" marL="0" rtl="0" algn="l">
-              <a:lnSpc>
-                <a:spcPct val="80000"/>
-              </a:lnSpc>
-              <a:spcBef>
-                <a:spcPts val="0"/>
-              </a:spcBef>
-              <a:spcAft>
-                <a:spcPts val="0"/>
-              </a:spcAft>
-              <a:buNone/>
-            </a:pPr>
-            <a:r>
-              <a:rPr lang="en"/>
-              <a:t>✅ Forced transfers (regulatory requirements)</a:t>
-            </a:r>
-            <a:endParaRPr/>
-          </a:p>
-          <a:p>
-            <a:pPr indent="0" lvl="0" marL="0" rtl="0" algn="l">
-              <a:lnSpc>
-                <a:spcPct val="80000"/>
-              </a:lnSpc>
-              <a:spcBef>
-                <a:spcPts val="0"/>
-              </a:spcBef>
-              <a:spcAft>
-                <a:spcPts val="0"/>
-              </a:spcAft>
-              <a:buNone/>
-            </a:pPr>
-            <a:r>
-              <a:t/>
-            </a:r>
-            <a:endParaRPr/>
-          </a:p>
-          <a:p>
-            <a:pPr indent="0" lvl="0" marL="0" rtl="0" algn="l">
-              <a:lnSpc>
-                <a:spcPct val="80000"/>
-              </a:lnSpc>
-              <a:spcBef>
-                <a:spcPts val="0"/>
-              </a:spcBef>
-              <a:spcAft>
-                <a:spcPts val="0"/>
-              </a:spcAft>
-              <a:buNone/>
-            </a:pPr>
-            <a:r>
-              <a:rPr lang="en"/>
-              <a:t>✅ Audit trails for all transactions</a:t>
-            </a:r>
-            <a:endParaRPr/>
-          </a:p>
-        </p:txBody>
-      </p:sp>
-      <p:sp>
-        <p:nvSpPr>
-          <p:cNvPr id="198" name="Google Shape;198;p29"/>
-          <p:cNvSpPr txBox="1"/>
-          <p:nvPr>
-            <p:ph idx="4" type="title"/>
-          </p:nvPr>
-        </p:nvSpPr>
-        <p:spPr>
-          <a:xfrm>
-            <a:off x="3308991" y="228600"/>
-            <a:ext cx="1640100" cy="762900"/>
-          </a:xfrm>
-          <a:prstGeom prst="rect">
-            <a:avLst/>
-          </a:prstGeom>
-        </p:spPr>
-        <p:txBody>
-          <a:bodyPr anchorCtr="0" anchor="ctr" bIns="91425" lIns="91425" spcFirstLastPara="1" rIns="91425" wrap="square" tIns="91425">
-            <a:noAutofit/>
-          </a:bodyPr>
-          <a:lstStyle/>
-          <a:p>
-            <a:pPr indent="0" lvl="0" marL="0" rtl="0" algn="l">
-              <a:spcBef>
-                <a:spcPts val="0"/>
-              </a:spcBef>
-              <a:spcAft>
-                <a:spcPts val="0"/>
-              </a:spcAft>
-              <a:buNone/>
-            </a:pPr>
-            <a:r>
-              <a:rPr lang="en"/>
-              <a:t>02</a:t>
-            </a:r>
-            <a:endParaRPr/>
-          </a:p>
-        </p:txBody>
-      </p:sp>
-      <p:sp>
-        <p:nvSpPr>
-          <p:cNvPr id="199" name="Google Shape;199;p29"/>
-          <p:cNvSpPr txBox="1"/>
-          <p:nvPr>
-            <p:ph idx="5" type="title"/>
-          </p:nvPr>
-        </p:nvSpPr>
-        <p:spPr>
-          <a:xfrm>
-            <a:off x="228475" y="228968"/>
-            <a:ext cx="1706100" cy="762000"/>
-          </a:xfrm>
-          <a:prstGeom prst="rect">
-            <a:avLst/>
-          </a:prstGeom>
-        </p:spPr>
-        <p:txBody>
-          <a:bodyPr anchorCtr="0" anchor="ctr" bIns="91425" lIns="91425" spcFirstLastPara="1" rIns="91425" wrap="square" tIns="91425">
-            <a:noAutofit/>
-          </a:bodyPr>
-          <a:lstStyle/>
-          <a:p>
-            <a:pPr indent="0" lvl="0" marL="0" rtl="0" algn="l">
-              <a:spcBef>
-                <a:spcPts val="0"/>
-              </a:spcBef>
-              <a:spcAft>
-                <a:spcPts val="0"/>
-              </a:spcAft>
-              <a:buNone/>
-            </a:pPr>
-            <a:r>
-              <a:rPr lang="en"/>
-              <a:t>01</a:t>
-            </a:r>
-            <a:endParaRPr/>
-          </a:p>
-        </p:txBody>
-      </p:sp>
-      <p:sp>
-        <p:nvSpPr>
-          <p:cNvPr id="200" name="Google Shape;200;p29"/>
-          <p:cNvSpPr txBox="1"/>
-          <p:nvPr>
-            <p:ph idx="6" type="title"/>
-          </p:nvPr>
-        </p:nvSpPr>
-        <p:spPr>
-          <a:xfrm>
-            <a:off x="6390000" y="228600"/>
-            <a:ext cx="1479300" cy="762900"/>
-          </a:xfrm>
-          <a:prstGeom prst="rect">
-            <a:avLst/>
-          </a:prstGeom>
-        </p:spPr>
-        <p:txBody>
-          <a:bodyPr anchorCtr="0" anchor="ctr" bIns="91425" lIns="91425" spcFirstLastPara="1" rIns="91425" wrap="square" tIns="91425">
-            <a:noAutofit/>
-          </a:bodyPr>
-          <a:lstStyle/>
-          <a:p>
-            <a:pPr indent="0" lvl="0" marL="0" rtl="0" algn="l">
-              <a:spcBef>
-                <a:spcPts val="0"/>
-              </a:spcBef>
-              <a:spcAft>
-                <a:spcPts val="0"/>
-              </a:spcAft>
-              <a:buNone/>
-            </a:pPr>
-            <a:r>
-              <a:rPr lang="en"/>
-              <a:t>03</a:t>
-            </a:r>
-            <a:endParaRPr/>
-          </a:p>
-        </p:txBody>
-      </p:sp>
-      <p:sp>
-        <p:nvSpPr>
-          <p:cNvPr id="201" name="Google Shape;201;p29"/>
-          <p:cNvSpPr txBox="1"/>
-          <p:nvPr>
-            <p:ph idx="7" type="subTitle"/>
-          </p:nvPr>
-        </p:nvSpPr>
-        <p:spPr>
-          <a:xfrm>
-            <a:off x="3309609" y="1103850"/>
-            <a:ext cx="2525400" cy="563700"/>
-          </a:xfrm>
-          <a:prstGeom prst="rect">
-            <a:avLst/>
-          </a:prstGeom>
-        </p:spPr>
-        <p:txBody>
-          <a:bodyPr anchorCtr="0" anchor="b" bIns="91425" lIns="91425" spcFirstLastPara="1" rIns="91425" wrap="square" tIns="91425">
-            <a:noAutofit/>
-          </a:bodyPr>
-          <a:lstStyle/>
-          <a:p>
-            <a:pPr indent="0" lvl="0" marL="0" rtl="0" algn="l">
-              <a:spcBef>
-                <a:spcPts val="0"/>
-              </a:spcBef>
-              <a:spcAft>
-                <a:spcPts val="0"/>
-              </a:spcAft>
-              <a:buNone/>
-            </a:pPr>
-            <a:r>
-              <a:rPr lang="en"/>
-              <a:t>Off-Chain Verification</a:t>
-            </a:r>
-            <a:endParaRPr/>
-          </a:p>
-        </p:txBody>
-      </p:sp>
-      <p:sp>
-        <p:nvSpPr>
-          <p:cNvPr id="202" name="Google Shape;202;p29"/>
-          <p:cNvSpPr txBox="1"/>
-          <p:nvPr>
-            <p:ph idx="8" type="subTitle"/>
-          </p:nvPr>
-        </p:nvSpPr>
-        <p:spPr>
-          <a:xfrm>
-            <a:off x="228450" y="1103850"/>
-            <a:ext cx="2525400" cy="563700"/>
-          </a:xfrm>
-          <a:prstGeom prst="rect">
-            <a:avLst/>
-          </a:prstGeom>
-        </p:spPr>
-        <p:txBody>
-          <a:bodyPr anchorCtr="0" anchor="b" bIns="91425" lIns="91425" spcFirstLastPara="1" rIns="91425" wrap="square" tIns="91425">
-            <a:noAutofit/>
-          </a:bodyPr>
-          <a:lstStyle/>
-          <a:p>
-            <a:pPr indent="0" lvl="0" marL="0" rtl="0" algn="l">
-              <a:spcBef>
-                <a:spcPts val="0"/>
-              </a:spcBef>
-              <a:spcAft>
-                <a:spcPts val="0"/>
-              </a:spcAft>
-              <a:buNone/>
-            </a:pPr>
-            <a:r>
-              <a:rPr lang="en"/>
-              <a:t>On-Chain Enforcement:</a:t>
-            </a:r>
-            <a:endParaRPr/>
-          </a:p>
-        </p:txBody>
-      </p:sp>
-      <p:sp>
-        <p:nvSpPr>
-          <p:cNvPr id="203" name="Google Shape;203;p29"/>
-          <p:cNvSpPr txBox="1"/>
-          <p:nvPr>
-            <p:ph idx="9" type="subTitle"/>
-          </p:nvPr>
-        </p:nvSpPr>
-        <p:spPr>
-          <a:xfrm>
-            <a:off x="6390000" y="1103850"/>
-            <a:ext cx="2525400" cy="563700"/>
-          </a:xfrm>
-          <a:prstGeom prst="rect">
-            <a:avLst/>
-          </a:prstGeom>
-        </p:spPr>
-        <p:txBody>
-          <a:bodyPr anchorCtr="0" anchor="b" bIns="91425" lIns="91425" spcFirstLastPara="1" rIns="91425" wrap="square" tIns="91425">
-            <a:noAutofit/>
-          </a:bodyPr>
-          <a:lstStyle/>
-          <a:p>
-            <a:pPr indent="0" lvl="0" marL="0" rtl="0" algn="l">
-              <a:spcBef>
-                <a:spcPts val="0"/>
-              </a:spcBef>
-              <a:spcAft>
-                <a:spcPts val="0"/>
-              </a:spcAft>
-              <a:buNone/>
-            </a:pPr>
-            <a:r>
-              <a:rPr lang="en"/>
-              <a:t>Compliance Features</a:t>
-            </a:r>
-            <a:endParaRPr/>
-          </a:p>
-        </p:txBody>
-      </p:sp>
-    </p:spTree>
-  </p:cSld>
-  <p:clrMapOvr>
-    <a:masterClrMapping/>
-  </p:clrMapOvr>
-</p:sld>
-</file>
-
-<file path=ppt/slides/slide9.xml><?xml version="1.0" encoding="utf-8"?>
-<p:sld xmlns:a="http://schemas.openxmlformats.org/drawingml/2006/main" xmlns:r="http://schemas.openxmlformats.org/officeDocument/2006/relationships" xmlns:mc="http://schemas.openxmlformats.org/markup-compatibility/2006" xmlns:mv="urn:schemas-microsoft-com:mac:vml" xmlns:p="http://schemas.openxmlformats.org/presentationml/2006/main" xmlns:c="http://schemas.openxmlformats.org/drawingml/2006/chart" xmlns:dgm="http://schemas.openxmlformats.org/drawingml/2006/diagram" xmlns:o="urn:schemas-microsoft-com:office:office" xmlns:v="urn:schemas-microsoft-com:vml" xmlns:pvml="urn:schemas-microsoft-com:office:powerpoint" xmlns:com="http://schemas.openxmlformats.org/drawingml/2006/compatibility" xmlns:p14="http://schemas.microsoft.com/office/powerpoint/2010/main" xmlns:p15="http://schemas.microsoft.com/office/powerpoint/2012/main" xmlns:ahyp="http://schemas.microsoft.com/office/drawing/2018/hyperlinkcolor">
-  <p:cSld>
-    <p:spTree>
-      <p:nvGrpSpPr>
-        <p:cNvPr id="207" name="Shape 207"/>
-        <p:cNvGrpSpPr/>
-        <p:nvPr/>
-      </p:nvGrpSpPr>
-      <p:grpSpPr>
-        <a:xfrm>
-          <a:off x="0" y="0"/>
-          <a:ext cx="0" cy="0"/>
-          <a:chOff x="0" y="0"/>
-          <a:chExt cx="0" cy="0"/>
-        </a:xfrm>
-      </p:grpSpPr>
-      <p:sp>
-        <p:nvSpPr>
-          <p:cNvPr id="208" name="Google Shape;208;p30"/>
-          <p:cNvSpPr txBox="1"/>
-          <p:nvPr>
-            <p:ph type="title"/>
-          </p:nvPr>
-        </p:nvSpPr>
-        <p:spPr>
-          <a:xfrm>
-            <a:off x="228600" y="1159200"/>
-            <a:ext cx="3636000" cy="2825100"/>
-          </a:xfrm>
-          <a:prstGeom prst="rect">
-            <a:avLst/>
-          </a:prstGeom>
-        </p:spPr>
-        <p:txBody>
-          <a:bodyPr anchorCtr="0" anchor="ctr" bIns="91425" lIns="91425" spcFirstLastPara="1" rIns="91425" wrap="square" tIns="91425">
-            <a:noAutofit/>
-          </a:bodyPr>
-          <a:lstStyle/>
-          <a:p>
-            <a:pPr indent="0" lvl="0" marL="0" rtl="0" algn="l">
-              <a:spcBef>
-                <a:spcPts val="0"/>
-              </a:spcBef>
-              <a:spcAft>
-                <a:spcPts val="0"/>
-              </a:spcAft>
-              <a:buNone/>
-            </a:pPr>
-            <a:r>
-              <a:rPr lang="en"/>
-              <a:t>Key Design Decisions</a:t>
-            </a:r>
-            <a:endParaRPr/>
-          </a:p>
-        </p:txBody>
-      </p:sp>
-      <p:sp>
-        <p:nvSpPr>
-          <p:cNvPr id="209" name="Google Shape;209;p30"/>
-          <p:cNvSpPr txBox="1"/>
-          <p:nvPr>
-            <p:ph idx="1" type="subTitle"/>
-          </p:nvPr>
-        </p:nvSpPr>
-        <p:spPr>
-          <a:xfrm>
-            <a:off x="5061325" y="718646"/>
-            <a:ext cx="3854400" cy="596400"/>
-          </a:xfrm>
-          <a:prstGeom prst="rect">
-            <a:avLst/>
-          </a:prstGeom>
-        </p:spPr>
-        <p:txBody>
-          <a:bodyPr anchorCtr="0" anchor="t" bIns="91425" lIns="91425" spcFirstLastPara="1" rIns="91425" wrap="square" tIns="91425">
-            <a:noAutofit/>
-          </a:bodyPr>
-          <a:lstStyle/>
-          <a:p>
-            <a:pPr indent="0" lvl="0" marL="0" rtl="0" algn="l">
-              <a:spcBef>
-                <a:spcPts val="0"/>
-              </a:spcBef>
-              <a:spcAft>
-                <a:spcPts val="0"/>
-              </a:spcAft>
-              <a:buNone/>
-            </a:pPr>
-            <a:r>
-              <a:rPr lang="en"/>
-              <a:t>Fungible token standard, Compatibility, fungibility, simplicity</a:t>
-            </a:r>
-            <a:endParaRPr/>
-          </a:p>
-        </p:txBody>
-      </p:sp>
-      <p:sp>
-        <p:nvSpPr>
-          <p:cNvPr id="210" name="Google Shape;210;p30"/>
-          <p:cNvSpPr txBox="1"/>
-          <p:nvPr>
-            <p:ph idx="2" type="subTitle"/>
-          </p:nvPr>
-        </p:nvSpPr>
-        <p:spPr>
-          <a:xfrm>
-            <a:off x="5061325" y="268775"/>
-            <a:ext cx="3854400" cy="484500"/>
-          </a:xfrm>
-          <a:prstGeom prst="rect">
-            <a:avLst/>
-          </a:prstGeom>
-        </p:spPr>
-        <p:txBody>
-          <a:bodyPr anchorCtr="0" anchor="b" bIns="91425" lIns="91425" spcFirstLastPara="1" rIns="91425" wrap="square" tIns="91425">
-            <a:noAutofit/>
-          </a:bodyPr>
-          <a:lstStyle/>
-          <a:p>
-            <a:pPr indent="0" lvl="0" marL="0" rtl="0" algn="l">
-              <a:spcBef>
-                <a:spcPts val="0"/>
-              </a:spcBef>
-              <a:spcAft>
-                <a:spcPts val="0"/>
-              </a:spcAft>
-              <a:buNone/>
-            </a:pPr>
-            <a:r>
-              <a:rPr lang="en"/>
-              <a:t>ERC-20 Standard (not ERC-1155) for fungible RWAs</a:t>
-            </a:r>
-            <a:endParaRPr/>
-          </a:p>
-        </p:txBody>
-      </p:sp>
-      <p:sp>
-        <p:nvSpPr>
-          <p:cNvPr id="211" name="Google Shape;211;p30"/>
-          <p:cNvSpPr txBox="1"/>
-          <p:nvPr>
-            <p:ph idx="3" type="title"/>
-          </p:nvPr>
-        </p:nvSpPr>
-        <p:spPr>
-          <a:xfrm>
-            <a:off x="4500325" y="228595"/>
-            <a:ext cx="561000" cy="484500"/>
-          </a:xfrm>
-          <a:prstGeom prst="rect">
-            <a:avLst/>
-          </a:prstGeom>
-        </p:spPr>
-        <p:txBody>
-          <a:bodyPr anchorCtr="0" anchor="b" bIns="91425" lIns="91425" spcFirstLastPara="1" rIns="91425" wrap="square" tIns="91425">
-            <a:noAutofit/>
-          </a:bodyPr>
-          <a:lstStyle/>
-          <a:p>
-            <a:pPr indent="0" lvl="0" marL="0" rtl="0" algn="l">
-              <a:spcBef>
-                <a:spcPts val="0"/>
-              </a:spcBef>
-              <a:spcAft>
-                <a:spcPts val="0"/>
-              </a:spcAft>
-              <a:buNone/>
-            </a:pPr>
-            <a:r>
-              <a:rPr lang="en"/>
-              <a:t>01</a:t>
-            </a:r>
-            <a:endParaRPr/>
-          </a:p>
-        </p:txBody>
-      </p:sp>
-      <p:sp>
-        <p:nvSpPr>
-          <p:cNvPr id="212" name="Google Shape;212;p30"/>
-          <p:cNvSpPr txBox="1"/>
-          <p:nvPr>
-            <p:ph idx="4" type="subTitle"/>
-          </p:nvPr>
-        </p:nvSpPr>
-        <p:spPr>
-          <a:xfrm>
-            <a:off x="5061325" y="1871014"/>
-            <a:ext cx="3854400" cy="596400"/>
-          </a:xfrm>
-          <a:prstGeom prst="rect">
-            <a:avLst/>
-          </a:prstGeom>
-        </p:spPr>
-        <p:txBody>
-          <a:bodyPr anchorCtr="0" anchor="t" bIns="91425" lIns="91425" spcFirstLastPara="1" rIns="91425" wrap="square" tIns="91425">
-            <a:noAutofit/>
-          </a:bodyPr>
-          <a:lstStyle/>
-          <a:p>
-            <a:pPr indent="0" lvl="0" marL="0" rtl="0" algn="l">
-              <a:spcBef>
-                <a:spcPts val="0"/>
-              </a:spcBef>
-              <a:spcAft>
-                <a:spcPts val="0"/>
-              </a:spcAft>
-              <a:buNone/>
-            </a:pPr>
-            <a:r>
-              <a:rPr lang="en"/>
-              <a:t>Pre-transfer validation callback, Real-time compliance enforcement</a:t>
-            </a:r>
-            <a:endParaRPr/>
-          </a:p>
-        </p:txBody>
-      </p:sp>
-      <p:sp>
-        <p:nvSpPr>
-          <p:cNvPr id="213" name="Google Shape;213;p30"/>
-          <p:cNvSpPr txBox="1"/>
-          <p:nvPr>
-            <p:ph idx="5" type="subTitle"/>
-          </p:nvPr>
-        </p:nvSpPr>
-        <p:spPr>
-          <a:xfrm>
-            <a:off x="5061325" y="1452568"/>
-            <a:ext cx="3854400" cy="484500"/>
-          </a:xfrm>
-          <a:prstGeom prst="rect">
-            <a:avLst/>
-          </a:prstGeom>
-        </p:spPr>
-        <p:txBody>
-          <a:bodyPr anchorCtr="0" anchor="b" bIns="91425" lIns="91425" spcFirstLastPara="1" rIns="91425" wrap="square" tIns="91425">
-            <a:noAutofit/>
-          </a:bodyPr>
-          <a:lstStyle/>
-          <a:p>
-            <a:pPr indent="0" lvl="0" marL="0" rtl="0" algn="l">
-              <a:spcBef>
-                <a:spcPts val="0"/>
-              </a:spcBef>
-              <a:spcAft>
-                <a:spcPts val="0"/>
-              </a:spcAft>
-              <a:buNone/>
-            </a:pPr>
-            <a:r>
-              <a:rPr lang="en"/>
-              <a:t>Transfer Hooks for compliance enforcement</a:t>
-            </a:r>
-            <a:endParaRPr/>
-          </a:p>
-        </p:txBody>
-      </p:sp>
-      <p:sp>
-        <p:nvSpPr>
-          <p:cNvPr id="214" name="Google Shape;214;p30"/>
-          <p:cNvSpPr txBox="1"/>
-          <p:nvPr>
-            <p:ph idx="6" type="title"/>
-          </p:nvPr>
-        </p:nvSpPr>
-        <p:spPr>
-          <a:xfrm>
-            <a:off x="4500325" y="1452487"/>
-            <a:ext cx="561000" cy="484500"/>
-          </a:xfrm>
-          <a:prstGeom prst="rect">
-            <a:avLst/>
-          </a:prstGeom>
-        </p:spPr>
-        <p:txBody>
-          <a:bodyPr anchorCtr="0" anchor="b" bIns="91425" lIns="91425" spcFirstLastPara="1" rIns="91425" wrap="square" tIns="91425">
-            <a:noAutofit/>
-          </a:bodyPr>
-          <a:lstStyle/>
-          <a:p>
-            <a:pPr indent="0" lvl="0" marL="0" rtl="0" algn="l">
-              <a:spcBef>
-                <a:spcPts val="0"/>
-              </a:spcBef>
-              <a:spcAft>
-                <a:spcPts val="0"/>
-              </a:spcAft>
-              <a:buNone/>
-            </a:pPr>
-            <a:r>
-              <a:rPr lang="en"/>
-              <a:t>02</a:t>
-            </a:r>
-            <a:endParaRPr/>
-          </a:p>
-        </p:txBody>
-      </p:sp>
-      <p:sp>
-        <p:nvSpPr>
-          <p:cNvPr id="215" name="Google Shape;215;p30"/>
-          <p:cNvSpPr txBox="1"/>
-          <p:nvPr>
-            <p:ph idx="7" type="subTitle"/>
-          </p:nvPr>
-        </p:nvSpPr>
-        <p:spPr>
-          <a:xfrm>
-            <a:off x="5061325" y="3023407"/>
-            <a:ext cx="3854400" cy="596400"/>
-          </a:xfrm>
-          <a:prstGeom prst="rect">
-            <a:avLst/>
-          </a:prstGeom>
-        </p:spPr>
-        <p:txBody>
-          <a:bodyPr anchorCtr="0" anchor="t" bIns="91425" lIns="91425" spcFirstLastPara="1" rIns="91425" wrap="square" tIns="91425">
-            <a:noAutofit/>
-          </a:bodyPr>
-          <a:lstStyle/>
-          <a:p>
-            <a:pPr indent="0" lvl="0" marL="0" rtl="0" algn="l">
-              <a:spcBef>
-                <a:spcPts val="0"/>
-              </a:spcBef>
-              <a:spcAft>
-                <a:spcPts val="0"/>
-              </a:spcAft>
-              <a:buNone/>
-            </a:pPr>
-            <a:r>
-              <a:rPr lang="en">
-                <a:solidFill>
-                  <a:srgbClr val="191919"/>
-                </a:solidFill>
-                <a:latin typeface="Open Sans"/>
-                <a:ea typeface="Open Sans"/>
-                <a:cs typeface="Open Sans"/>
-                <a:sym typeface="Open Sans"/>
-              </a:rPr>
-              <a:t>Logic/storage separation for upgrades, Future-proof, fixable, seamless updates</a:t>
-            </a:r>
-            <a:endParaRPr/>
-          </a:p>
-        </p:txBody>
-      </p:sp>
-      <p:sp>
-        <p:nvSpPr>
-          <p:cNvPr id="216" name="Google Shape;216;p30"/>
-          <p:cNvSpPr txBox="1"/>
-          <p:nvPr>
-            <p:ph idx="8" type="subTitle"/>
-          </p:nvPr>
-        </p:nvSpPr>
-        <p:spPr>
-          <a:xfrm>
-            <a:off x="5061325" y="2538910"/>
-            <a:ext cx="3854400" cy="484500"/>
-          </a:xfrm>
-          <a:prstGeom prst="rect">
-            <a:avLst/>
-          </a:prstGeom>
-        </p:spPr>
-        <p:txBody>
-          <a:bodyPr anchorCtr="0" anchor="b" bIns="91425" lIns="91425" spcFirstLastPara="1" rIns="91425" wrap="square" tIns="91425">
-            <a:noAutofit/>
-          </a:bodyPr>
-          <a:lstStyle/>
-          <a:p>
-            <a:pPr indent="0" lvl="0" marL="0" rtl="0" algn="l">
-              <a:spcBef>
-                <a:spcPts val="0"/>
-              </a:spcBef>
-              <a:spcAft>
-                <a:spcPts val="0"/>
-              </a:spcAft>
-              <a:buNone/>
-            </a:pPr>
-            <a:r>
-              <a:rPr lang="en"/>
-              <a:t>Proxy Pattern for upgradeability</a:t>
-            </a:r>
-            <a:endParaRPr/>
-          </a:p>
-        </p:txBody>
-      </p:sp>
-      <p:sp>
-        <p:nvSpPr>
-          <p:cNvPr id="217" name="Google Shape;217;p30"/>
-          <p:cNvSpPr txBox="1"/>
-          <p:nvPr>
-            <p:ph idx="9" type="title"/>
-          </p:nvPr>
-        </p:nvSpPr>
-        <p:spPr>
-          <a:xfrm>
-            <a:off x="4500325" y="2576115"/>
-            <a:ext cx="561000" cy="484500"/>
-          </a:xfrm>
-          <a:prstGeom prst="rect">
-            <a:avLst/>
-          </a:prstGeom>
-        </p:spPr>
-        <p:txBody>
-          <a:bodyPr anchorCtr="0" anchor="b" bIns="91425" lIns="91425" spcFirstLastPara="1" rIns="91425" wrap="square" tIns="91425">
-            <a:noAutofit/>
-          </a:bodyPr>
-          <a:lstStyle/>
-          <a:p>
-            <a:pPr indent="0" lvl="0" marL="0" rtl="0" algn="l">
-              <a:spcBef>
-                <a:spcPts val="0"/>
-              </a:spcBef>
-              <a:spcAft>
-                <a:spcPts val="0"/>
-              </a:spcAft>
-              <a:buNone/>
-            </a:pPr>
-            <a:r>
-              <a:rPr lang="en"/>
-              <a:t>03</a:t>
-            </a:r>
-            <a:endParaRPr/>
-          </a:p>
-        </p:txBody>
-      </p:sp>
-      <p:sp>
-        <p:nvSpPr>
-          <p:cNvPr id="218" name="Google Shape;218;p30"/>
-          <p:cNvSpPr txBox="1"/>
-          <p:nvPr>
-            <p:ph idx="13" type="subTitle"/>
-          </p:nvPr>
-        </p:nvSpPr>
-        <p:spPr>
-          <a:xfrm>
-            <a:off x="5061325" y="4318799"/>
-            <a:ext cx="3854400" cy="596400"/>
-          </a:xfrm>
-          <a:prstGeom prst="rect">
-            <a:avLst/>
-          </a:prstGeom>
-        </p:spPr>
-        <p:txBody>
-          <a:bodyPr anchorCtr="0" anchor="t" bIns="91425" lIns="91425" spcFirstLastPara="1" rIns="91425" wrap="square" tIns="91425">
-            <a:noAutofit/>
-          </a:bodyPr>
-          <a:lstStyle/>
-          <a:p>
-            <a:pPr indent="0" lvl="0" marL="0" rtl="0" algn="l">
-              <a:spcBef>
-                <a:spcPts val="0"/>
-              </a:spcBef>
-              <a:spcAft>
-                <a:spcPts val="0"/>
-              </a:spcAft>
-              <a:buNone/>
-            </a:pPr>
-            <a:r>
-              <a:rPr lang="en"/>
-              <a:t>7-day delay before upgrade execution and 3 of 5 signatures required for admin actions</a:t>
-            </a:r>
-            <a:endParaRPr/>
-          </a:p>
-        </p:txBody>
-      </p:sp>
-      <p:sp>
-        <p:nvSpPr>
-          <p:cNvPr id="219" name="Google Shape;219;p30"/>
-          <p:cNvSpPr txBox="1"/>
-          <p:nvPr>
-            <p:ph idx="14" type="subTitle"/>
-          </p:nvPr>
-        </p:nvSpPr>
-        <p:spPr>
-          <a:xfrm>
-            <a:off x="5061325" y="3900353"/>
-            <a:ext cx="3854400" cy="484500"/>
-          </a:xfrm>
-          <a:prstGeom prst="rect">
-            <a:avLst/>
-          </a:prstGeom>
-        </p:spPr>
-        <p:txBody>
-          <a:bodyPr anchorCtr="0" anchor="b" bIns="91425" lIns="91425" spcFirstLastPara="1" rIns="91425" wrap="square" tIns="91425">
-            <a:noAutofit/>
-          </a:bodyPr>
-          <a:lstStyle/>
-          <a:p>
-            <a:pPr indent="0" lvl="0" marL="0" rtl="0" algn="l">
-              <a:spcBef>
-                <a:spcPts val="0"/>
-              </a:spcBef>
-              <a:spcAft>
-                <a:spcPts val="0"/>
-              </a:spcAft>
-              <a:buNone/>
-            </a:pPr>
-            <a:r>
-              <a:rPr lang="en"/>
-              <a:t>Time-locked Upgrades &amp; Multi-signature Admin</a:t>
-            </a:r>
-            <a:endParaRPr/>
-          </a:p>
-        </p:txBody>
-      </p:sp>
-      <p:sp>
-        <p:nvSpPr>
-          <p:cNvPr id="220" name="Google Shape;220;p30"/>
-          <p:cNvSpPr txBox="1"/>
-          <p:nvPr>
-            <p:ph idx="15" type="title"/>
-          </p:nvPr>
-        </p:nvSpPr>
-        <p:spPr>
-          <a:xfrm>
-            <a:off x="4500325" y="3834295"/>
-            <a:ext cx="561000" cy="484500"/>
-          </a:xfrm>
-          <a:prstGeom prst="rect">
-            <a:avLst/>
-          </a:prstGeom>
-        </p:spPr>
-        <p:txBody>
-          <a:bodyPr anchorCtr="0" anchor="b" bIns="91425" lIns="91425" spcFirstLastPara="1" rIns="91425" wrap="square" tIns="91425">
-            <a:noAutofit/>
-          </a:bodyPr>
-          <a:lstStyle/>
-          <a:p>
-            <a:pPr indent="0" lvl="0" marL="0" rtl="0" algn="l">
-              <a:spcBef>
-                <a:spcPts val="0"/>
-              </a:spcBef>
-              <a:spcAft>
-                <a:spcPts val="0"/>
-              </a:spcAft>
-              <a:buNone/>
-            </a:pPr>
-            <a:r>
-              <a:rPr lang="en"/>
-              <a:t>04</a:t>
             </a:r>
             <a:endParaRPr/>
           </a:p>

--- a/presentation/RWA Tokenization Platform.pptx
+++ b/presentation/RWA Tokenization Platform.pptx
@@ -17118,7 +17118,7 @@
         </p:nvSpPr>
         <p:spPr>
           <a:xfrm>
-            <a:off x="228600" y="2854200"/>
+            <a:off x="324700" y="2892700"/>
             <a:ext cx="8153700" cy="2060700"/>
           </a:xfrm>
           <a:prstGeom prst="rect">
@@ -26607,7 +26607,7 @@
       </p:sp>
       <p:pic>
         <p:nvPicPr>
-          <p:cNvPr id="177" name="Google Shape;177;p28" title="architecture.png"/>
+          <p:cNvPr id="177" name="Google Shape;177;p28" title="architecture copy.png"/>
           <p:cNvPicPr preferRelativeResize="0"/>
           <p:nvPr/>
         </p:nvPicPr>
@@ -26615,13 +26615,13 @@
           <a:blip r:embed="rId3">
             <a:alphaModFix/>
           </a:blip>
-          <a:srcRect b="13274" l="0" r="64434" t="27013"/>
+          <a:srcRect b="0" l="4370" r="4379" t="0"/>
           <a:stretch/>
         </p:blipFill>
         <p:spPr>
           <a:xfrm>
             <a:off x="949887" y="241450"/>
-            <a:ext cx="7244227" cy="3984900"/>
+            <a:ext cx="7244227" cy="3984901"/>
           </a:xfrm>
           <a:prstGeom prst="rect">
             <a:avLst/>
@@ -26666,7 +26666,7 @@
       </p:grpSpPr>
       <p:pic>
         <p:nvPicPr>
-          <p:cNvPr id="182" name="Google Shape;182;p29" title="architecture.png"/>
+          <p:cNvPr id="182" name="Google Shape;182;p29" title="architecture copy 2.png"/>
           <p:cNvPicPr preferRelativeResize="0"/>
           <p:nvPr/>
         </p:nvPicPr>
@@ -26674,13 +26674,13 @@
           <a:blip r:embed="rId3">
             <a:alphaModFix/>
           </a:blip>
-          <a:srcRect b="0" l="32028" r="0" t="0"/>
+          <a:srcRect b="980" l="0" r="0" t="990"/>
           <a:stretch/>
         </p:blipFill>
         <p:spPr>
           <a:xfrm>
             <a:off x="80250" y="126000"/>
-            <a:ext cx="8983501" cy="4330101"/>
+            <a:ext cx="8983501" cy="4330100"/>
           </a:xfrm>
           <a:prstGeom prst="rect">
             <a:avLst/>

--- a/presentation/RWA Tokenization Platform.pptx
+++ b/presentation/RWA Tokenization Platform.pptx
@@ -24,53 +24,54 @@
     <p:sldId id="269" r:id="rId18"/>
     <p:sldId id="270" r:id="rId19"/>
     <p:sldId id="271" r:id="rId20"/>
+    <p:sldId id="272" r:id="rId21"/>
   </p:sldIdLst>
   <p:sldSz cy="5143500" cx="9144000"/>
   <p:notesSz cx="6858000" cy="9144000"/>
   <p:embeddedFontLst>
     <p:embeddedFont>
       <p:font typeface="Raleway"/>
-      <p:regular r:id="rId21"/>
-      <p:bold r:id="rId22"/>
-      <p:italic r:id="rId23"/>
-      <p:boldItalic r:id="rId24"/>
+      <p:regular r:id="rId22"/>
+      <p:bold r:id="rId23"/>
+      <p:italic r:id="rId24"/>
+      <p:boldItalic r:id="rId25"/>
     </p:embeddedFont>
     <p:embeddedFont>
       <p:font typeface="Afacad Flux"/>
-      <p:regular r:id="rId25"/>
-      <p:bold r:id="rId26"/>
+      <p:regular r:id="rId26"/>
+      <p:bold r:id="rId27"/>
     </p:embeddedFont>
     <p:embeddedFont>
       <p:font typeface="Heebo"/>
-      <p:regular r:id="rId27"/>
-      <p:bold r:id="rId28"/>
+      <p:regular r:id="rId28"/>
+      <p:bold r:id="rId29"/>
     </p:embeddedFont>
     <p:embeddedFont>
       <p:font typeface="Bricolage Grotesque ExtraLight"/>
-      <p:regular r:id="rId29"/>
-      <p:bold r:id="rId30"/>
+      <p:regular r:id="rId30"/>
+      <p:bold r:id="rId31"/>
     </p:embeddedFont>
     <p:embeddedFont>
       <p:font typeface="Anaheim"/>
-      <p:regular r:id="rId31"/>
-      <p:bold r:id="rId32"/>
+      <p:regular r:id="rId32"/>
+      <p:bold r:id="rId33"/>
     </p:embeddedFont>
     <p:embeddedFont>
       <p:font typeface="Bricolage Grotesque"/>
-      <p:regular r:id="rId33"/>
-      <p:bold r:id="rId34"/>
+      <p:regular r:id="rId34"/>
+      <p:bold r:id="rId35"/>
     </p:embeddedFont>
     <p:embeddedFont>
       <p:font typeface="Bricolage Grotesque Medium"/>
-      <p:regular r:id="rId35"/>
-      <p:bold r:id="rId36"/>
+      <p:regular r:id="rId36"/>
+      <p:bold r:id="rId37"/>
     </p:embeddedFont>
     <p:embeddedFont>
       <p:font typeface="Open Sans"/>
-      <p:regular r:id="rId37"/>
-      <p:bold r:id="rId38"/>
-      <p:italic r:id="rId39"/>
-      <p:boldItalic r:id="rId40"/>
+      <p:regular r:id="rId38"/>
+      <p:bold r:id="rId39"/>
+      <p:italic r:id="rId40"/>
+      <p:boldItalic r:id="rId41"/>
     </p:embeddedFont>
   </p:embeddedFontLst>
   <p:defaultTextStyle>
@@ -1132,7 +1133,7 @@
   <p:cSld>
     <p:spTree>
       <p:nvGrpSpPr>
-        <p:cNvPr id="244" name="Shape 244"/>
+        <p:cNvPr id="246" name="Shape 246"/>
         <p:cNvGrpSpPr/>
         <p:nvPr/>
       </p:nvGrpSpPr>
@@ -1146,7 +1147,7 @@
       </p:grpSpPr>
       <p:sp>
         <p:nvSpPr>
-          <p:cNvPr id="245" name="Google Shape;245;g3b8d636df11_0_45:notes"/>
+          <p:cNvPr id="247" name="Google Shape;247;g3b8d636df11_0_45:notes"/>
           <p:cNvSpPr/>
           <p:nvPr>
             <p:ph idx="2" type="sldImg"/>
@@ -1181,7 +1182,7 @@
       </p:sp>
       <p:sp>
         <p:nvSpPr>
-          <p:cNvPr id="246" name="Google Shape;246;g3b8d636df11_0_45:notes"/>
+          <p:cNvPr id="248" name="Google Shape;248;g3b8d636df11_0_45:notes"/>
           <p:cNvSpPr txBox="1"/>
           <p:nvPr>
             <p:ph idx="1" type="body"/>
@@ -1231,7 +1232,7 @@
   <p:cSld>
     <p:spTree>
       <p:nvGrpSpPr>
-        <p:cNvPr id="258" name="Shape 258"/>
+        <p:cNvPr id="260" name="Shape 260"/>
         <p:cNvGrpSpPr/>
         <p:nvPr/>
       </p:nvGrpSpPr>
@@ -1245,7 +1246,7 @@
       </p:grpSpPr>
       <p:sp>
         <p:nvSpPr>
-          <p:cNvPr id="259" name="Google Shape;259;gd5260bdd85_0_270:notes"/>
+          <p:cNvPr id="261" name="Google Shape;261;gd5260bdd85_0_270:notes"/>
           <p:cNvSpPr/>
           <p:nvPr>
             <p:ph idx="2" type="sldImg"/>
@@ -1280,7 +1281,7 @@
       </p:sp>
       <p:sp>
         <p:nvSpPr>
-          <p:cNvPr id="260" name="Google Shape;260;gd5260bdd85_0_270:notes"/>
+          <p:cNvPr id="262" name="Google Shape;262;gd5260bdd85_0_270:notes"/>
           <p:cNvSpPr txBox="1"/>
           <p:nvPr>
             <p:ph idx="1" type="body"/>
@@ -1330,7 +1331,7 @@
   <p:cSld>
     <p:spTree>
       <p:nvGrpSpPr>
-        <p:cNvPr id="311" name="Shape 311"/>
+        <p:cNvPr id="313" name="Shape 313"/>
         <p:cNvGrpSpPr/>
         <p:nvPr/>
       </p:nvGrpSpPr>
@@ -1344,7 +1345,7 @@
       </p:grpSpPr>
       <p:sp>
         <p:nvSpPr>
-          <p:cNvPr id="312" name="Google Shape;312;g135e18421cc_13_10:notes"/>
+          <p:cNvPr id="314" name="Google Shape;314;g3b948879970_0_3:notes"/>
           <p:cNvSpPr/>
           <p:nvPr>
             <p:ph idx="2" type="sldImg"/>
@@ -1379,7 +1380,7 @@
       </p:sp>
       <p:sp>
         <p:nvSpPr>
-          <p:cNvPr id="313" name="Google Shape;313;g135e18421cc_13_10:notes"/>
+          <p:cNvPr id="315" name="Google Shape;315;g3b948879970_0_3:notes"/>
           <p:cNvSpPr txBox="1"/>
           <p:nvPr>
             <p:ph idx="1" type="body"/>
@@ -1429,7 +1430,7 @@
   <p:cSld>
     <p:spTree>
       <p:nvGrpSpPr>
-        <p:cNvPr id="329" name="Shape 329"/>
+        <p:cNvPr id="323" name="Shape 323"/>
         <p:cNvGrpSpPr/>
         <p:nvPr/>
       </p:nvGrpSpPr>
@@ -1443,7 +1444,7 @@
       </p:grpSpPr>
       <p:sp>
         <p:nvSpPr>
-          <p:cNvPr id="330" name="Google Shape;330;g3bad6923563_0_35:notes"/>
+          <p:cNvPr id="324" name="Google Shape;324;g135e18421cc_13_10:notes"/>
           <p:cNvSpPr/>
           <p:nvPr>
             <p:ph idx="2" type="sldImg"/>
@@ -1478,7 +1479,106 @@
       </p:sp>
       <p:sp>
         <p:nvSpPr>
-          <p:cNvPr id="331" name="Google Shape;331;g3bad6923563_0_35:notes"/>
+          <p:cNvPr id="325" name="Google Shape;325;g135e18421cc_13_10:notes"/>
+          <p:cNvSpPr txBox="1"/>
+          <p:nvPr>
+            <p:ph idx="1" type="body"/>
+          </p:nvPr>
+        </p:nvSpPr>
+        <p:spPr>
+          <a:xfrm>
+            <a:off x="685800" y="4343400"/>
+            <a:ext cx="5486400" cy="4114800"/>
+          </a:xfrm>
+          <a:prstGeom prst="rect">
+            <a:avLst/>
+          </a:prstGeom>
+        </p:spPr>
+        <p:txBody>
+          <a:bodyPr anchorCtr="0" anchor="t" bIns="91425" lIns="91425" spcFirstLastPara="1" rIns="91425" wrap="square" tIns="91425">
+            <a:noAutofit/>
+          </a:bodyPr>
+          <a:lstStyle/>
+          <a:p>
+            <a:pPr indent="0" lvl="0" marL="0" rtl="0" algn="l">
+              <a:spcBef>
+                <a:spcPts val="0"/>
+              </a:spcBef>
+              <a:spcAft>
+                <a:spcPts val="0"/>
+              </a:spcAft>
+              <a:buNone/>
+            </a:pPr>
+            <a:r>
+              <a:t/>
+            </a:r>
+            <a:endParaRPr/>
+          </a:p>
+        </p:txBody>
+      </p:sp>
+    </p:spTree>
+  </p:cSld>
+  <p:clrMapOvr>
+    <a:masterClrMapping/>
+  </p:clrMapOvr>
+</p:notes>
+</file>
+
+<file path=ppt/notesSlides/notesSlide17.xml><?xml version="1.0" encoding="utf-8"?>
+<p:notes xmlns:a="http://schemas.openxmlformats.org/drawingml/2006/main" xmlns:r="http://schemas.openxmlformats.org/officeDocument/2006/relationships" xmlns:mc="http://schemas.openxmlformats.org/markup-compatibility/2006" xmlns:mv="urn:schemas-microsoft-com:mac:vml" xmlns:p="http://schemas.openxmlformats.org/presentationml/2006/main" xmlns:c="http://schemas.openxmlformats.org/drawingml/2006/chart" xmlns:dgm="http://schemas.openxmlformats.org/drawingml/2006/diagram" xmlns:o="urn:schemas-microsoft-com:office:office" xmlns:v="urn:schemas-microsoft-com:vml" xmlns:pvml="urn:schemas-microsoft-com:office:powerpoint" xmlns:com="http://schemas.openxmlformats.org/drawingml/2006/compatibility" xmlns:p14="http://schemas.microsoft.com/office/powerpoint/2010/main" xmlns:p15="http://schemas.microsoft.com/office/powerpoint/2012/main" xmlns:ahyp="http://schemas.microsoft.com/office/drawing/2018/hyperlinkcolor" showMasterPhAnim="0" showMasterSp="0">
+  <p:cSld>
+    <p:spTree>
+      <p:nvGrpSpPr>
+        <p:cNvPr id="341" name="Shape 341"/>
+        <p:cNvGrpSpPr/>
+        <p:nvPr/>
+      </p:nvGrpSpPr>
+      <p:grpSpPr>
+        <a:xfrm>
+          <a:off x="0" y="0"/>
+          <a:ext cx="0" cy="0"/>
+          <a:chOff x="0" y="0"/>
+          <a:chExt cx="0" cy="0"/>
+        </a:xfrm>
+      </p:grpSpPr>
+      <p:sp>
+        <p:nvSpPr>
+          <p:cNvPr id="342" name="Google Shape;342;g3bad6923563_0_35:notes"/>
+          <p:cNvSpPr/>
+          <p:nvPr>
+            <p:ph idx="2" type="sldImg"/>
+          </p:nvPr>
+        </p:nvSpPr>
+        <p:spPr>
+          <a:xfrm>
+            <a:off x="381300" y="685800"/>
+            <a:ext cx="6096000" cy="3429000"/>
+          </a:xfrm>
+          <a:custGeom>
+            <a:rect b="b" l="l" r="r" t="t"/>
+            <a:pathLst>
+              <a:path extrusionOk="0" h="120000" w="120000">
+                <a:moveTo>
+                  <a:pt x="0" y="0"/>
+                </a:moveTo>
+                <a:lnTo>
+                  <a:pt x="120000" y="0"/>
+                </a:lnTo>
+                <a:lnTo>
+                  <a:pt x="120000" y="120000"/>
+                </a:lnTo>
+                <a:lnTo>
+                  <a:pt x="0" y="120000"/>
+                </a:lnTo>
+                <a:close/>
+              </a:path>
+            </a:pathLst>
+          </a:custGeom>
+        </p:spPr>
+      </p:sp>
+      <p:sp>
+        <p:nvSpPr>
+          <p:cNvPr id="343" name="Google Shape;343;g3bad6923563_0_35:notes"/>
           <p:cNvSpPr txBox="1"/>
           <p:nvPr>
             <p:ph idx="1" type="body"/>
@@ -18401,7 +18501,7 @@
         </p:nvSpPr>
         <p:spPr>
           <a:xfrm>
-            <a:off x="3943548" y="600675"/>
+            <a:off x="3943548" y="434375"/>
             <a:ext cx="5120100" cy="625500"/>
           </a:xfrm>
           <a:prstGeom prst="rect">
@@ -18441,8 +18541,8 @@
         </p:nvSpPr>
         <p:spPr>
           <a:xfrm>
-            <a:off x="3943594" y="1150352"/>
-            <a:ext cx="5120100" cy="1238700"/>
+            <a:off x="3943600" y="984051"/>
+            <a:ext cx="5120100" cy="810900"/>
           </a:xfrm>
           <a:prstGeom prst="rect">
             <a:avLst/>
@@ -18465,7 +18565,7 @@
             </a:pPr>
             <a:r>
               <a:rPr lang="en"/>
-              <a:t>The system is secured through multiple independent audits, formal verification of critical components, a generous bug bounty program offering over $1M in rewards, and time-locked upgrades with a mandatory 7-day delay to ensure transparency and community oversight.</a:t>
+              <a:t>We've secured our smart contracts through multiple independent audits, formal verification of critical invariants, a $1M+ bug bounty program, and time-locked upgrades with a 7-day community review period.</a:t>
             </a:r>
             <a:endParaRPr/>
           </a:p>
@@ -18481,8 +18581,8 @@
         </p:nvSpPr>
         <p:spPr>
           <a:xfrm>
-            <a:off x="3943632" y="3335288"/>
-            <a:ext cx="5120100" cy="1238700"/>
+            <a:off x="3943632" y="2267718"/>
+            <a:ext cx="5120100" cy="890700"/>
           </a:xfrm>
           <a:prstGeom prst="rect">
             <a:avLst/>
@@ -18505,7 +18605,15 @@
             </a:pPr>
             <a:r>
               <a:rPr lang="en"/>
-              <a:t>Administrative control is protected by a 3-of-5 multi-signature scheme, issuer funds are safeguarded using MPC-based custody, and assets are secured in hardware wallet storage to minimize single points of failure.</a:t>
+              <a:t>Administrative control is protected by a 3-of-5 multi-signature scheme, issuer funds are safeguarded using MPC-based custody, and assets are secured in hardware wallet storage to minimize single points of failure. </a:t>
+            </a:r>
+            <a:r>
+              <a:rPr b="1" lang="en"/>
+              <a:t>Operational:</a:t>
+            </a:r>
+            <a:r>
+              <a:rPr lang="en"/>
+              <a:t> SOC 2 compliance + $50M insurance + 24/7 monitoring</a:t>
             </a:r>
             <a:endParaRPr/>
           </a:p>
@@ -18521,8 +18629,8 @@
         </p:nvSpPr>
         <p:spPr>
           <a:xfrm>
-            <a:off x="3943563" y="2785611"/>
-            <a:ext cx="5120100" cy="625500"/>
+            <a:off x="3943563" y="1872538"/>
+            <a:ext cx="5120100" cy="449700"/>
           </a:xfrm>
           <a:prstGeom prst="rect">
             <a:avLst/>
@@ -18582,6 +18690,86 @@
           </a:ln>
         </p:spPr>
       </p:pic>
+      <p:sp>
+        <p:nvSpPr>
+          <p:cNvPr id="244" name="Google Shape;244;p33"/>
+          <p:cNvSpPr txBox="1"/>
+          <p:nvPr>
+            <p:ph idx="3" type="subTitle"/>
+          </p:nvPr>
+        </p:nvSpPr>
+        <p:spPr>
+          <a:xfrm>
+            <a:off x="4023895" y="3631180"/>
+            <a:ext cx="5120100" cy="890700"/>
+          </a:xfrm>
+          <a:prstGeom prst="rect">
+            <a:avLst/>
+          </a:prstGeom>
+        </p:spPr>
+        <p:txBody>
+          <a:bodyPr anchorCtr="0" anchor="t" bIns="90950" lIns="90950" spcFirstLastPara="1" rIns="90950" wrap="square" tIns="90950">
+            <a:noAutofit/>
+          </a:bodyPr>
+          <a:lstStyle/>
+          <a:p>
+            <a:pPr indent="0" lvl="0" marL="0" rtl="0" algn="l">
+              <a:spcBef>
+                <a:spcPts val="0"/>
+              </a:spcBef>
+              <a:spcAft>
+                <a:spcPts val="0"/>
+              </a:spcAft>
+              <a:buNone/>
+            </a:pPr>
+            <a:r>
+              <a:rPr lang="en"/>
+              <a:t>We treat upgrade risk as our #1 concern. Every upgrade requires 3-of-5 approval, has a 7-day public review period, goes through comprehensive safety checks, and we maintain rollback capability. Emergency keys are completely separate and can only pause the system.</a:t>
+            </a:r>
+            <a:endParaRPr/>
+          </a:p>
+        </p:txBody>
+      </p:sp>
+      <p:sp>
+        <p:nvSpPr>
+          <p:cNvPr id="245" name="Google Shape;245;p33"/>
+          <p:cNvSpPr txBox="1"/>
+          <p:nvPr>
+            <p:ph idx="4" type="subTitle"/>
+          </p:nvPr>
+        </p:nvSpPr>
+        <p:spPr>
+          <a:xfrm>
+            <a:off x="4023825" y="3236000"/>
+            <a:ext cx="5120100" cy="449700"/>
+          </a:xfrm>
+          <a:prstGeom prst="rect">
+            <a:avLst/>
+          </a:prstGeom>
+        </p:spPr>
+        <p:txBody>
+          <a:bodyPr anchorCtr="0" anchor="b" bIns="90950" lIns="90950" spcFirstLastPara="1" rIns="90950" wrap="square" tIns="90950">
+            <a:noAutofit/>
+          </a:bodyPr>
+          <a:lstStyle/>
+          <a:p>
+            <a:pPr indent="0" lvl="0" marL="0" rtl="0" algn="l">
+              <a:spcBef>
+                <a:spcPts val="0"/>
+              </a:spcBef>
+              <a:spcAft>
+                <a:spcPts val="0"/>
+              </a:spcAft>
+              <a:buNone/>
+            </a:pPr>
+            <a:r>
+              <a:rPr lang="en" sz="1591"/>
+              <a:t>Upgrade Risk:</a:t>
+            </a:r>
+            <a:endParaRPr sz="1591"/>
+          </a:p>
+        </p:txBody>
+      </p:sp>
     </p:spTree>
   </p:cSld>
   <p:clrMapOvr>
@@ -18595,7 +18783,7 @@
   <p:cSld>
     <p:spTree>
       <p:nvGrpSpPr>
-        <p:cNvPr id="247" name="Shape 247"/>
+        <p:cNvPr id="249" name="Shape 249"/>
         <p:cNvGrpSpPr/>
         <p:nvPr/>
       </p:nvGrpSpPr>
@@ -18609,7 +18797,7 @@
       </p:grpSpPr>
       <p:sp>
         <p:nvSpPr>
-          <p:cNvPr id="248" name="Google Shape;248;p34"/>
+          <p:cNvPr id="250" name="Google Shape;250;p34"/>
           <p:cNvSpPr txBox="1"/>
           <p:nvPr>
             <p:ph type="title"/>
@@ -18649,7 +18837,7 @@
       </p:sp>
       <p:sp>
         <p:nvSpPr>
-          <p:cNvPr id="249" name="Google Shape;249;p34"/>
+          <p:cNvPr id="251" name="Google Shape;251;p34"/>
           <p:cNvSpPr txBox="1"/>
           <p:nvPr>
             <p:ph idx="2" type="subTitle"/>
@@ -18689,7 +18877,7 @@
       </p:sp>
       <p:sp>
         <p:nvSpPr>
-          <p:cNvPr id="250" name="Google Shape;250;p34"/>
+          <p:cNvPr id="252" name="Google Shape;252;p34"/>
           <p:cNvSpPr txBox="1"/>
           <p:nvPr>
             <p:ph idx="1" type="subTitle"/>
@@ -18729,7 +18917,7 @@
       </p:sp>
       <p:sp>
         <p:nvSpPr>
-          <p:cNvPr id="251" name="Google Shape;251;p34"/>
+          <p:cNvPr id="253" name="Google Shape;253;p34"/>
           <p:cNvSpPr txBox="1"/>
           <p:nvPr>
             <p:ph idx="3" type="subTitle"/>
@@ -18772,7 +18960,7 @@
       </p:sp>
       <p:sp>
         <p:nvSpPr>
-          <p:cNvPr id="252" name="Google Shape;252;p34"/>
+          <p:cNvPr id="254" name="Google Shape;254;p34"/>
           <p:cNvSpPr txBox="1"/>
           <p:nvPr>
             <p:ph idx="4" type="title"/>
@@ -18812,7 +19000,7 @@
       </p:sp>
       <p:sp>
         <p:nvSpPr>
-          <p:cNvPr id="253" name="Google Shape;253;p34"/>
+          <p:cNvPr id="255" name="Google Shape;255;p34"/>
           <p:cNvSpPr txBox="1"/>
           <p:nvPr>
             <p:ph idx="5" type="title"/>
@@ -18852,7 +19040,7 @@
       </p:sp>
       <p:sp>
         <p:nvSpPr>
-          <p:cNvPr id="254" name="Google Shape;254;p34"/>
+          <p:cNvPr id="256" name="Google Shape;256;p34"/>
           <p:cNvSpPr txBox="1"/>
           <p:nvPr>
             <p:ph idx="6" type="title"/>
@@ -18892,7 +19080,7 @@
       </p:sp>
       <p:sp>
         <p:nvSpPr>
-          <p:cNvPr id="255" name="Google Shape;255;p34"/>
+          <p:cNvPr id="257" name="Google Shape;257;p34"/>
           <p:cNvSpPr txBox="1"/>
           <p:nvPr>
             <p:ph idx="7" type="subTitle"/>
@@ -18932,7 +19120,7 @@
       </p:sp>
       <p:sp>
         <p:nvSpPr>
-          <p:cNvPr id="256" name="Google Shape;256;p34"/>
+          <p:cNvPr id="258" name="Google Shape;258;p34"/>
           <p:cNvSpPr txBox="1"/>
           <p:nvPr>
             <p:ph idx="8" type="subTitle"/>
@@ -18972,7 +19160,7 @@
       </p:sp>
       <p:sp>
         <p:nvSpPr>
-          <p:cNvPr id="257" name="Google Shape;257;p34"/>
+          <p:cNvPr id="259" name="Google Shape;259;p34"/>
           <p:cNvSpPr txBox="1"/>
           <p:nvPr>
             <p:ph idx="9" type="subTitle"/>
@@ -19023,7 +19211,7 @@
   <p:cSld>
     <p:spTree>
       <p:nvGrpSpPr>
-        <p:cNvPr id="261" name="Shape 261"/>
+        <p:cNvPr id="263" name="Shape 263"/>
         <p:cNvGrpSpPr/>
         <p:nvPr/>
       </p:nvGrpSpPr>
@@ -19037,7 +19225,7 @@
       </p:grpSpPr>
       <p:sp>
         <p:nvSpPr>
-          <p:cNvPr id="262" name="Google Shape;262;p35"/>
+          <p:cNvPr id="264" name="Google Shape;264;p35"/>
           <p:cNvSpPr txBox="1"/>
           <p:nvPr>
             <p:ph type="title"/>
@@ -19077,7 +19265,7 @@
       </p:sp>
       <p:sp>
         <p:nvSpPr>
-          <p:cNvPr id="263" name="Google Shape;263;p35"/>
+          <p:cNvPr id="265" name="Google Shape;265;p35"/>
           <p:cNvSpPr/>
           <p:nvPr/>
         </p:nvSpPr>
@@ -19134,7 +19322,7 @@
       </p:sp>
       <p:sp>
         <p:nvSpPr>
-          <p:cNvPr id="264" name="Google Shape;264;p35"/>
+          <p:cNvPr id="266" name="Google Shape;266;p35"/>
           <p:cNvSpPr/>
           <p:nvPr/>
         </p:nvSpPr>
@@ -19191,7 +19379,7 @@
       </p:sp>
       <p:sp>
         <p:nvSpPr>
-          <p:cNvPr id="265" name="Google Shape;265;p35"/>
+          <p:cNvPr id="267" name="Google Shape;267;p35"/>
           <p:cNvSpPr/>
           <p:nvPr/>
         </p:nvSpPr>
@@ -19248,7 +19436,7 @@
       </p:sp>
       <p:sp>
         <p:nvSpPr>
-          <p:cNvPr id="266" name="Google Shape;266;p35"/>
+          <p:cNvPr id="268" name="Google Shape;268;p35"/>
           <p:cNvSpPr/>
           <p:nvPr/>
         </p:nvSpPr>
@@ -19305,7 +19493,7 @@
       </p:sp>
       <p:sp>
         <p:nvSpPr>
-          <p:cNvPr id="267" name="Google Shape;267;p35"/>
+          <p:cNvPr id="269" name="Google Shape;269;p35"/>
           <p:cNvSpPr/>
           <p:nvPr/>
         </p:nvSpPr>
@@ -19362,7 +19550,7 @@
       </p:sp>
       <p:sp>
         <p:nvSpPr>
-          <p:cNvPr id="268" name="Google Shape;268;p35"/>
+          <p:cNvPr id="270" name="Google Shape;270;p35"/>
           <p:cNvSpPr/>
           <p:nvPr/>
         </p:nvSpPr>
@@ -19419,7 +19607,7 @@
       </p:sp>
       <p:sp>
         <p:nvSpPr>
-          <p:cNvPr id="269" name="Google Shape;269;p35"/>
+          <p:cNvPr id="271" name="Google Shape;271;p35"/>
           <p:cNvSpPr/>
           <p:nvPr/>
         </p:nvSpPr>
@@ -19476,7 +19664,7 @@
       </p:sp>
       <p:sp>
         <p:nvSpPr>
-          <p:cNvPr id="270" name="Google Shape;270;p35"/>
+          <p:cNvPr id="272" name="Google Shape;272;p35"/>
           <p:cNvSpPr/>
           <p:nvPr/>
         </p:nvSpPr>
@@ -19533,7 +19721,7 @@
       </p:sp>
       <p:sp>
         <p:nvSpPr>
-          <p:cNvPr id="271" name="Google Shape;271;p35"/>
+          <p:cNvPr id="273" name="Google Shape;273;p35"/>
           <p:cNvSpPr/>
           <p:nvPr/>
         </p:nvSpPr>
@@ -19590,7 +19778,7 @@
       </p:sp>
       <p:sp>
         <p:nvSpPr>
-          <p:cNvPr id="272" name="Google Shape;272;p35"/>
+          <p:cNvPr id="274" name="Google Shape;274;p35"/>
           <p:cNvSpPr/>
           <p:nvPr/>
         </p:nvSpPr>
@@ -19647,7 +19835,7 @@
       </p:sp>
       <p:sp>
         <p:nvSpPr>
-          <p:cNvPr id="273" name="Google Shape;273;p35"/>
+          <p:cNvPr id="275" name="Google Shape;275;p35"/>
           <p:cNvSpPr txBox="1"/>
           <p:nvPr/>
         </p:nvSpPr>
@@ -19708,7 +19896,7 @@
       </p:sp>
       <p:sp>
         <p:nvSpPr>
-          <p:cNvPr id="274" name="Google Shape;274;p35"/>
+          <p:cNvPr id="276" name="Google Shape;276;p35"/>
           <p:cNvSpPr txBox="1"/>
           <p:nvPr/>
         </p:nvSpPr>
@@ -19833,7 +20021,7 @@
       </p:sp>
       <p:sp>
         <p:nvSpPr>
-          <p:cNvPr id="275" name="Google Shape;275;p35"/>
+          <p:cNvPr id="277" name="Google Shape;277;p35"/>
           <p:cNvSpPr/>
           <p:nvPr/>
         </p:nvSpPr>
@@ -19890,7 +20078,7 @@
       </p:sp>
       <p:sp>
         <p:nvSpPr>
-          <p:cNvPr id="276" name="Google Shape;276;p35"/>
+          <p:cNvPr id="278" name="Google Shape;278;p35"/>
           <p:cNvSpPr/>
           <p:nvPr/>
         </p:nvSpPr>
@@ -19947,7 +20135,7 @@
       </p:sp>
       <p:sp>
         <p:nvSpPr>
-          <p:cNvPr id="277" name="Google Shape;277;p35"/>
+          <p:cNvPr id="279" name="Google Shape;279;p35"/>
           <p:cNvSpPr/>
           <p:nvPr/>
         </p:nvSpPr>
@@ -20004,7 +20192,7 @@
       </p:sp>
       <p:sp>
         <p:nvSpPr>
-          <p:cNvPr id="278" name="Google Shape;278;p35"/>
+          <p:cNvPr id="280" name="Google Shape;280;p35"/>
           <p:cNvSpPr/>
           <p:nvPr/>
         </p:nvSpPr>
@@ -20061,7 +20249,7 @@
       </p:sp>
       <p:sp>
         <p:nvSpPr>
-          <p:cNvPr id="279" name="Google Shape;279;p35"/>
+          <p:cNvPr id="281" name="Google Shape;281;p35"/>
           <p:cNvSpPr/>
           <p:nvPr/>
         </p:nvSpPr>
@@ -20118,7 +20306,7 @@
       </p:sp>
       <p:sp>
         <p:nvSpPr>
-          <p:cNvPr id="280" name="Google Shape;280;p35"/>
+          <p:cNvPr id="282" name="Google Shape;282;p35"/>
           <p:cNvSpPr/>
           <p:nvPr/>
         </p:nvSpPr>
@@ -20175,7 +20363,7 @@
       </p:sp>
       <p:sp>
         <p:nvSpPr>
-          <p:cNvPr id="281" name="Google Shape;281;p35"/>
+          <p:cNvPr id="283" name="Google Shape;283;p35"/>
           <p:cNvSpPr/>
           <p:nvPr/>
         </p:nvSpPr>
@@ -20232,7 +20420,7 @@
       </p:sp>
       <p:sp>
         <p:nvSpPr>
-          <p:cNvPr id="282" name="Google Shape;282;p35"/>
+          <p:cNvPr id="284" name="Google Shape;284;p35"/>
           <p:cNvSpPr/>
           <p:nvPr/>
         </p:nvSpPr>
@@ -20289,7 +20477,7 @@
       </p:sp>
       <p:sp>
         <p:nvSpPr>
-          <p:cNvPr id="283" name="Google Shape;283;p35"/>
+          <p:cNvPr id="285" name="Google Shape;285;p35"/>
           <p:cNvSpPr/>
           <p:nvPr/>
         </p:nvSpPr>
@@ -20346,7 +20534,7 @@
       </p:sp>
       <p:sp>
         <p:nvSpPr>
-          <p:cNvPr id="284" name="Google Shape;284;p35"/>
+          <p:cNvPr id="286" name="Google Shape;286;p35"/>
           <p:cNvSpPr/>
           <p:nvPr/>
         </p:nvSpPr>
@@ -20403,7 +20591,7 @@
       </p:sp>
       <p:sp>
         <p:nvSpPr>
-          <p:cNvPr id="285" name="Google Shape;285;p35"/>
+          <p:cNvPr id="287" name="Google Shape;287;p35"/>
           <p:cNvSpPr txBox="1"/>
           <p:nvPr/>
         </p:nvSpPr>
@@ -20476,7 +20664,7 @@
       </p:sp>
       <p:sp>
         <p:nvSpPr>
-          <p:cNvPr id="286" name="Google Shape;286;p35"/>
+          <p:cNvPr id="288" name="Google Shape;288;p35"/>
           <p:cNvSpPr txBox="1"/>
           <p:nvPr/>
         </p:nvSpPr>
@@ -20549,7 +20737,7 @@
       </p:sp>
       <p:sp>
         <p:nvSpPr>
-          <p:cNvPr id="287" name="Google Shape;287;p35"/>
+          <p:cNvPr id="289" name="Google Shape;289;p35"/>
           <p:cNvSpPr/>
           <p:nvPr/>
         </p:nvSpPr>
@@ -20606,7 +20794,7 @@
       </p:sp>
       <p:sp>
         <p:nvSpPr>
-          <p:cNvPr id="288" name="Google Shape;288;p35"/>
+          <p:cNvPr id="290" name="Google Shape;290;p35"/>
           <p:cNvSpPr/>
           <p:nvPr/>
         </p:nvSpPr>
@@ -20663,7 +20851,7 @@
       </p:sp>
       <p:sp>
         <p:nvSpPr>
-          <p:cNvPr id="289" name="Google Shape;289;p35"/>
+          <p:cNvPr id="291" name="Google Shape;291;p35"/>
           <p:cNvSpPr/>
           <p:nvPr/>
         </p:nvSpPr>
@@ -20720,7 +20908,7 @@
       </p:sp>
       <p:sp>
         <p:nvSpPr>
-          <p:cNvPr id="290" name="Google Shape;290;p35"/>
+          <p:cNvPr id="292" name="Google Shape;292;p35"/>
           <p:cNvSpPr/>
           <p:nvPr/>
         </p:nvSpPr>
@@ -20777,7 +20965,7 @@
       </p:sp>
       <p:sp>
         <p:nvSpPr>
-          <p:cNvPr id="291" name="Google Shape;291;p35"/>
+          <p:cNvPr id="293" name="Google Shape;293;p35"/>
           <p:cNvSpPr/>
           <p:nvPr/>
         </p:nvSpPr>
@@ -20834,7 +21022,7 @@
       </p:sp>
       <p:sp>
         <p:nvSpPr>
-          <p:cNvPr id="292" name="Google Shape;292;p35"/>
+          <p:cNvPr id="294" name="Google Shape;294;p35"/>
           <p:cNvSpPr/>
           <p:nvPr/>
         </p:nvSpPr>
@@ -20891,7 +21079,7 @@
       </p:sp>
       <p:sp>
         <p:nvSpPr>
-          <p:cNvPr id="293" name="Google Shape;293;p35"/>
+          <p:cNvPr id="295" name="Google Shape;295;p35"/>
           <p:cNvSpPr/>
           <p:nvPr/>
         </p:nvSpPr>
@@ -20948,7 +21136,7 @@
       </p:sp>
       <p:sp>
         <p:nvSpPr>
-          <p:cNvPr id="294" name="Google Shape;294;p35"/>
+          <p:cNvPr id="296" name="Google Shape;296;p35"/>
           <p:cNvSpPr/>
           <p:nvPr/>
         </p:nvSpPr>
@@ -21005,7 +21193,7 @@
       </p:sp>
       <p:sp>
         <p:nvSpPr>
-          <p:cNvPr id="295" name="Google Shape;295;p35"/>
+          <p:cNvPr id="297" name="Google Shape;297;p35"/>
           <p:cNvSpPr/>
           <p:nvPr/>
         </p:nvSpPr>
@@ -21062,7 +21250,7 @@
       </p:sp>
       <p:sp>
         <p:nvSpPr>
-          <p:cNvPr id="296" name="Google Shape;296;p35"/>
+          <p:cNvPr id="298" name="Google Shape;298;p35"/>
           <p:cNvSpPr/>
           <p:nvPr/>
         </p:nvSpPr>
@@ -21119,7 +21307,7 @@
       </p:sp>
       <p:sp>
         <p:nvSpPr>
-          <p:cNvPr id="297" name="Google Shape;297;p35"/>
+          <p:cNvPr id="299" name="Google Shape;299;p35"/>
           <p:cNvSpPr txBox="1"/>
           <p:nvPr/>
         </p:nvSpPr>
@@ -21192,7 +21380,7 @@
       </p:sp>
       <p:sp>
         <p:nvSpPr>
-          <p:cNvPr id="298" name="Google Shape;298;p35"/>
+          <p:cNvPr id="300" name="Google Shape;300;p35"/>
           <p:cNvSpPr txBox="1"/>
           <p:nvPr/>
         </p:nvSpPr>
@@ -21265,7 +21453,7 @@
       </p:sp>
       <p:sp>
         <p:nvSpPr>
-          <p:cNvPr id="299" name="Google Shape;299;p35"/>
+          <p:cNvPr id="301" name="Google Shape;301;p35"/>
           <p:cNvSpPr/>
           <p:nvPr/>
         </p:nvSpPr>
@@ -21322,7 +21510,7 @@
       </p:sp>
       <p:sp>
         <p:nvSpPr>
-          <p:cNvPr id="300" name="Google Shape;300;p35"/>
+          <p:cNvPr id="302" name="Google Shape;302;p35"/>
           <p:cNvSpPr/>
           <p:nvPr/>
         </p:nvSpPr>
@@ -21379,7 +21567,7 @@
       </p:sp>
       <p:sp>
         <p:nvSpPr>
-          <p:cNvPr id="301" name="Google Shape;301;p35"/>
+          <p:cNvPr id="303" name="Google Shape;303;p35"/>
           <p:cNvSpPr/>
           <p:nvPr/>
         </p:nvSpPr>
@@ -21436,7 +21624,7 @@
       </p:sp>
       <p:sp>
         <p:nvSpPr>
-          <p:cNvPr id="302" name="Google Shape;302;p35"/>
+          <p:cNvPr id="304" name="Google Shape;304;p35"/>
           <p:cNvSpPr/>
           <p:nvPr/>
         </p:nvSpPr>
@@ -21493,7 +21681,7 @@
       </p:sp>
       <p:sp>
         <p:nvSpPr>
-          <p:cNvPr id="303" name="Google Shape;303;p35"/>
+          <p:cNvPr id="305" name="Google Shape;305;p35"/>
           <p:cNvSpPr/>
           <p:nvPr/>
         </p:nvSpPr>
@@ -21550,7 +21738,7 @@
       </p:sp>
       <p:sp>
         <p:nvSpPr>
-          <p:cNvPr id="304" name="Google Shape;304;p35"/>
+          <p:cNvPr id="306" name="Google Shape;306;p35"/>
           <p:cNvSpPr/>
           <p:nvPr/>
         </p:nvSpPr>
@@ -21607,7 +21795,7 @@
       </p:sp>
       <p:sp>
         <p:nvSpPr>
-          <p:cNvPr id="305" name="Google Shape;305;p35"/>
+          <p:cNvPr id="307" name="Google Shape;307;p35"/>
           <p:cNvSpPr/>
           <p:nvPr/>
         </p:nvSpPr>
@@ -21664,7 +21852,7 @@
       </p:sp>
       <p:sp>
         <p:nvSpPr>
-          <p:cNvPr id="306" name="Google Shape;306;p35"/>
+          <p:cNvPr id="308" name="Google Shape;308;p35"/>
           <p:cNvSpPr/>
           <p:nvPr/>
         </p:nvSpPr>
@@ -21721,7 +21909,7 @@
       </p:sp>
       <p:sp>
         <p:nvSpPr>
-          <p:cNvPr id="307" name="Google Shape;307;p35"/>
+          <p:cNvPr id="309" name="Google Shape;309;p35"/>
           <p:cNvSpPr/>
           <p:nvPr/>
         </p:nvSpPr>
@@ -21778,7 +21966,7 @@
       </p:sp>
       <p:sp>
         <p:nvSpPr>
-          <p:cNvPr id="308" name="Google Shape;308;p35"/>
+          <p:cNvPr id="310" name="Google Shape;310;p35"/>
           <p:cNvSpPr/>
           <p:nvPr/>
         </p:nvSpPr>
@@ -21835,7 +22023,7 @@
       </p:sp>
       <p:sp>
         <p:nvSpPr>
-          <p:cNvPr id="309" name="Google Shape;309;p35"/>
+          <p:cNvPr id="311" name="Google Shape;311;p35"/>
           <p:cNvSpPr txBox="1"/>
           <p:nvPr/>
         </p:nvSpPr>
@@ -21908,7 +22096,7 @@
       </p:sp>
       <p:sp>
         <p:nvSpPr>
-          <p:cNvPr id="310" name="Google Shape;310;p35"/>
+          <p:cNvPr id="312" name="Google Shape;312;p35"/>
           <p:cNvSpPr txBox="1"/>
           <p:nvPr/>
         </p:nvSpPr>
@@ -21992,7 +22180,7 @@
   <p:cSld>
     <p:spTree>
       <p:nvGrpSpPr>
-        <p:cNvPr id="314" name="Shape 314"/>
+        <p:cNvPr id="316" name="Shape 316"/>
         <p:cNvGrpSpPr/>
         <p:nvPr/>
       </p:nvGrpSpPr>
@@ -22006,7 +22194,400 @@
       </p:grpSpPr>
       <p:sp>
         <p:nvSpPr>
-          <p:cNvPr id="315" name="Google Shape;315;p36"/>
+          <p:cNvPr id="317" name="Google Shape;317;p36"/>
+          <p:cNvSpPr txBox="1"/>
+          <p:nvPr>
+            <p:ph type="title"/>
+          </p:nvPr>
+        </p:nvSpPr>
+        <p:spPr>
+          <a:xfrm>
+            <a:off x="345400" y="434600"/>
+            <a:ext cx="3084900" cy="1719000"/>
+          </a:xfrm>
+          <a:prstGeom prst="rect">
+            <a:avLst/>
+          </a:prstGeom>
+        </p:spPr>
+        <p:txBody>
+          <a:bodyPr anchorCtr="0" anchor="t" bIns="91425" lIns="91425" spcFirstLastPara="1" rIns="91425" wrap="square" tIns="91425">
+            <a:noAutofit/>
+          </a:bodyPr>
+          <a:lstStyle/>
+          <a:p>
+            <a:pPr indent="0" lvl="0" marL="0" rtl="0" algn="l">
+              <a:spcBef>
+                <a:spcPts val="0"/>
+              </a:spcBef>
+              <a:spcAft>
+                <a:spcPts val="0"/>
+              </a:spcAft>
+              <a:buNone/>
+            </a:pPr>
+            <a:r>
+              <a:rPr lang="en"/>
+              <a:t>Project Summary</a:t>
+            </a:r>
+            <a:endParaRPr/>
+          </a:p>
+        </p:txBody>
+      </p:sp>
+      <p:sp>
+        <p:nvSpPr>
+          <p:cNvPr id="318" name="Google Shape;318;p36"/>
+          <p:cNvSpPr txBox="1"/>
+          <p:nvPr>
+            <p:ph idx="2" type="subTitle"/>
+          </p:nvPr>
+        </p:nvSpPr>
+        <p:spPr>
+          <a:xfrm>
+            <a:off x="3679278" y="434604"/>
+            <a:ext cx="5147400" cy="628800"/>
+          </a:xfrm>
+          <a:prstGeom prst="rect">
+            <a:avLst/>
+          </a:prstGeom>
+        </p:spPr>
+        <p:txBody>
+          <a:bodyPr anchorCtr="0" anchor="b" bIns="91425" lIns="91425" spcFirstLastPara="1" rIns="91425" wrap="square" tIns="91425">
+            <a:noAutofit/>
+          </a:bodyPr>
+          <a:lstStyle/>
+          <a:p>
+            <a:pPr indent="0" lvl="0" marL="0" rtl="0" algn="l">
+              <a:spcBef>
+                <a:spcPts val="0"/>
+              </a:spcBef>
+              <a:spcAft>
+                <a:spcPts val="0"/>
+              </a:spcAft>
+              <a:buNone/>
+            </a:pPr>
+            <a:r>
+              <a:rPr lang="en"/>
+              <a:t>Production-ready RWA tokenization solution for real estate, private credit, and funds</a:t>
+            </a:r>
+            <a:endParaRPr/>
+          </a:p>
+        </p:txBody>
+      </p:sp>
+      <p:sp>
+        <p:nvSpPr>
+          <p:cNvPr id="319" name="Google Shape;319;p36"/>
+          <p:cNvSpPr txBox="1"/>
+          <p:nvPr>
+            <p:ph idx="1" type="subTitle"/>
+          </p:nvPr>
+        </p:nvSpPr>
+        <p:spPr>
+          <a:xfrm>
+            <a:off x="3679275" y="1063404"/>
+            <a:ext cx="5147400" cy="1563000"/>
+          </a:xfrm>
+          <a:prstGeom prst="rect">
+            <a:avLst/>
+          </a:prstGeom>
+        </p:spPr>
+        <p:txBody>
+          <a:bodyPr anchorCtr="0" anchor="t" bIns="91425" lIns="91425" spcFirstLastPara="1" rIns="91425" wrap="square" tIns="91425">
+            <a:noAutofit/>
+          </a:bodyPr>
+          <a:lstStyle/>
+          <a:p>
+            <a:pPr indent="0" lvl="0" marL="0" rtl="0" algn="l">
+              <a:spcBef>
+                <a:spcPts val="0"/>
+              </a:spcBef>
+              <a:spcAft>
+                <a:spcPts val="0"/>
+              </a:spcAft>
+              <a:buNone/>
+            </a:pPr>
+            <a:r>
+              <a:rPr b="1" lang="en" sz="1300">
+                <a:latin typeface="Bricolage Grotesque"/>
+                <a:ea typeface="Bricolage Grotesque"/>
+                <a:cs typeface="Bricolage Grotesque"/>
+                <a:sym typeface="Bricolage Grotesque"/>
+              </a:rPr>
+              <a:t>Key Implementation: </a:t>
+            </a:r>
+            <a:endParaRPr b="1"/>
+          </a:p>
+          <a:p>
+            <a:pPr indent="0" lvl="0" marL="0" rtl="0" algn="l">
+              <a:lnSpc>
+                <a:spcPct val="125000"/>
+              </a:lnSpc>
+              <a:spcBef>
+                <a:spcPts val="1000"/>
+              </a:spcBef>
+              <a:spcAft>
+                <a:spcPts val="0"/>
+              </a:spcAft>
+              <a:buNone/>
+            </a:pPr>
+            <a:r>
+              <a:rPr b="1" lang="en"/>
+              <a:t>1. On-Chain Compliance: </a:t>
+            </a:r>
+            <a:r>
+              <a:rPr lang="en"/>
+              <a:t>Transfer restrictions, allowlist-only, jurisdiction encoding</a:t>
+            </a:r>
+            <a:endParaRPr/>
+          </a:p>
+          <a:p>
+            <a:pPr indent="0" lvl="0" marL="0" rtl="0" algn="l">
+              <a:lnSpc>
+                <a:spcPct val="125000"/>
+              </a:lnSpc>
+              <a:spcBef>
+                <a:spcPts val="0"/>
+              </a:spcBef>
+              <a:spcAft>
+                <a:spcPts val="0"/>
+              </a:spcAft>
+              <a:buNone/>
+            </a:pPr>
+            <a:r>
+              <a:rPr b="1" lang="en"/>
+              <a:t>2. Defense-in-Depth Security:</a:t>
+            </a:r>
+            <a:r>
+              <a:rPr lang="en"/>
+              <a:t> 3-of-5 multisig + 7-day upgrade timelock + MPC custody + $1M bug bounty</a:t>
+            </a:r>
+            <a:endParaRPr/>
+          </a:p>
+          <a:p>
+            <a:pPr indent="0" lvl="0" marL="0" rtl="0" algn="l">
+              <a:lnSpc>
+                <a:spcPct val="125000"/>
+              </a:lnSpc>
+              <a:spcBef>
+                <a:spcPts val="0"/>
+              </a:spcBef>
+              <a:spcAft>
+                <a:spcPts val="0"/>
+              </a:spcAft>
+              <a:buNone/>
+            </a:pPr>
+            <a:r>
+              <a:rPr b="1" lang="en"/>
+              <a:t>3. Hybrid Model:</a:t>
+            </a:r>
+            <a:r>
+              <a:rPr lang="en"/>
+              <a:t> Issuers (MPC custody) + Investors (self-custody) + USDC settlement</a:t>
+            </a:r>
+            <a:br>
+              <a:rPr b="1" lang="en"/>
+            </a:br>
+            <a:endParaRPr/>
+          </a:p>
+        </p:txBody>
+      </p:sp>
+      <p:sp>
+        <p:nvSpPr>
+          <p:cNvPr id="320" name="Google Shape;320;p36"/>
+          <p:cNvSpPr txBox="1"/>
+          <p:nvPr>
+            <p:ph idx="3" type="subTitle"/>
+          </p:nvPr>
+        </p:nvSpPr>
+        <p:spPr>
+          <a:xfrm>
+            <a:off x="3679320" y="3214306"/>
+            <a:ext cx="5147400" cy="1082700"/>
+          </a:xfrm>
+          <a:prstGeom prst="rect">
+            <a:avLst/>
+          </a:prstGeom>
+        </p:spPr>
+        <p:txBody>
+          <a:bodyPr anchorCtr="0" anchor="t" bIns="91425" lIns="91425" spcFirstLastPara="1" rIns="91425" wrap="square" tIns="91425">
+            <a:noAutofit/>
+          </a:bodyPr>
+          <a:lstStyle/>
+          <a:p>
+            <a:pPr indent="0" lvl="0" marL="0" rtl="0" algn="l">
+              <a:lnSpc>
+                <a:spcPct val="150000"/>
+              </a:lnSpc>
+              <a:spcBef>
+                <a:spcPts val="0"/>
+              </a:spcBef>
+              <a:spcAft>
+                <a:spcPts val="0"/>
+              </a:spcAft>
+              <a:buNone/>
+            </a:pPr>
+            <a:r>
+              <a:rPr lang="en"/>
+              <a:t>✅ Regulatory Compliance: On-chain enforcement meets securities requirements</a:t>
+            </a:r>
+            <a:endParaRPr/>
+          </a:p>
+          <a:p>
+            <a:pPr indent="0" lvl="0" marL="0" rtl="0" algn="l">
+              <a:lnSpc>
+                <a:spcPct val="150000"/>
+              </a:lnSpc>
+              <a:spcBef>
+                <a:spcPts val="0"/>
+              </a:spcBef>
+              <a:spcAft>
+                <a:spcPts val="0"/>
+              </a:spcAft>
+              <a:buNone/>
+            </a:pPr>
+            <a:r>
+              <a:rPr lang="en"/>
+              <a:t>✅ Investor Protection: No PII on-chain + transparent operations</a:t>
+            </a:r>
+            <a:endParaRPr/>
+          </a:p>
+          <a:p>
+            <a:pPr indent="0" lvl="0" marL="0" rtl="0" algn="l">
+              <a:lnSpc>
+                <a:spcPct val="150000"/>
+              </a:lnSpc>
+              <a:spcBef>
+                <a:spcPts val="0"/>
+              </a:spcBef>
+              <a:spcAft>
+                <a:spcPts val="0"/>
+              </a:spcAft>
+              <a:buNone/>
+            </a:pPr>
+            <a:r>
+              <a:rPr lang="en"/>
+              <a:t>✅ Operational Security: No single point of failure + emergency controls</a:t>
+            </a:r>
+            <a:endParaRPr/>
+          </a:p>
+          <a:p>
+            <a:pPr indent="0" lvl="0" marL="0" rtl="0" algn="l">
+              <a:lnSpc>
+                <a:spcPct val="150000"/>
+              </a:lnSpc>
+              <a:spcBef>
+                <a:spcPts val="0"/>
+              </a:spcBef>
+              <a:spcAft>
+                <a:spcPts val="0"/>
+              </a:spcAft>
+              <a:buNone/>
+            </a:pPr>
+            <a:r>
+              <a:rPr lang="en"/>
+              <a:t>✅ Scalable Design: Gas-optimized + L2-ready + supports full asset lifecycle</a:t>
+            </a:r>
+            <a:endParaRPr/>
+          </a:p>
+        </p:txBody>
+      </p:sp>
+      <p:sp>
+        <p:nvSpPr>
+          <p:cNvPr id="321" name="Google Shape;321;p36"/>
+          <p:cNvSpPr txBox="1"/>
+          <p:nvPr>
+            <p:ph idx="4" type="subTitle"/>
+          </p:nvPr>
+        </p:nvSpPr>
+        <p:spPr>
+          <a:xfrm>
+            <a:off x="3679250" y="2733904"/>
+            <a:ext cx="5147400" cy="546600"/>
+          </a:xfrm>
+          <a:prstGeom prst="rect">
+            <a:avLst/>
+          </a:prstGeom>
+        </p:spPr>
+        <p:txBody>
+          <a:bodyPr anchorCtr="0" anchor="b" bIns="91425" lIns="91425" spcFirstLastPara="1" rIns="91425" wrap="square" tIns="91425">
+            <a:noAutofit/>
+          </a:bodyPr>
+          <a:lstStyle/>
+          <a:p>
+            <a:pPr indent="0" lvl="0" marL="0" rtl="0" algn="l">
+              <a:spcBef>
+                <a:spcPts val="0"/>
+              </a:spcBef>
+              <a:spcAft>
+                <a:spcPts val="0"/>
+              </a:spcAft>
+              <a:buNone/>
+            </a:pPr>
+            <a:r>
+              <a:rPr lang="en"/>
+              <a:t>Why It Works for RWA:</a:t>
+            </a:r>
+            <a:endParaRPr/>
+          </a:p>
+        </p:txBody>
+      </p:sp>
+      <p:pic>
+        <p:nvPicPr>
+          <p:cNvPr id="322" name="Google Shape;322;p36" title="652fbaf842b36f00013c4f33_Real-world Assets (RWA)-1600 900.png"/>
+          <p:cNvPicPr preferRelativeResize="0"/>
+          <p:nvPr>
+            <p:ph idx="2" type="pic"/>
+          </p:nvPr>
+        </p:nvPicPr>
+        <p:blipFill rotWithShape="1">
+          <a:blip r:embed="rId3">
+            <a:alphaModFix/>
+          </a:blip>
+          <a:srcRect b="0" l="19377" r="19377" t="0"/>
+          <a:stretch/>
+        </p:blipFill>
+        <p:spPr>
+          <a:xfrm>
+            <a:off x="395775" y="2270650"/>
+            <a:ext cx="2792700" cy="2565000"/>
+          </a:xfrm>
+          <a:prstGeom prst="roundRect">
+            <a:avLst>
+              <a:gd fmla="val 16667" name="adj"/>
+            </a:avLst>
+          </a:prstGeom>
+          <a:noFill/>
+          <a:ln>
+            <a:noFill/>
+          </a:ln>
+        </p:spPr>
+      </p:pic>
+    </p:spTree>
+  </p:cSld>
+  <p:clrMapOvr>
+    <a:masterClrMapping/>
+  </p:clrMapOvr>
+</p:sld>
+</file>
+
+<file path=ppt/slides/slide16.xml><?xml version="1.0" encoding="utf-8"?>
+<p:sld xmlns:a="http://schemas.openxmlformats.org/drawingml/2006/main" xmlns:r="http://schemas.openxmlformats.org/officeDocument/2006/relationships" xmlns:mc="http://schemas.openxmlformats.org/markup-compatibility/2006" xmlns:mv="urn:schemas-microsoft-com:mac:vml" xmlns:p="http://schemas.openxmlformats.org/presentationml/2006/main" xmlns:c="http://schemas.openxmlformats.org/drawingml/2006/chart" xmlns:dgm="http://schemas.openxmlformats.org/drawingml/2006/diagram" xmlns:o="urn:schemas-microsoft-com:office:office" xmlns:v="urn:schemas-microsoft-com:vml" xmlns:pvml="urn:schemas-microsoft-com:office:powerpoint" xmlns:com="http://schemas.openxmlformats.org/drawingml/2006/compatibility" xmlns:p14="http://schemas.microsoft.com/office/powerpoint/2010/main" xmlns:p15="http://schemas.microsoft.com/office/powerpoint/2012/main" xmlns:ahyp="http://schemas.microsoft.com/office/drawing/2018/hyperlinkcolor">
+  <p:cSld>
+    <p:spTree>
+      <p:nvGrpSpPr>
+        <p:cNvPr id="326" name="Shape 326"/>
+        <p:cNvGrpSpPr/>
+        <p:nvPr/>
+      </p:nvGrpSpPr>
+      <p:grpSpPr>
+        <a:xfrm>
+          <a:off x="0" y="0"/>
+          <a:ext cx="0" cy="0"/>
+          <a:chOff x="0" y="0"/>
+          <a:chExt cx="0" cy="0"/>
+        </a:xfrm>
+      </p:grpSpPr>
+      <p:sp>
+        <p:nvSpPr>
+          <p:cNvPr id="327" name="Google Shape;327;p37"/>
           <p:cNvSpPr txBox="1"/>
           <p:nvPr>
             <p:ph type="title"/>
@@ -22046,7 +22627,7 @@
       </p:sp>
       <p:sp>
         <p:nvSpPr>
-          <p:cNvPr id="316" name="Google Shape;316;p36"/>
+          <p:cNvPr id="328" name="Google Shape;328;p37"/>
           <p:cNvSpPr/>
           <p:nvPr/>
         </p:nvSpPr>
@@ -22089,7 +22670,7 @@
       </p:sp>
       <p:sp>
         <p:nvSpPr>
-          <p:cNvPr id="317" name="Google Shape;317;p36"/>
+          <p:cNvPr id="329" name="Google Shape;329;p37"/>
           <p:cNvSpPr/>
           <p:nvPr/>
         </p:nvSpPr>
@@ -22132,7 +22713,7 @@
       </p:sp>
       <p:sp>
         <p:nvSpPr>
-          <p:cNvPr id="318" name="Google Shape;318;p36"/>
+          <p:cNvPr id="330" name="Google Shape;330;p37"/>
           <p:cNvSpPr/>
           <p:nvPr/>
         </p:nvSpPr>
@@ -22175,7 +22756,7 @@
       </p:sp>
       <p:grpSp>
         <p:nvGrpSpPr>
-          <p:cNvPr id="319" name="Google Shape;319;p36"/>
+          <p:cNvPr id="331" name="Google Shape;331;p37"/>
           <p:cNvGrpSpPr/>
           <p:nvPr/>
         </p:nvGrpSpPr>
@@ -22189,7 +22770,7 @@
         </p:grpSpPr>
         <p:sp>
           <p:nvSpPr>
-            <p:cNvPr id="320" name="Google Shape;320;p36"/>
+            <p:cNvPr id="332" name="Google Shape;332;p37"/>
             <p:cNvSpPr/>
             <p:nvPr/>
           </p:nvSpPr>
@@ -22302,7 +22883,7 @@
         </p:sp>
         <p:sp>
           <p:nvSpPr>
-            <p:cNvPr id="321" name="Google Shape;321;p36"/>
+            <p:cNvPr id="333" name="Google Shape;333;p37"/>
             <p:cNvSpPr/>
             <p:nvPr/>
           </p:nvSpPr>
@@ -22453,7 +23034,7 @@
         </p:sp>
         <p:sp>
           <p:nvSpPr>
-            <p:cNvPr id="322" name="Google Shape;322;p36"/>
+            <p:cNvPr id="334" name="Google Shape;334;p37"/>
             <p:cNvSpPr/>
             <p:nvPr/>
           </p:nvSpPr>
@@ -22525,7 +23106,7 @@
       </p:grpSp>
       <p:grpSp>
         <p:nvGrpSpPr>
-          <p:cNvPr id="323" name="Google Shape;323;p36"/>
+          <p:cNvPr id="335" name="Google Shape;335;p37"/>
           <p:cNvGrpSpPr/>
           <p:nvPr/>
         </p:nvGrpSpPr>
@@ -22539,7 +23120,7 @@
         </p:grpSpPr>
         <p:sp>
           <p:nvSpPr>
-            <p:cNvPr id="324" name="Google Shape;324;p36"/>
+            <p:cNvPr id="336" name="Google Shape;336;p37"/>
             <p:cNvSpPr/>
             <p:nvPr/>
           </p:nvSpPr>
@@ -22632,7 +23213,7 @@
         </p:sp>
         <p:sp>
           <p:nvSpPr>
-            <p:cNvPr id="325" name="Google Shape;325;p36"/>
+            <p:cNvPr id="337" name="Google Shape;337;p37"/>
             <p:cNvSpPr/>
             <p:nvPr/>
           </p:nvSpPr>
@@ -22727,7 +23308,7 @@
         </p:sp>
         <p:sp>
           <p:nvSpPr>
-            <p:cNvPr id="326" name="Google Shape;326;p36"/>
+            <p:cNvPr id="338" name="Google Shape;338;p37"/>
             <p:cNvSpPr/>
             <p:nvPr/>
           </p:nvSpPr>
@@ -22929,7 +23510,7 @@
       </p:grpSp>
       <p:sp>
         <p:nvSpPr>
-          <p:cNvPr id="327" name="Google Shape;327;p36"/>
+          <p:cNvPr id="339" name="Google Shape;339;p37"/>
           <p:cNvSpPr/>
           <p:nvPr/>
         </p:nvSpPr>
@@ -23058,7 +23639,7 @@
       </p:sp>
       <p:pic>
         <p:nvPicPr>
-          <p:cNvPr id="328" name="Google Shape;328;p36" title="656efcb6445d47000166f39e_BRC-20 Tokens-1600 900.png"/>
+          <p:cNvPr id="340" name="Google Shape;340;p37" title="656efcb6445d47000166f39e_BRC-20 Tokens-1600 900.png"/>
           <p:cNvPicPr preferRelativeResize="0"/>
           <p:nvPr>
             <p:ph idx="2" type="pic"/>
@@ -23095,12 +23676,12 @@
 </p:sld>
 </file>
 
-<file path=ppt/slides/slide16.xml><?xml version="1.0" encoding="utf-8"?>
+<file path=ppt/slides/slide17.xml><?xml version="1.0" encoding="utf-8"?>
 <p:sld xmlns:a="http://schemas.openxmlformats.org/drawingml/2006/main" xmlns:r="http://schemas.openxmlformats.org/officeDocument/2006/relationships" xmlns:mc="http://schemas.openxmlformats.org/markup-compatibility/2006" xmlns:mv="urn:schemas-microsoft-com:mac:vml" xmlns:p="http://schemas.openxmlformats.org/presentationml/2006/main" xmlns:c="http://schemas.openxmlformats.org/drawingml/2006/chart" xmlns:dgm="http://schemas.openxmlformats.org/drawingml/2006/diagram" xmlns:o="urn:schemas-microsoft-com:office:office" xmlns:v="urn:schemas-microsoft-com:vml" xmlns:pvml="urn:schemas-microsoft-com:office:powerpoint" xmlns:com="http://schemas.openxmlformats.org/drawingml/2006/compatibility" xmlns:p14="http://schemas.microsoft.com/office/powerpoint/2010/main" xmlns:p15="http://schemas.microsoft.com/office/powerpoint/2012/main" xmlns:ahyp="http://schemas.microsoft.com/office/drawing/2018/hyperlinkcolor">
   <p:cSld>
     <p:spTree>
       <p:nvGrpSpPr>
-        <p:cNvPr id="332" name="Shape 332"/>
+        <p:cNvPr id="344" name="Shape 344"/>
         <p:cNvGrpSpPr/>
         <p:nvPr/>
       </p:nvGrpSpPr>
@@ -23114,7 +23695,7 @@
       </p:grpSpPr>
       <p:sp>
         <p:nvSpPr>
-          <p:cNvPr id="333" name="Google Shape;333;p37"/>
+          <p:cNvPr id="345" name="Google Shape;345;p38"/>
           <p:cNvSpPr txBox="1"/>
           <p:nvPr>
             <p:ph type="title"/>
@@ -23158,7 +23739,7 @@
       </p:sp>
       <p:sp>
         <p:nvSpPr>
-          <p:cNvPr id="334" name="Google Shape;334;p37"/>
+          <p:cNvPr id="346" name="Google Shape;346;p38"/>
           <p:cNvSpPr/>
           <p:nvPr/>
         </p:nvSpPr>
@@ -23201,7 +23782,7 @@
       </p:sp>
       <p:sp>
         <p:nvSpPr>
-          <p:cNvPr id="335" name="Google Shape;335;p37"/>
+          <p:cNvPr id="347" name="Google Shape;347;p38"/>
           <p:cNvSpPr/>
           <p:nvPr/>
         </p:nvSpPr>
@@ -23244,7 +23825,7 @@
       </p:sp>
       <p:sp>
         <p:nvSpPr>
-          <p:cNvPr id="336" name="Google Shape;336;p37"/>
+          <p:cNvPr id="348" name="Google Shape;348;p38"/>
           <p:cNvSpPr/>
           <p:nvPr/>
         </p:nvSpPr>
@@ -23287,7 +23868,7 @@
       </p:sp>
       <p:grpSp>
         <p:nvGrpSpPr>
-          <p:cNvPr id="337" name="Google Shape;337;p37"/>
+          <p:cNvPr id="349" name="Google Shape;349;p38"/>
           <p:cNvGrpSpPr/>
           <p:nvPr/>
         </p:nvGrpSpPr>
@@ -23301,7 +23882,7 @@
         </p:grpSpPr>
         <p:sp>
           <p:nvSpPr>
-            <p:cNvPr id="338" name="Google Shape;338;p37"/>
+            <p:cNvPr id="350" name="Google Shape;350;p38"/>
             <p:cNvSpPr/>
             <p:nvPr/>
           </p:nvSpPr>
@@ -23414,7 +23995,7 @@
         </p:sp>
         <p:sp>
           <p:nvSpPr>
-            <p:cNvPr id="339" name="Google Shape;339;p37"/>
+            <p:cNvPr id="351" name="Google Shape;351;p38"/>
             <p:cNvSpPr/>
             <p:nvPr/>
           </p:nvSpPr>
@@ -23565,7 +24146,7 @@
         </p:sp>
         <p:sp>
           <p:nvSpPr>
-            <p:cNvPr id="340" name="Google Shape;340;p37"/>
+            <p:cNvPr id="352" name="Google Shape;352;p38"/>
             <p:cNvSpPr/>
             <p:nvPr/>
           </p:nvSpPr>
@@ -23637,7 +24218,7 @@
       </p:grpSp>
       <p:grpSp>
         <p:nvGrpSpPr>
-          <p:cNvPr id="341" name="Google Shape;341;p37"/>
+          <p:cNvPr id="353" name="Google Shape;353;p38"/>
           <p:cNvGrpSpPr/>
           <p:nvPr/>
         </p:nvGrpSpPr>
@@ -23651,7 +24232,7 @@
         </p:grpSpPr>
         <p:sp>
           <p:nvSpPr>
-            <p:cNvPr id="342" name="Google Shape;342;p37"/>
+            <p:cNvPr id="354" name="Google Shape;354;p38"/>
             <p:cNvSpPr/>
             <p:nvPr/>
           </p:nvSpPr>
@@ -23744,7 +24325,7 @@
         </p:sp>
         <p:sp>
           <p:nvSpPr>
-            <p:cNvPr id="343" name="Google Shape;343;p37"/>
+            <p:cNvPr id="355" name="Google Shape;355;p38"/>
             <p:cNvSpPr/>
             <p:nvPr/>
           </p:nvSpPr>
@@ -23839,7 +24420,7 @@
         </p:sp>
         <p:sp>
           <p:nvSpPr>
-            <p:cNvPr id="344" name="Google Shape;344;p37"/>
+            <p:cNvPr id="356" name="Google Shape;356;p38"/>
             <p:cNvSpPr/>
             <p:nvPr/>
           </p:nvSpPr>
@@ -24041,7 +24622,7 @@
       </p:grpSp>
       <p:sp>
         <p:nvSpPr>
-          <p:cNvPr id="345" name="Google Shape;345;p37"/>
+          <p:cNvPr id="357" name="Google Shape;357;p38"/>
           <p:cNvSpPr/>
           <p:nvPr/>
         </p:nvSpPr>
@@ -24170,7 +24751,7 @@
       </p:sp>
       <p:pic>
         <p:nvPicPr>
-          <p:cNvPr id="346" name="Google Shape;346;p37" title="65e9997df9978e0001e85481_1600-900-Bridging-the-Gap-An-In-Depth-Guide-to-Blockchain-Bridges (1).png"/>
+          <p:cNvPr id="358" name="Google Shape;358;p38" title="65e9997df9978e0001e85481_1600-900-Bridging-the-Gap-An-In-Depth-Guide-to-Blockchain-Bridges (1).png"/>
           <p:cNvPicPr preferRelativeResize="0"/>
           <p:nvPr>
             <p:ph idx="2" type="pic"/>
